--- a/presentations/presentation_JacopoBinati.pptx
+++ b/presentations/presentation_JacopoBinati.pptx
@@ -190,7 +190,7 @@
           <a:p>
             <a:fld id="{1D8BD707-D9CF-40AE-B4C6-C98DA3205C09}" type="datetimeFigureOut">
               <a:rPr lang="en-US"/>
-              <a:t>4/24/24</a:t>
+              <a:t>4/25/24</a:t>
             </a:fld>
             <a:endParaRPr lang="en-US"/>
           </a:p>
@@ -367,7 +367,7 @@
           <a:p>
             <a:fld id="{1D8BD707-D9CF-40AE-B4C6-C98DA3205C09}" type="datetimeFigureOut">
               <a:rPr lang="en-US"/>
-              <a:t>4/24/24</a:t>
+              <a:t>4/25/24</a:t>
             </a:fld>
             <a:endParaRPr lang="en-US"/>
           </a:p>
@@ -581,7 +581,7 @@
           <a:p>
             <a:fld id="{1D8BD707-D9CF-40AE-B4C6-C98DA3205C09}" type="datetimeFigureOut">
               <a:rPr lang="en-US"/>
-              <a:t>4/24/24</a:t>
+              <a:t>4/25/24</a:t>
             </a:fld>
             <a:endParaRPr lang="en-US"/>
           </a:p>
@@ -729,7 +729,7 @@
           <a:p>
             <a:fld id="{1D8BD707-D9CF-40AE-B4C6-C98DA3205C09}" type="datetimeFigureOut">
               <a:rPr lang="en-US"/>
-              <a:t>4/24/24</a:t>
+              <a:t>4/25/24</a:t>
             </a:fld>
             <a:endParaRPr lang="en-US"/>
           </a:p>
@@ -1846,7 +1846,7 @@
           <a:p>
             <a:fld id="{1D8BD707-D9CF-40AE-B4C6-C98DA3205C09}" type="datetimeFigureOut">
               <a:rPr lang="en-US"/>
-              <a:t>4/24/24</a:t>
+              <a:t>4/25/24</a:t>
             </a:fld>
             <a:endParaRPr lang="en-US"/>
           </a:p>
@@ -2093,7 +2093,7 @@
           <a:p>
             <a:fld id="{1D8BD707-D9CF-40AE-B4C6-C98DA3205C09}" type="datetimeFigureOut">
               <a:rPr lang="en-US"/>
-              <a:t>4/24/24</a:t>
+              <a:t>4/25/24</a:t>
             </a:fld>
             <a:endParaRPr lang="en-US"/>
           </a:p>

--- a/presentations/presentation_JacopoBinati.pptx
+++ b/presentations/presentation_JacopoBinati.pptx
@@ -7,11 +7,15 @@
   <p:sldIdLst>
     <p:sldId id="256" r:id="rId2"/>
     <p:sldId id="257" r:id="rId3"/>
-    <p:sldId id="258" r:id="rId4"/>
-    <p:sldId id="259" r:id="rId5"/>
-    <p:sldId id="264" r:id="rId6"/>
-    <p:sldId id="261" r:id="rId7"/>
-    <p:sldId id="262" r:id="rId8"/>
+    <p:sldId id="270" r:id="rId4"/>
+    <p:sldId id="258" r:id="rId5"/>
+    <p:sldId id="266" r:id="rId6"/>
+    <p:sldId id="259" r:id="rId7"/>
+    <p:sldId id="267" r:id="rId8"/>
+    <p:sldId id="268" r:id="rId9"/>
+    <p:sldId id="265" r:id="rId10"/>
+    <p:sldId id="261" r:id="rId11"/>
+    <p:sldId id="262" r:id="rId12"/>
   </p:sldIdLst>
   <p:sldSz cx="20104100" cy="11309350"/>
   <p:notesSz cx="20104100" cy="11309350"/>
@@ -190,7 +194,7 @@
           <a:p>
             <a:fld id="{1D8BD707-D9CF-40AE-B4C6-C98DA3205C09}" type="datetimeFigureOut">
               <a:rPr lang="en-US"/>
-              <a:t>4/25/24</a:t>
+              <a:t>5/7/24</a:t>
             </a:fld>
             <a:endParaRPr lang="en-US"/>
           </a:p>
@@ -367,7 +371,7 @@
           <a:p>
             <a:fld id="{1D8BD707-D9CF-40AE-B4C6-C98DA3205C09}" type="datetimeFigureOut">
               <a:rPr lang="en-US"/>
-              <a:t>4/25/24</a:t>
+              <a:t>5/7/24</a:t>
             </a:fld>
             <a:endParaRPr lang="en-US"/>
           </a:p>
@@ -581,7 +585,7 @@
           <a:p>
             <a:fld id="{1D8BD707-D9CF-40AE-B4C6-C98DA3205C09}" type="datetimeFigureOut">
               <a:rPr lang="en-US"/>
-              <a:t>4/25/24</a:t>
+              <a:t>5/7/24</a:t>
             </a:fld>
             <a:endParaRPr lang="en-US"/>
           </a:p>
@@ -729,7 +733,7 @@
           <a:p>
             <a:fld id="{1D8BD707-D9CF-40AE-B4C6-C98DA3205C09}" type="datetimeFigureOut">
               <a:rPr lang="en-US"/>
-              <a:t>4/25/24</a:t>
+              <a:t>5/7/24</a:t>
             </a:fld>
             <a:endParaRPr lang="en-US"/>
           </a:p>
@@ -1846,7 +1850,7 @@
           <a:p>
             <a:fld id="{1D8BD707-D9CF-40AE-B4C6-C98DA3205C09}" type="datetimeFigureOut">
               <a:rPr lang="en-US"/>
-              <a:t>4/25/24</a:t>
+              <a:t>5/7/24</a:t>
             </a:fld>
             <a:endParaRPr lang="en-US"/>
           </a:p>
@@ -2093,7 +2097,7 @@
           <a:p>
             <a:fld id="{1D8BD707-D9CF-40AE-B4C6-C98DA3205C09}" type="datetimeFigureOut">
               <a:rPr lang="en-US"/>
-              <a:t>4/25/24</a:t>
+              <a:t>5/7/24</a:t>
             </a:fld>
             <a:endParaRPr lang="en-US"/>
           </a:p>
@@ -2462,6 +2466,1237 @@
 </p:sld>
 </file>
 
+<file path=ppt/slides/slide10.xml><?xml version="1.0" encoding="utf-8"?>
+<p:sld xmlns:a="http://schemas.openxmlformats.org/drawingml/2006/main" xmlns:r="http://schemas.openxmlformats.org/officeDocument/2006/relationships" xmlns:p="http://schemas.openxmlformats.org/presentationml/2006/main">
+  <p:cSld>
+    <p:spTree>
+      <p:nvGrpSpPr>
+        <p:cNvPr id="1" name=""/>
+        <p:cNvGrpSpPr/>
+        <p:nvPr/>
+      </p:nvGrpSpPr>
+      <p:grpSpPr>
+        <a:xfrm>
+          <a:off x="0" y="0"/>
+          <a:ext cx="0" cy="0"/>
+          <a:chOff x="0" y="0"/>
+          <a:chExt cx="0" cy="0"/>
+        </a:xfrm>
+      </p:grpSpPr>
+      <p:sp>
+        <p:nvSpPr>
+          <p:cNvPr id="2" name="object 2"/>
+          <p:cNvSpPr txBox="1">
+            <a:spLocks noGrp="1"/>
+          </p:cNvSpPr>
+          <p:nvPr>
+            <p:ph type="title"/>
+          </p:nvPr>
+        </p:nvSpPr>
+        <p:spPr>
+          <a:xfrm>
+            <a:off x="1023916" y="755214"/>
+            <a:ext cx="5370533" cy="1027845"/>
+          </a:xfrm>
+          <a:prstGeom prst="rect">
+            <a:avLst/>
+          </a:prstGeom>
+        </p:spPr>
+        <p:txBody>
+          <a:bodyPr vert="horz" wrap="square" lIns="0" tIns="12065" rIns="0" bIns="0" rtlCol="0">
+            <a:spAutoFit/>
+          </a:bodyPr>
+          <a:lstStyle/>
+          <a:p>
+            <a:pPr marL="12700">
+              <a:lnSpc>
+                <a:spcPct val="100000"/>
+              </a:lnSpc>
+              <a:spcBef>
+                <a:spcPts val="95"/>
+              </a:spcBef>
+            </a:pPr>
+            <a:r>
+              <a:rPr spc="280" dirty="0">
+                <a:solidFill>
+                  <a:schemeClr val="tx1"/>
+                </a:solidFill>
+                <a:latin typeface="Cambria" panose="02040503050406030204" pitchFamily="18" charset="0"/>
+              </a:rPr>
+              <a:t>Methods</a:t>
+            </a:r>
+          </a:p>
+        </p:txBody>
+      </p:sp>
+      <p:sp>
+        <p:nvSpPr>
+          <p:cNvPr id="5" name="TextBox 4">
+            <a:extLst>
+              <a:ext uri="{FF2B5EF4-FFF2-40B4-BE49-F238E27FC236}">
+                <a16:creationId xmlns:a16="http://schemas.microsoft.com/office/drawing/2014/main" id="{B0FE64F8-43FB-8044-7A09-19A15BC20D45}"/>
+              </a:ext>
+            </a:extLst>
+          </p:cNvPr>
+          <p:cNvSpPr txBox="1"/>
+          <p:nvPr/>
+        </p:nvSpPr>
+        <p:spPr>
+          <a:xfrm>
+            <a:off x="1023916" y="2122064"/>
+            <a:ext cx="15624790" cy="523220"/>
+          </a:xfrm>
+          <a:prstGeom prst="rect">
+            <a:avLst/>
+          </a:prstGeom>
+          <a:noFill/>
+        </p:spPr>
+        <p:txBody>
+          <a:bodyPr wrap="none" rtlCol="0">
+            <a:spAutoFit/>
+          </a:bodyPr>
+          <a:lstStyle/>
+          <a:p>
+            <a:r>
+              <a:rPr lang="en-GB" sz="2800" dirty="0">
+                <a:latin typeface="Cambria" panose="02040503050406030204" pitchFamily="18" charset="0"/>
+                <a:cs typeface="Calibri" panose="020F0502020204030204" pitchFamily="34" charset="0"/>
+              </a:rPr>
+              <a:t>Two Ways Fixed Effect on Country and Years, using Democratic Governance as Instrumental Variable</a:t>
+            </a:r>
+          </a:p>
+        </p:txBody>
+      </p:sp>
+      <mc:AlternateContent xmlns:mc="http://schemas.openxmlformats.org/markup-compatibility/2006">
+        <mc:Choice xmlns:a14="http://schemas.microsoft.com/office/drawing/2010/main" Requires="a14">
+          <p:sp>
+            <p:nvSpPr>
+              <p:cNvPr id="7" name="TextBox 6">
+                <a:extLst>
+                  <a:ext uri="{FF2B5EF4-FFF2-40B4-BE49-F238E27FC236}">
+                    <a16:creationId xmlns:a16="http://schemas.microsoft.com/office/drawing/2014/main" id="{3627FE91-5492-9014-376B-046DD53D03DA}"/>
+                  </a:ext>
+                </a:extLst>
+              </p:cNvPr>
+              <p:cNvSpPr txBox="1"/>
+              <p:nvPr/>
+            </p:nvSpPr>
+            <p:spPr>
+              <a:xfrm>
+                <a:off x="986190" y="4266346"/>
+                <a:ext cx="18324534" cy="2776658"/>
+              </a:xfrm>
+              <a:prstGeom prst="rect">
+                <a:avLst/>
+              </a:prstGeom>
+              <a:noFill/>
+            </p:spPr>
+            <p:txBody>
+              <a:bodyPr wrap="square" rtlCol="0">
+                <a:spAutoFit/>
+              </a:bodyPr>
+              <a:lstStyle/>
+              <a:p>
+                <a:pPr marL="342900" indent="-342900">
+                  <a:lnSpc>
+                    <a:spcPct val="150000"/>
+                  </a:lnSpc>
+                  <a:buFont typeface="Arial" panose="020B0604020202020204" pitchFamily="34" charset="0"/>
+                  <a:buChar char="•"/>
+                </a:pPr>
+                <a:r>
+                  <a:rPr lang="en-GB" sz="3000" dirty="0">
+                    <a:latin typeface="Cambria" panose="02040503050406030204" pitchFamily="18" charset="0"/>
+                  </a:rPr>
+                  <a:t>Instrumental Variable (IV) Approach Notation for IV:</a:t>
+                </a:r>
+              </a:p>
+              <a:p>
+                <a:pPr marL="342900" lvl="6" indent="-342900">
+                  <a:lnSpc>
+                    <a:spcPct val="150000"/>
+                  </a:lnSpc>
+                  <a:buFont typeface="Arial" panose="020B0604020202020204" pitchFamily="34" charset="0"/>
+                  <a:buChar char="•"/>
+                </a:pPr>
+                <a:r>
+                  <a:rPr lang="en-GB" sz="3000" i="1" dirty="0" err="1">
+                    <a:latin typeface="Cambria" panose="02040503050406030204" pitchFamily="18" charset="0"/>
+                    <a:cs typeface="Times New Roman"/>
+                  </a:rPr>
+                  <a:t>Demo</a:t>
+                </a:r>
+                <a:r>
+                  <a:rPr lang="en-GB" sz="3000" i="1" baseline="-20299" dirty="0" err="1">
+                    <a:latin typeface="Cambria" panose="02040503050406030204" pitchFamily="18" charset="0"/>
+                    <a:cs typeface="Times New Roman"/>
+                  </a:rPr>
+                  <a:t>it</a:t>
+                </a:r>
+                <a:r>
+                  <a:rPr lang="en-GB" sz="3000" dirty="0">
+                    <a:latin typeface="Cambria" panose="02040503050406030204" pitchFamily="18" charset="0"/>
+                  </a:rPr>
+                  <a:t> is the instrumental variable, incorporate it into the equation to instrument for </a:t>
+                </a:r>
+                <a:r>
+                  <a:rPr lang="en-GB" sz="3000" i="1" spc="-10" dirty="0" err="1">
+                    <a:latin typeface="Cambria" panose="02040503050406030204" pitchFamily="18" charset="0"/>
+                    <a:cs typeface="Times New Roman"/>
+                  </a:rPr>
+                  <a:t>bargain</a:t>
+                </a:r>
+                <a:r>
+                  <a:rPr lang="en-GB" sz="3000" i="1" spc="-254" baseline="-24366" dirty="0" err="1">
+                    <a:latin typeface="Cambria" panose="02040503050406030204" pitchFamily="18" charset="0"/>
+                    <a:cs typeface="Times New Roman"/>
+                  </a:rPr>
+                  <a:t>it</a:t>
+                </a:r>
+                <a:r>
+                  <a:rPr lang="en-GB" sz="3000" i="1" spc="187" baseline="-24366" dirty="0">
+                    <a:latin typeface="Cambria" panose="02040503050406030204" pitchFamily="18" charset="0"/>
+                    <a:cs typeface="Times New Roman"/>
+                  </a:rPr>
+                  <a:t> </a:t>
+                </a:r>
+                <a:r>
+                  <a:rPr lang="en-GB" sz="3000" dirty="0">
+                    <a:latin typeface="Cambria" panose="02040503050406030204" pitchFamily="18" charset="0"/>
+                  </a:rPr>
+                  <a:t>. </a:t>
+                </a:r>
+              </a:p>
+              <a:p>
+                <a:pPr marL="342900" lvl="6" indent="-342900">
+                  <a:lnSpc>
+                    <a:spcPct val="150000"/>
+                  </a:lnSpc>
+                  <a:buFont typeface="Arial" panose="020B0604020202020204" pitchFamily="34" charset="0"/>
+                  <a:buChar char="•"/>
+                </a:pPr>
+                <a:r>
+                  <a:rPr lang="en-GB" sz="3000" dirty="0">
+                    <a:latin typeface="Cambria" panose="02040503050406030204" pitchFamily="18" charset="0"/>
+                  </a:rPr>
+                  <a:t>Equation with Fixed Effect: </a:t>
+                </a:r>
+                <a14:m>
+                  <m:oMath xmlns:m="http://schemas.openxmlformats.org/officeDocument/2006/math">
+                    <m:r>
+                      <a:rPr lang="en-GB" sz="3000" i="1" spc="-25" dirty="0" smtClean="0">
+                        <a:latin typeface="Cambria Math" panose="02040503050406030204" pitchFamily="18" charset="0"/>
+                        <a:cs typeface="Times New Roman"/>
+                      </a:rPr>
+                      <m:t>𝐺𝑖𝑛𝑖</m:t>
+                    </m:r>
+                    <m:r>
+                      <a:rPr lang="en-GB" sz="3000" i="1" spc="-25" dirty="0" smtClean="0">
+                        <a:latin typeface="Cambria Math" panose="02040503050406030204" pitchFamily="18" charset="0"/>
+                        <a:cs typeface="Times New Roman"/>
+                      </a:rPr>
+                      <m:t> </m:t>
+                    </m:r>
+                    <m:r>
+                      <a:rPr lang="en-GB" sz="3000" i="1" spc="-25" dirty="0" err="1">
+                        <a:latin typeface="Cambria Math" panose="02040503050406030204" pitchFamily="18" charset="0"/>
+                        <a:cs typeface="Times New Roman"/>
+                      </a:rPr>
+                      <m:t>𝐼𝑛𝑑𝑒𝑥</m:t>
+                    </m:r>
+                    <m:r>
+                      <a:rPr lang="en-GB" sz="3000" i="1" spc="-37" baseline="-20299" dirty="0" err="1">
+                        <a:latin typeface="Cambria Math" panose="02040503050406030204" pitchFamily="18" charset="0"/>
+                        <a:cs typeface="Times New Roman"/>
+                      </a:rPr>
+                      <m:t>𝑖𝑡</m:t>
+                    </m:r>
+                    <m:r>
+                      <a:rPr lang="en-GB" sz="3000" i="1" spc="-37" baseline="-20299" dirty="0">
+                        <a:latin typeface="Cambria Math" panose="02040503050406030204" pitchFamily="18" charset="0"/>
+                        <a:cs typeface="Times New Roman"/>
+                      </a:rPr>
+                      <m:t> </m:t>
+                    </m:r>
+                    <m:r>
+                      <a:rPr lang="en-GB" sz="3000" i="1" spc="140" dirty="0">
+                        <a:latin typeface="Cambria Math" panose="02040503050406030204" pitchFamily="18" charset="0"/>
+                      </a:rPr>
+                      <m:t>=</m:t>
+                    </m:r>
+                    <m:r>
+                      <a:rPr lang="en-GB" sz="3000" i="1" spc="-25" dirty="0">
+                        <a:latin typeface="Cambria Math" panose="02040503050406030204" pitchFamily="18" charset="0"/>
+                      </a:rPr>
+                      <m:t> </m:t>
+                    </m:r>
+                    <m:r>
+                      <a:rPr lang="el-GR" sz="3000" i="1" spc="-90" dirty="0">
+                        <a:latin typeface="Cambria Math" panose="02040503050406030204" pitchFamily="18" charset="0"/>
+                        <a:cs typeface="Arial"/>
+                      </a:rPr>
+                      <m:t>𝛼</m:t>
+                    </m:r>
+                    <m:r>
+                      <a:rPr lang="el-GR" sz="3000" i="1" spc="-204" dirty="0">
+                        <a:latin typeface="Cambria Math" panose="02040503050406030204" pitchFamily="18" charset="0"/>
+                        <a:cs typeface="Arial"/>
+                      </a:rPr>
+                      <m:t> </m:t>
+                    </m:r>
+                    <m:r>
+                      <a:rPr lang="el-GR" sz="3000" i="1" spc="140" dirty="0">
+                        <a:latin typeface="Cambria Math" panose="02040503050406030204" pitchFamily="18" charset="0"/>
+                      </a:rPr>
+                      <m:t>+</m:t>
+                    </m:r>
+                    <m:r>
+                      <a:rPr lang="el-GR" sz="3000" i="1" spc="-140" dirty="0">
+                        <a:latin typeface="Cambria Math" panose="02040503050406030204" pitchFamily="18" charset="0"/>
+                      </a:rPr>
+                      <m:t> </m:t>
+                    </m:r>
+                    <m:r>
+                      <a:rPr lang="el-GR" sz="3000" i="1" dirty="0">
+                        <a:latin typeface="Cambria Math" panose="02040503050406030204" pitchFamily="18" charset="0"/>
+                        <a:cs typeface="Arial"/>
+                      </a:rPr>
+                      <m:t>𝛽</m:t>
+                    </m:r>
+                    <m:r>
+                      <a:rPr lang="el-GR" sz="3000" i="1" baseline="-20299" dirty="0">
+                        <a:latin typeface="Cambria Math" panose="02040503050406030204" pitchFamily="18" charset="0"/>
+                      </a:rPr>
+                      <m:t>1</m:t>
+                    </m:r>
+                    <m:r>
+                      <a:rPr lang="el-GR" sz="3000" i="1" spc="179" baseline="-20299" dirty="0">
+                        <a:latin typeface="Cambria Math" panose="02040503050406030204" pitchFamily="18" charset="0"/>
+                      </a:rPr>
+                      <m:t> </m:t>
+                    </m:r>
+                    <m:r>
+                      <a:rPr lang="el-GR" sz="3000" i="1" dirty="0">
+                        <a:latin typeface="Cambria Math" panose="02040503050406030204" pitchFamily="18" charset="0"/>
+                      </a:rPr>
+                      <m:t>×</m:t>
+                    </m:r>
+                    <m:r>
+                      <a:rPr lang="el-GR" sz="3000" i="1" spc="-140" dirty="0">
+                        <a:latin typeface="Cambria Math" panose="02040503050406030204" pitchFamily="18" charset="0"/>
+                      </a:rPr>
+                      <m:t> </m:t>
+                    </m:r>
+                    <m:r>
+                      <a:rPr lang="en-GB" sz="3000" i="1" spc="-10" dirty="0" err="1">
+                        <a:latin typeface="Cambria Math" panose="02040503050406030204" pitchFamily="18" charset="0"/>
+                        <a:cs typeface="Times New Roman"/>
+                      </a:rPr>
+                      <m:t>𝑏𝑎𝑟𝑔𝑎𝑖𝑛</m:t>
+                    </m:r>
+                    <m:r>
+                      <a:rPr lang="en-GB" sz="3000" i="1" spc="-15" baseline="-28846" dirty="0" err="1">
+                        <a:latin typeface="Cambria Math" panose="02040503050406030204" pitchFamily="18" charset="0"/>
+                        <a:cs typeface="Times New Roman"/>
+                      </a:rPr>
+                      <m:t>𝑖𝑡</m:t>
+                    </m:r>
+                    <m:r>
+                      <a:rPr lang="en-GB" sz="3000" i="1" spc="150" baseline="-28846" dirty="0">
+                        <a:latin typeface="Cambria Math" panose="02040503050406030204" pitchFamily="18" charset="0"/>
+                        <a:cs typeface="Times New Roman"/>
+                      </a:rPr>
+                      <m:t> </m:t>
+                    </m:r>
+                    <m:r>
+                      <a:rPr lang="en-GB" sz="3000" i="1" spc="140" dirty="0">
+                        <a:latin typeface="Cambria Math" panose="02040503050406030204" pitchFamily="18" charset="0"/>
+                      </a:rPr>
+                      <m:t>+</m:t>
+                    </m:r>
+                    <m:r>
+                      <a:rPr lang="en-GB" sz="3000" i="1" spc="-140" dirty="0">
+                        <a:latin typeface="Cambria Math" panose="02040503050406030204" pitchFamily="18" charset="0"/>
+                      </a:rPr>
+                      <m:t> </m:t>
+                    </m:r>
+                    <m:r>
+                      <a:rPr lang="el-GR" sz="3000" i="1" spc="-270" dirty="0">
+                        <a:latin typeface="Cambria Math" panose="02040503050406030204" pitchFamily="18" charset="0"/>
+                        <a:cs typeface="Arial"/>
+                      </a:rPr>
+                      <m:t>𝛽</m:t>
+                    </m:r>
+                    <m:r>
+                      <a:rPr lang="el-GR" sz="3000" i="1" spc="-405" baseline="-20299" dirty="0">
+                        <a:latin typeface="Cambria Math" panose="02040503050406030204" pitchFamily="18" charset="0"/>
+                      </a:rPr>
+                      <m:t>2</m:t>
+                    </m:r>
+                    <m:r>
+                      <a:rPr lang="el-GR" sz="3000" i="1" spc="187" baseline="-20299" dirty="0">
+                        <a:latin typeface="Cambria Math" panose="02040503050406030204" pitchFamily="18" charset="0"/>
+                      </a:rPr>
+                      <m:t> </m:t>
+                    </m:r>
+                    <m:r>
+                      <a:rPr lang="el-GR" sz="3000" i="1" dirty="0">
+                        <a:latin typeface="Cambria Math" panose="02040503050406030204" pitchFamily="18" charset="0"/>
+                      </a:rPr>
+                      <m:t>×</m:t>
+                    </m:r>
+                    <m:r>
+                      <a:rPr lang="el-GR" sz="3000" i="1" spc="-120" dirty="0">
+                        <a:latin typeface="Cambria Math" panose="02040503050406030204" pitchFamily="18" charset="0"/>
+                      </a:rPr>
+                      <m:t> </m:t>
+                    </m:r>
+                    <m:r>
+                      <a:rPr lang="en-GB" sz="3000" i="1" dirty="0" err="1">
+                        <a:latin typeface="Cambria Math" panose="02040503050406030204" pitchFamily="18" charset="0"/>
+                        <a:cs typeface="Times New Roman"/>
+                      </a:rPr>
+                      <m:t>𝑋</m:t>
+                    </m:r>
+                    <m:r>
+                      <a:rPr lang="en-GB" sz="3000" i="1" baseline="-20299" dirty="0" err="1">
+                        <a:latin typeface="Cambria Math" panose="02040503050406030204" pitchFamily="18" charset="0"/>
+                        <a:cs typeface="Times New Roman"/>
+                      </a:rPr>
+                      <m:t>𝑖𝑡</m:t>
+                    </m:r>
+                    <m:r>
+                      <a:rPr lang="en-GB" sz="3000" i="1" spc="150" baseline="-20299" dirty="0">
+                        <a:latin typeface="Cambria Math" panose="02040503050406030204" pitchFamily="18" charset="0"/>
+                        <a:cs typeface="Times New Roman"/>
+                      </a:rPr>
+                      <m:t> </m:t>
+                    </m:r>
+                    <m:r>
+                      <a:rPr lang="en-GB" sz="3000" i="1" spc="140" dirty="0">
+                        <a:latin typeface="Cambria Math" panose="02040503050406030204" pitchFamily="18" charset="0"/>
+                      </a:rPr>
+                      <m:t>+</m:t>
+                    </m:r>
+                    <m:r>
+                      <a:rPr lang="en-GB" sz="3000" i="1" spc="-140" dirty="0">
+                        <a:latin typeface="Cambria Math" panose="02040503050406030204" pitchFamily="18" charset="0"/>
+                      </a:rPr>
+                      <m:t> </m:t>
+                    </m:r>
+                    <m:r>
+                      <a:rPr lang="el-GR" sz="3000" i="1" dirty="0">
+                        <a:latin typeface="Cambria Math" panose="02040503050406030204" pitchFamily="18" charset="0"/>
+                        <a:cs typeface="Arial"/>
+                      </a:rPr>
+                      <m:t>𝜇</m:t>
+                    </m:r>
+                    <m:r>
+                      <a:rPr lang="en-GB" sz="3000" i="1" baseline="-20299" dirty="0">
+                        <a:latin typeface="Cambria Math" panose="02040503050406030204" pitchFamily="18" charset="0"/>
+                        <a:cs typeface="Times New Roman"/>
+                      </a:rPr>
+                      <m:t>𝑖</m:t>
+                    </m:r>
+                    <m:r>
+                      <a:rPr lang="en-GB" sz="3000" i="1" spc="150" baseline="-20299" dirty="0">
+                        <a:latin typeface="Cambria Math" panose="02040503050406030204" pitchFamily="18" charset="0"/>
+                        <a:cs typeface="Times New Roman"/>
+                      </a:rPr>
+                      <m:t> </m:t>
+                    </m:r>
+                    <m:r>
+                      <a:rPr lang="en-GB" sz="3000" i="1" spc="140" dirty="0">
+                        <a:latin typeface="Cambria Math" panose="02040503050406030204" pitchFamily="18" charset="0"/>
+                      </a:rPr>
+                      <m:t>+</m:t>
+                    </m:r>
+                    <m:r>
+                      <a:rPr lang="en-GB" sz="3000" i="1" spc="-140" dirty="0">
+                        <a:latin typeface="Cambria Math" panose="02040503050406030204" pitchFamily="18" charset="0"/>
+                      </a:rPr>
+                      <m:t> </m:t>
+                    </m:r>
+                    <m:r>
+                      <a:rPr lang="el-GR" sz="3000" i="1" dirty="0">
+                        <a:latin typeface="Cambria Math" panose="02040503050406030204" pitchFamily="18" charset="0"/>
+                        <a:cs typeface="Arial"/>
+                      </a:rPr>
+                      <m:t>𝜆</m:t>
+                    </m:r>
+                    <m:r>
+                      <a:rPr lang="en-GB" sz="3000" i="1" baseline="-20299" dirty="0">
+                        <a:latin typeface="Cambria Math" panose="02040503050406030204" pitchFamily="18" charset="0"/>
+                        <a:cs typeface="Times New Roman"/>
+                      </a:rPr>
+                      <m:t>𝑡</m:t>
+                    </m:r>
+                    <m:r>
+                      <a:rPr lang="en-GB" sz="3000" i="1" spc="142" baseline="-20299" dirty="0">
+                        <a:latin typeface="Cambria Math" panose="02040503050406030204" pitchFamily="18" charset="0"/>
+                        <a:cs typeface="Times New Roman"/>
+                      </a:rPr>
+                      <m:t> </m:t>
+                    </m:r>
+                    <m:r>
+                      <a:rPr lang="en-GB" sz="3000" i="1" spc="140" dirty="0">
+                        <a:latin typeface="Cambria Math" panose="02040503050406030204" pitchFamily="18" charset="0"/>
+                      </a:rPr>
+                      <m:t>+</m:t>
+                    </m:r>
+                    <m:r>
+                      <a:rPr lang="en-GB" sz="3000" i="1" spc="-140" dirty="0">
+                        <a:latin typeface="Cambria Math" panose="02040503050406030204" pitchFamily="18" charset="0"/>
+                      </a:rPr>
+                      <m:t> </m:t>
+                    </m:r>
+                    <m:r>
+                      <a:rPr lang="el-GR" sz="3000" i="1" spc="-25" dirty="0">
+                        <a:latin typeface="Cambria Math" panose="02040503050406030204" pitchFamily="18" charset="0"/>
+                        <a:cs typeface="Arial"/>
+                      </a:rPr>
+                      <m:t>𝜖</m:t>
+                    </m:r>
+                    <m:r>
+                      <a:rPr lang="en-GB" sz="3000" i="1" spc="-37" baseline="-20299" dirty="0">
+                        <a:latin typeface="Cambria Math" panose="02040503050406030204" pitchFamily="18" charset="0"/>
+                        <a:cs typeface="Times New Roman"/>
+                      </a:rPr>
+                      <m:t>𝑖𝑡</m:t>
+                    </m:r>
+                  </m:oMath>
+                </a14:m>
+                <a:endParaRPr lang="en-GB" sz="3000" i="1" spc="-37" baseline="-20299" dirty="0">
+                  <a:latin typeface="Cambria" panose="02040503050406030204" pitchFamily="18" charset="0"/>
+                  <a:cs typeface="Times New Roman"/>
+                </a:endParaRPr>
+              </a:p>
+              <a:p>
+                <a:pPr marL="342900" lvl="6" indent="-342900">
+                  <a:lnSpc>
+                    <a:spcPct val="150000"/>
+                  </a:lnSpc>
+                  <a:buFont typeface="Arial" panose="020B0604020202020204" pitchFamily="34" charset="0"/>
+                  <a:buChar char="•"/>
+                </a:pPr>
+                <a:r>
+                  <a:rPr lang="en-GB" sz="3000" dirty="0">
+                    <a:latin typeface="Cambria" panose="02040503050406030204" pitchFamily="18" charset="0"/>
+                  </a:rPr>
+                  <a:t>Equation with Fixed Effect-IV: </a:t>
+                </a:r>
+                <a14:m>
+                  <m:oMath xmlns:m="http://schemas.openxmlformats.org/officeDocument/2006/math">
+                    <m:r>
+                      <a:rPr lang="en-GB" sz="3000" i="1" spc="-25" dirty="0" smtClean="0">
+                        <a:latin typeface="Cambria Math" panose="02040503050406030204" pitchFamily="18" charset="0"/>
+                        <a:cs typeface="Times New Roman"/>
+                      </a:rPr>
+                      <m:t>𝐺𝑖𝑛𝑖</m:t>
+                    </m:r>
+                    <m:r>
+                      <a:rPr lang="en-GB" sz="3000" i="1" spc="-25" dirty="0" smtClean="0">
+                        <a:latin typeface="Cambria Math" panose="02040503050406030204" pitchFamily="18" charset="0"/>
+                        <a:cs typeface="Times New Roman"/>
+                      </a:rPr>
+                      <m:t> </m:t>
+                    </m:r>
+                    <m:r>
+                      <a:rPr lang="en-GB" sz="3000" i="1" spc="-25" dirty="0" err="1">
+                        <a:latin typeface="Cambria Math" panose="02040503050406030204" pitchFamily="18" charset="0"/>
+                        <a:cs typeface="Times New Roman"/>
+                      </a:rPr>
+                      <m:t>𝐼𝑛𝑑𝑒𝑥</m:t>
+                    </m:r>
+                    <m:r>
+                      <a:rPr lang="en-GB" sz="3000" i="1" spc="-37" baseline="-19493" dirty="0" err="1">
+                        <a:latin typeface="Cambria Math" panose="02040503050406030204" pitchFamily="18" charset="0"/>
+                        <a:cs typeface="Times New Roman"/>
+                      </a:rPr>
+                      <m:t>𝑖𝑡</m:t>
+                    </m:r>
+                    <m:r>
+                      <a:rPr lang="en-GB" sz="3000" i="1" spc="-37" baseline="-19493" dirty="0">
+                        <a:latin typeface="Cambria Math" panose="02040503050406030204" pitchFamily="18" charset="0"/>
+                        <a:cs typeface="Times New Roman"/>
+                      </a:rPr>
+                      <m:t> </m:t>
+                    </m:r>
+                    <m:r>
+                      <a:rPr lang="en-GB" sz="3000" i="1" spc="180" dirty="0">
+                        <a:latin typeface="Cambria Math" panose="02040503050406030204" pitchFamily="18" charset="0"/>
+                      </a:rPr>
+                      <m:t>=</m:t>
+                    </m:r>
+                    <m:r>
+                      <a:rPr lang="en-GB" sz="3000" i="1" spc="-35" dirty="0">
+                        <a:latin typeface="Cambria Math" panose="02040503050406030204" pitchFamily="18" charset="0"/>
+                      </a:rPr>
+                      <m:t> </m:t>
+                    </m:r>
+                    <m:r>
+                      <a:rPr lang="el-GR" sz="3000" i="1" spc="-70" dirty="0">
+                        <a:latin typeface="Cambria Math" panose="02040503050406030204" pitchFamily="18" charset="0"/>
+                        <a:cs typeface="Arial"/>
+                      </a:rPr>
+                      <m:t>𝛼</m:t>
+                    </m:r>
+                    <m:r>
+                      <a:rPr lang="el-GR" sz="3000" i="1" spc="-220" dirty="0">
+                        <a:latin typeface="Cambria Math" panose="02040503050406030204" pitchFamily="18" charset="0"/>
+                        <a:cs typeface="Arial"/>
+                      </a:rPr>
+                      <m:t> </m:t>
+                    </m:r>
+                    <m:r>
+                      <a:rPr lang="el-GR" sz="3000" i="1" spc="180" dirty="0">
+                        <a:latin typeface="Cambria Math" panose="02040503050406030204" pitchFamily="18" charset="0"/>
+                      </a:rPr>
+                      <m:t>+</m:t>
+                    </m:r>
+                    <m:r>
+                      <a:rPr lang="el-GR" sz="3000" i="1" spc="-125" dirty="0">
+                        <a:latin typeface="Cambria Math" panose="02040503050406030204" pitchFamily="18" charset="0"/>
+                      </a:rPr>
+                      <m:t> </m:t>
+                    </m:r>
+                    <m:r>
+                      <a:rPr lang="el-GR" sz="3000" i="1" dirty="0">
+                        <a:latin typeface="Cambria Math" panose="02040503050406030204" pitchFamily="18" charset="0"/>
+                        <a:cs typeface="Arial"/>
+                      </a:rPr>
+                      <m:t>𝛽</m:t>
+                    </m:r>
+                    <m:r>
+                      <a:rPr lang="el-GR" sz="3000" i="1" baseline="-19493" dirty="0">
+                        <a:latin typeface="Cambria Math" panose="02040503050406030204" pitchFamily="18" charset="0"/>
+                      </a:rPr>
+                      <m:t>1</m:t>
+                    </m:r>
+                    <m:r>
+                      <a:rPr lang="el-GR" sz="3000" i="1" spc="232" baseline="-19493" dirty="0">
+                        <a:latin typeface="Cambria Math" panose="02040503050406030204" pitchFamily="18" charset="0"/>
+                      </a:rPr>
+                      <m:t> </m:t>
+                    </m:r>
+                    <m:r>
+                      <a:rPr lang="el-GR" sz="3000" i="1" dirty="0">
+                        <a:latin typeface="Cambria Math" panose="02040503050406030204" pitchFamily="18" charset="0"/>
+                      </a:rPr>
+                      <m:t>×</m:t>
+                    </m:r>
+                    <m:r>
+                      <a:rPr lang="el-GR" sz="3000" i="1" spc="-125" dirty="0">
+                        <a:latin typeface="Cambria Math" panose="02040503050406030204" pitchFamily="18" charset="0"/>
+                      </a:rPr>
+                      <m:t> </m:t>
+                    </m:r>
+                    <m:r>
+                      <a:rPr lang="en-GB" sz="3000" i="1" spc="-10" dirty="0" err="1">
+                        <a:latin typeface="Cambria Math" panose="02040503050406030204" pitchFamily="18" charset="0"/>
+                        <a:cs typeface="Times New Roman"/>
+                      </a:rPr>
+                      <m:t>𝑏𝑎𝑟𝑔𝑎𝑖𝑛</m:t>
+                    </m:r>
+                    <m:r>
+                      <a:rPr lang="en-GB" sz="3000" i="1" spc="-254" baseline="-24366" dirty="0" err="1">
+                        <a:latin typeface="Cambria Math" panose="02040503050406030204" pitchFamily="18" charset="0"/>
+                        <a:cs typeface="Times New Roman"/>
+                      </a:rPr>
+                      <m:t>𝑖𝑡</m:t>
+                    </m:r>
+                    <m:r>
+                      <a:rPr lang="en-GB" sz="3000" i="1" spc="187" baseline="-24366" dirty="0">
+                        <a:latin typeface="Cambria Math" panose="02040503050406030204" pitchFamily="18" charset="0"/>
+                        <a:cs typeface="Times New Roman"/>
+                      </a:rPr>
+                      <m:t> </m:t>
+                    </m:r>
+                    <m:r>
+                      <a:rPr lang="en-GB" sz="3000" i="1" spc="180" dirty="0">
+                        <a:latin typeface="Cambria Math" panose="02040503050406030204" pitchFamily="18" charset="0"/>
+                      </a:rPr>
+                      <m:t>+</m:t>
+                    </m:r>
+                    <m:r>
+                      <a:rPr lang="en-GB" sz="3000" i="1" spc="-125" dirty="0">
+                        <a:latin typeface="Cambria Math" panose="02040503050406030204" pitchFamily="18" charset="0"/>
+                      </a:rPr>
+                      <m:t> </m:t>
+                    </m:r>
+                    <m:r>
+                      <a:rPr lang="el-GR" sz="3000" i="1" spc="-280" dirty="0">
+                        <a:latin typeface="Cambria Math" panose="02040503050406030204" pitchFamily="18" charset="0"/>
+                        <a:cs typeface="Arial"/>
+                      </a:rPr>
+                      <m:t>𝛽</m:t>
+                    </m:r>
+                    <m:r>
+                      <a:rPr lang="el-GR" sz="3000" i="1" spc="-419" baseline="-19493" dirty="0">
+                        <a:latin typeface="Cambria Math" panose="02040503050406030204" pitchFamily="18" charset="0"/>
+                      </a:rPr>
+                      <m:t>2</m:t>
+                    </m:r>
+                    <m:r>
+                      <a:rPr lang="el-GR" sz="3000" i="1" spc="225" baseline="-19493" dirty="0">
+                        <a:latin typeface="Cambria Math" panose="02040503050406030204" pitchFamily="18" charset="0"/>
+                      </a:rPr>
+                      <m:t> </m:t>
+                    </m:r>
+                    <m:r>
+                      <a:rPr lang="el-GR" sz="3000" i="1" dirty="0">
+                        <a:latin typeface="Cambria Math" panose="02040503050406030204" pitchFamily="18" charset="0"/>
+                      </a:rPr>
+                      <m:t>×</m:t>
+                    </m:r>
+                    <m:r>
+                      <a:rPr lang="el-GR" sz="3000" i="1" spc="-105" dirty="0">
+                        <a:latin typeface="Cambria Math" panose="02040503050406030204" pitchFamily="18" charset="0"/>
+                      </a:rPr>
+                      <m:t> </m:t>
+                    </m:r>
+                    <m:r>
+                      <a:rPr lang="en-GB" sz="3000" i="1" dirty="0" err="1">
+                        <a:latin typeface="Cambria Math" panose="02040503050406030204" pitchFamily="18" charset="0"/>
+                        <a:cs typeface="Times New Roman"/>
+                      </a:rPr>
+                      <m:t>𝑋</m:t>
+                    </m:r>
+                    <m:r>
+                      <a:rPr lang="en-GB" sz="3000" i="1" baseline="-19493" dirty="0" err="1">
+                        <a:latin typeface="Cambria Math" panose="02040503050406030204" pitchFamily="18" charset="0"/>
+                        <a:cs typeface="Times New Roman"/>
+                      </a:rPr>
+                      <m:t>𝑖𝑡</m:t>
+                    </m:r>
+                    <m:r>
+                      <a:rPr lang="en-GB" sz="3000" i="1" spc="187" baseline="-19493" dirty="0">
+                        <a:latin typeface="Cambria Math" panose="02040503050406030204" pitchFamily="18" charset="0"/>
+                        <a:cs typeface="Times New Roman"/>
+                      </a:rPr>
+                      <m:t> </m:t>
+                    </m:r>
+                    <m:r>
+                      <a:rPr lang="en-GB" sz="3000" i="1" spc="180" dirty="0">
+                        <a:latin typeface="Cambria Math" panose="02040503050406030204" pitchFamily="18" charset="0"/>
+                      </a:rPr>
+                      <m:t>+</m:t>
+                    </m:r>
+                    <m:r>
+                      <a:rPr lang="en-GB" sz="3000" i="1" spc="-125" dirty="0">
+                        <a:latin typeface="Cambria Math" panose="02040503050406030204" pitchFamily="18" charset="0"/>
+                      </a:rPr>
+                      <m:t> </m:t>
+                    </m:r>
+                    <m:r>
+                      <a:rPr lang="el-GR" sz="3000" i="1" spc="-360" dirty="0">
+                        <a:latin typeface="Cambria Math" panose="02040503050406030204" pitchFamily="18" charset="0"/>
+                        <a:cs typeface="Arial"/>
+                      </a:rPr>
+                      <m:t>𝛾</m:t>
+                    </m:r>
+                    <m:r>
+                      <a:rPr lang="el-GR" sz="3000" i="1" spc="-150" dirty="0">
+                        <a:latin typeface="Cambria Math" panose="02040503050406030204" pitchFamily="18" charset="0"/>
+                        <a:cs typeface="Arial"/>
+                      </a:rPr>
+                      <m:t> </m:t>
+                    </m:r>
+                    <m:r>
+                      <a:rPr lang="el-GR" sz="3000" i="1" dirty="0">
+                        <a:latin typeface="Cambria Math" panose="02040503050406030204" pitchFamily="18" charset="0"/>
+                      </a:rPr>
+                      <m:t>×</m:t>
+                    </m:r>
+                    <m:r>
+                      <a:rPr lang="el-GR" sz="3000" i="1" spc="-125" dirty="0">
+                        <a:latin typeface="Cambria Math" panose="02040503050406030204" pitchFamily="18" charset="0"/>
+                      </a:rPr>
+                      <m:t> </m:t>
+                    </m:r>
+                    <m:r>
+                      <a:rPr lang="en-GB" sz="3000" i="1" spc="-120" dirty="0" err="1">
+                        <a:latin typeface="Cambria Math" panose="02040503050406030204" pitchFamily="18" charset="0"/>
+                        <a:cs typeface="Verdana"/>
+                      </a:rPr>
+                      <m:t>𝑑𝑒𝑚𝑜</m:t>
+                    </m:r>
+                    <m:r>
+                      <a:rPr lang="en-GB" sz="3000" i="1" spc="-179" baseline="-12670" dirty="0" err="1">
+                        <a:latin typeface="Cambria Math" panose="02040503050406030204" pitchFamily="18" charset="0"/>
+                        <a:cs typeface="Times New Roman"/>
+                      </a:rPr>
+                      <m:t>𝑖𝑡</m:t>
+                    </m:r>
+                    <m:r>
+                      <a:rPr lang="en-GB" sz="3000" i="1" spc="187" baseline="-12670" dirty="0">
+                        <a:latin typeface="Cambria Math" panose="02040503050406030204" pitchFamily="18" charset="0"/>
+                        <a:cs typeface="Times New Roman"/>
+                      </a:rPr>
+                      <m:t> </m:t>
+                    </m:r>
+                    <m:r>
+                      <a:rPr lang="en-GB" sz="3000" i="1" spc="180" dirty="0">
+                        <a:latin typeface="Cambria Math" panose="02040503050406030204" pitchFamily="18" charset="0"/>
+                      </a:rPr>
+                      <m:t>+</m:t>
+                    </m:r>
+                    <m:r>
+                      <a:rPr lang="en-GB" sz="3000" i="1" spc="-125" dirty="0">
+                        <a:latin typeface="Cambria Math" panose="02040503050406030204" pitchFamily="18" charset="0"/>
+                      </a:rPr>
+                      <m:t> </m:t>
+                    </m:r>
+                    <m:r>
+                      <a:rPr lang="el-GR" sz="3000" i="1" dirty="0">
+                        <a:latin typeface="Cambria Math" panose="02040503050406030204" pitchFamily="18" charset="0"/>
+                        <a:cs typeface="Arial"/>
+                      </a:rPr>
+                      <m:t>𝜇</m:t>
+                    </m:r>
+                    <m:r>
+                      <a:rPr lang="en-GB" sz="3000" i="1" baseline="-19493" dirty="0">
+                        <a:latin typeface="Cambria Math" panose="02040503050406030204" pitchFamily="18" charset="0"/>
+                        <a:cs typeface="Times New Roman"/>
+                      </a:rPr>
+                      <m:t>𝑖</m:t>
+                    </m:r>
+                    <m:r>
+                      <a:rPr lang="en-GB" sz="3000" i="1" spc="187" baseline="-19493" dirty="0">
+                        <a:latin typeface="Cambria Math" panose="02040503050406030204" pitchFamily="18" charset="0"/>
+                        <a:cs typeface="Times New Roman"/>
+                      </a:rPr>
+                      <m:t> </m:t>
+                    </m:r>
+                    <m:r>
+                      <a:rPr lang="en-GB" sz="3000" i="1" spc="180" dirty="0">
+                        <a:latin typeface="Cambria Math" panose="02040503050406030204" pitchFamily="18" charset="0"/>
+                      </a:rPr>
+                      <m:t>+</m:t>
+                    </m:r>
+                    <m:r>
+                      <a:rPr lang="en-GB" sz="3000" i="1" spc="-120" dirty="0">
+                        <a:latin typeface="Cambria Math" panose="02040503050406030204" pitchFamily="18" charset="0"/>
+                      </a:rPr>
+                      <m:t> </m:t>
+                    </m:r>
+                    <m:r>
+                      <a:rPr lang="el-GR" sz="3000" i="1" dirty="0">
+                        <a:latin typeface="Cambria Math" panose="02040503050406030204" pitchFamily="18" charset="0"/>
+                        <a:cs typeface="Arial"/>
+                      </a:rPr>
+                      <m:t>𝜆</m:t>
+                    </m:r>
+                    <m:r>
+                      <a:rPr lang="en-GB" sz="3000" i="1" baseline="-19493" dirty="0">
+                        <a:latin typeface="Cambria Math" panose="02040503050406030204" pitchFamily="18" charset="0"/>
+                        <a:cs typeface="Times New Roman"/>
+                      </a:rPr>
+                      <m:t>𝑡</m:t>
+                    </m:r>
+                    <m:r>
+                      <a:rPr lang="en-GB" sz="3000" i="1" spc="187" baseline="-19493" dirty="0">
+                        <a:latin typeface="Cambria Math" panose="02040503050406030204" pitchFamily="18" charset="0"/>
+                        <a:cs typeface="Times New Roman"/>
+                      </a:rPr>
+                      <m:t> </m:t>
+                    </m:r>
+                    <m:r>
+                      <a:rPr lang="en-GB" sz="3000" i="1" spc="180" dirty="0">
+                        <a:latin typeface="Cambria Math" panose="02040503050406030204" pitchFamily="18" charset="0"/>
+                      </a:rPr>
+                      <m:t>+</m:t>
+                    </m:r>
+                    <m:r>
+                      <a:rPr lang="en-GB" sz="3000" i="1" spc="-125" dirty="0">
+                        <a:latin typeface="Cambria Math" panose="02040503050406030204" pitchFamily="18" charset="0"/>
+                      </a:rPr>
+                      <m:t> </m:t>
+                    </m:r>
+                    <m:r>
+                      <a:rPr lang="el-GR" sz="3000" i="1" spc="-25" dirty="0">
+                        <a:latin typeface="Cambria Math" panose="02040503050406030204" pitchFamily="18" charset="0"/>
+                        <a:cs typeface="Arial"/>
+                      </a:rPr>
+                      <m:t>𝜖</m:t>
+                    </m:r>
+                    <m:r>
+                      <a:rPr lang="en-GB" sz="3000" i="1" spc="-37" baseline="-19493" dirty="0">
+                        <a:latin typeface="Cambria Math" panose="02040503050406030204" pitchFamily="18" charset="0"/>
+                        <a:cs typeface="Times New Roman"/>
+                      </a:rPr>
+                      <m:t>𝑖𝑡</m:t>
+                    </m:r>
+                  </m:oMath>
+                </a14:m>
+                <a:endParaRPr lang="en-GB" sz="3000" i="1" baseline="-19493" dirty="0">
+                  <a:latin typeface="Cambria" panose="02040503050406030204" pitchFamily="18" charset="0"/>
+                  <a:cs typeface="Times New Roman"/>
+                </a:endParaRPr>
+              </a:p>
+            </p:txBody>
+          </p:sp>
+        </mc:Choice>
+        <mc:Fallback>
+          <p:sp>
+            <p:nvSpPr>
+              <p:cNvPr id="7" name="TextBox 6">
+                <a:extLst>
+                  <a:ext uri="{FF2B5EF4-FFF2-40B4-BE49-F238E27FC236}">
+                    <a16:creationId xmlns:a16="http://schemas.microsoft.com/office/drawing/2014/main" id="{3627FE91-5492-9014-376B-046DD53D03DA}"/>
+                  </a:ext>
+                </a:extLst>
+              </p:cNvPr>
+              <p:cNvSpPr txBox="1">
+                <a:spLocks noRot="1" noChangeAspect="1" noMove="1" noResize="1" noEditPoints="1" noAdjustHandles="1" noChangeArrowheads="1" noChangeShapeType="1" noTextEdit="1"/>
+              </p:cNvSpPr>
+              <p:nvPr/>
+            </p:nvSpPr>
+            <p:spPr>
+              <a:xfrm>
+                <a:off x="986190" y="4266346"/>
+                <a:ext cx="18324534" cy="2776658"/>
+              </a:xfrm>
+              <a:prstGeom prst="rect">
+                <a:avLst/>
+              </a:prstGeom>
+              <a:blipFill>
+                <a:blip r:embed="rId2"/>
+                <a:stretch>
+                  <a:fillRect l="-693" b="-6849"/>
+                </a:stretch>
+              </a:blipFill>
+            </p:spPr>
+            <p:txBody>
+              <a:bodyPr/>
+              <a:lstStyle/>
+              <a:p>
+                <a:r>
+                  <a:rPr lang="en-GB">
+                    <a:noFill/>
+                  </a:rPr>
+                  <a:t> </a:t>
+                </a:r>
+              </a:p>
+            </p:txBody>
+          </p:sp>
+        </mc:Fallback>
+      </mc:AlternateContent>
+    </p:spTree>
+  </p:cSld>
+  <p:clrMapOvr>
+    <a:masterClrMapping/>
+  </p:clrMapOvr>
+</p:sld>
+</file>
+
+<file path=ppt/slides/slide11.xml><?xml version="1.0" encoding="utf-8"?>
+<p:sld xmlns:a="http://schemas.openxmlformats.org/drawingml/2006/main" xmlns:r="http://schemas.openxmlformats.org/officeDocument/2006/relationships" xmlns:p="http://schemas.openxmlformats.org/presentationml/2006/main">
+  <p:cSld>
+    <p:spTree>
+      <p:nvGrpSpPr>
+        <p:cNvPr id="1" name=""/>
+        <p:cNvGrpSpPr/>
+        <p:nvPr/>
+      </p:nvGrpSpPr>
+      <p:grpSpPr>
+        <a:xfrm>
+          <a:off x="0" y="0"/>
+          <a:ext cx="0" cy="0"/>
+          <a:chOff x="0" y="0"/>
+          <a:chExt cx="0" cy="0"/>
+        </a:xfrm>
+      </p:grpSpPr>
+      <p:sp>
+        <p:nvSpPr>
+          <p:cNvPr id="2" name="object 2"/>
+          <p:cNvSpPr txBox="1">
+            <a:spLocks noGrp="1"/>
+          </p:cNvSpPr>
+          <p:nvPr>
+            <p:ph type="title"/>
+          </p:nvPr>
+        </p:nvSpPr>
+        <p:spPr>
+          <a:prstGeom prst="rect">
+            <a:avLst/>
+          </a:prstGeom>
+        </p:spPr>
+        <p:txBody>
+          <a:bodyPr vert="horz" wrap="square" lIns="0" tIns="12065" rIns="0" bIns="0" rtlCol="0">
+            <a:spAutoFit/>
+          </a:bodyPr>
+          <a:lstStyle/>
+          <a:p>
+            <a:pPr marL="12700">
+              <a:lnSpc>
+                <a:spcPct val="100000"/>
+              </a:lnSpc>
+              <a:spcBef>
+                <a:spcPts val="95"/>
+              </a:spcBef>
+            </a:pPr>
+            <a:r>
+              <a:rPr spc="110" dirty="0">
+                <a:solidFill>
+                  <a:schemeClr val="tx1"/>
+                </a:solidFill>
+                <a:latin typeface="Cambria" panose="02040503050406030204" pitchFamily="18" charset="0"/>
+              </a:rPr>
+              <a:t>Bibliography</a:t>
+            </a:r>
+          </a:p>
+        </p:txBody>
+      </p:sp>
+      <p:sp>
+        <p:nvSpPr>
+          <p:cNvPr id="19" name="TextBox 18">
+            <a:extLst>
+              <a:ext uri="{FF2B5EF4-FFF2-40B4-BE49-F238E27FC236}">
+                <a16:creationId xmlns:a16="http://schemas.microsoft.com/office/drawing/2014/main" id="{F3858B65-15A8-F528-5BEC-040C2DBF0F8A}"/>
+              </a:ext>
+            </a:extLst>
+          </p:cNvPr>
+          <p:cNvSpPr txBox="1"/>
+          <p:nvPr/>
+        </p:nvSpPr>
+        <p:spPr>
+          <a:xfrm>
+            <a:off x="999638" y="2423021"/>
+            <a:ext cx="17346909" cy="6463308"/>
+          </a:xfrm>
+          <a:prstGeom prst="rect">
+            <a:avLst/>
+          </a:prstGeom>
+          <a:noFill/>
+        </p:spPr>
+        <p:txBody>
+          <a:bodyPr wrap="square" rtlCol="0">
+            <a:spAutoFit/>
+          </a:bodyPr>
+          <a:lstStyle/>
+          <a:p>
+            <a:pPr>
+              <a:lnSpc>
+                <a:spcPct val="150000"/>
+              </a:lnSpc>
+            </a:pPr>
+            <a:r>
+              <a:rPr lang="en-GB" sz="2400" dirty="0">
+                <a:effectLst/>
+                <a:latin typeface="Cambria" panose="02040503050406030204" pitchFamily="18" charset="0"/>
+              </a:rPr>
+              <a:t>•Barth, E., Bryson, A. &amp; Dale-Olsen, H., 2020. Union Density Eﬀects on Productivity and Wages. The Economic Journal.</a:t>
+            </a:r>
+          </a:p>
+          <a:p>
+            <a:pPr>
+              <a:lnSpc>
+                <a:spcPct val="150000"/>
+              </a:lnSpc>
+            </a:pPr>
+            <a:r>
+              <a:rPr lang="en-GB" sz="2400" dirty="0">
+                <a:effectLst/>
+                <a:latin typeface="Cambria" panose="02040503050406030204" pitchFamily="18" charset="0"/>
+              </a:rPr>
+              <a:t>•</a:t>
+            </a:r>
+            <a:r>
+              <a:rPr lang="en-GB" sz="2400" dirty="0" err="1">
+                <a:effectLst/>
+                <a:latin typeface="Cambria" panose="02040503050406030204" pitchFamily="18" charset="0"/>
+              </a:rPr>
+              <a:t>Jaumotte</a:t>
+            </a:r>
+            <a:r>
+              <a:rPr lang="en-GB" sz="2400" dirty="0">
+                <a:effectLst/>
+                <a:latin typeface="Cambria" panose="02040503050406030204" pitchFamily="18" charset="0"/>
+              </a:rPr>
+              <a:t>, F. &amp; </a:t>
+            </a:r>
+            <a:r>
+              <a:rPr lang="en-GB" sz="2400" dirty="0" err="1">
+                <a:effectLst/>
+                <a:latin typeface="Cambria" panose="02040503050406030204" pitchFamily="18" charset="0"/>
+              </a:rPr>
+              <a:t>Buitron</a:t>
+            </a:r>
+            <a:r>
+              <a:rPr lang="en-GB" sz="2400" dirty="0">
+                <a:effectLst/>
+                <a:latin typeface="Cambria" panose="02040503050406030204" pitchFamily="18" charset="0"/>
+              </a:rPr>
+              <a:t>, C., 2019. Inequality: traditional drivers and the role of union power. Oxford Economic Papers.</a:t>
+            </a:r>
+          </a:p>
+          <a:p>
+            <a:pPr>
+              <a:lnSpc>
+                <a:spcPct val="150000"/>
+              </a:lnSpc>
+            </a:pPr>
+            <a:r>
+              <a:rPr lang="en-GB" sz="2400" dirty="0">
+                <a:effectLst/>
+                <a:latin typeface="Cambria" panose="02040503050406030204" pitchFamily="18" charset="0"/>
+              </a:rPr>
+              <a:t>•</a:t>
+            </a:r>
+            <a:r>
+              <a:rPr lang="en-GB" sz="2400" dirty="0" err="1">
+                <a:effectLst/>
+                <a:latin typeface="Cambria" panose="02040503050406030204" pitchFamily="18" charset="0"/>
+              </a:rPr>
+              <a:t>Jaumotte</a:t>
+            </a:r>
+            <a:r>
+              <a:rPr lang="en-GB" sz="2400" dirty="0">
+                <a:effectLst/>
+                <a:latin typeface="Cambria" panose="02040503050406030204" pitchFamily="18" charset="0"/>
+              </a:rPr>
+              <a:t>, F. &amp; Osorio-</a:t>
+            </a:r>
+            <a:r>
+              <a:rPr lang="en-GB" sz="2400" dirty="0" err="1">
+                <a:effectLst/>
+                <a:latin typeface="Cambria" panose="02040503050406030204" pitchFamily="18" charset="0"/>
+              </a:rPr>
+              <a:t>Buitron</a:t>
+            </a:r>
+            <a:r>
+              <a:rPr lang="en-GB" sz="2400" dirty="0">
+                <a:effectLst/>
+                <a:latin typeface="Cambria" panose="02040503050406030204" pitchFamily="18" charset="0"/>
+              </a:rPr>
+              <a:t>, C., 2015. Inequality and Labor Market Institutions. ERN: Poverty &amp; Inequality (Topic).</a:t>
+            </a:r>
+          </a:p>
+          <a:p>
+            <a:pPr>
+              <a:lnSpc>
+                <a:spcPct val="150000"/>
+              </a:lnSpc>
+            </a:pPr>
+            <a:r>
+              <a:rPr lang="en-GB" sz="2400" dirty="0">
+                <a:effectLst/>
+                <a:latin typeface="Cambria" panose="02040503050406030204" pitchFamily="18" charset="0"/>
+              </a:rPr>
+              <a:t>•Perron, S., 2022. State Union Density Effects on Workers’ Support for Reducing Income Inequality, 1973-2016. Social Currents.</a:t>
+            </a:r>
+          </a:p>
+          <a:p>
+            <a:pPr>
+              <a:lnSpc>
+                <a:spcPct val="150000"/>
+              </a:lnSpc>
+            </a:pPr>
+            <a:r>
+              <a:rPr lang="en-GB" sz="2400" dirty="0">
+                <a:effectLst/>
+                <a:latin typeface="Cambria" panose="02040503050406030204" pitchFamily="18" charset="0"/>
+              </a:rPr>
+              <a:t>•</a:t>
+            </a:r>
+            <a:r>
+              <a:rPr lang="en-GB" sz="2400" dirty="0" err="1">
+                <a:effectLst/>
+                <a:latin typeface="Cambria" panose="02040503050406030204" pitchFamily="18" charset="0"/>
+              </a:rPr>
+              <a:t>Meurrens</a:t>
+            </a:r>
+            <a:r>
+              <a:rPr lang="en-GB" sz="2400" dirty="0">
+                <a:effectLst/>
+                <a:latin typeface="Cambria" panose="02040503050406030204" pitchFamily="18" charset="0"/>
+              </a:rPr>
+              <a:t>, E.A., 2021. Relating Union Density to Wealth Inequality and Subjective Well-Being Across 13 OECD Countries. UF Journal of Undergraduate Research.</a:t>
+            </a:r>
+          </a:p>
+          <a:p>
+            <a:pPr>
+              <a:lnSpc>
+                <a:spcPct val="150000"/>
+              </a:lnSpc>
+            </a:pPr>
+            <a:r>
+              <a:rPr lang="en-GB" sz="2400" dirty="0">
+                <a:effectLst/>
+                <a:latin typeface="Cambria" panose="02040503050406030204" pitchFamily="18" charset="0"/>
+              </a:rPr>
+              <a:t>•Alexiou, C. &amp; </a:t>
+            </a:r>
+            <a:r>
+              <a:rPr lang="en-GB" sz="2400" dirty="0" err="1">
+                <a:effectLst/>
+                <a:latin typeface="Cambria" panose="02040503050406030204" pitchFamily="18" charset="0"/>
+              </a:rPr>
+              <a:t>Trachanas</a:t>
+            </a:r>
+            <a:r>
+              <a:rPr lang="en-GB" sz="2400" dirty="0">
+                <a:effectLst/>
+                <a:latin typeface="Cambria" panose="02040503050406030204" pitchFamily="18" charset="0"/>
+              </a:rPr>
+              <a:t>, E., 2022. The impact of trade unions and government party orientation on income inequality: evidence from 17 OECD economies. Journal of Economic Studies.</a:t>
+            </a:r>
+          </a:p>
+          <a:p>
+            <a:pPr>
+              <a:lnSpc>
+                <a:spcPct val="150000"/>
+              </a:lnSpc>
+            </a:pPr>
+            <a:r>
+              <a:rPr lang="en-GB" sz="2400" dirty="0">
+                <a:effectLst/>
+                <a:latin typeface="Cambria" panose="02040503050406030204" pitchFamily="18" charset="0"/>
+              </a:rPr>
+              <a:t>•Kerr, A. &amp; Wittenberg, M., 2021. Union wage premia and wage inequality in South Africa. Economic Modelling.</a:t>
+            </a:r>
+          </a:p>
+          <a:p>
+            <a:pPr>
+              <a:lnSpc>
+                <a:spcPct val="150000"/>
+              </a:lnSpc>
+            </a:pPr>
+            <a:r>
+              <a:rPr lang="en-GB" sz="2400" dirty="0">
+                <a:effectLst/>
+                <a:latin typeface="Cambria" panose="02040503050406030204" pitchFamily="18" charset="0"/>
+              </a:rPr>
+              <a:t>•Harris, R.D.F. &amp; </a:t>
+            </a:r>
+            <a:r>
+              <a:rPr lang="en-GB" sz="2400" dirty="0" err="1">
+                <a:effectLst/>
+                <a:latin typeface="Cambria" panose="02040503050406030204" pitchFamily="18" charset="0"/>
+              </a:rPr>
+              <a:t>Moﬀat</a:t>
+            </a:r>
+            <a:r>
+              <a:rPr lang="en-GB" sz="2400" dirty="0">
+                <a:effectLst/>
+                <a:latin typeface="Cambria" panose="02040503050406030204" pitchFamily="18" charset="0"/>
+              </a:rPr>
+              <a:t>, J., 2023. What explains the increase in trade union density and female share of union members in the United Kingdom in 2017–2020? Journal of Industrial Relations.</a:t>
+            </a:r>
+          </a:p>
+          <a:p>
+            <a:endParaRPr lang="en-GB" dirty="0"/>
+          </a:p>
+        </p:txBody>
+      </p:sp>
+    </p:spTree>
+  </p:cSld>
+  <p:clrMapOvr>
+    <a:masterClrMapping/>
+  </p:clrMapOvr>
+</p:sld>
+</file>
+
 <file path=ppt/slides/slide2.xml><?xml version="1.0" encoding="utf-8"?>
 <p:sld xmlns:a="http://schemas.openxmlformats.org/drawingml/2006/main" xmlns:r="http://schemas.openxmlformats.org/officeDocument/2006/relationships" xmlns:p="http://schemas.openxmlformats.org/presentationml/2006/main">
   <p:cSld>
@@ -2574,8 +3809,8 @@
         </p:nvSpPr>
         <p:spPr>
           <a:xfrm>
-            <a:off x="1023917" y="3978275"/>
-            <a:ext cx="5675333" cy="5262979"/>
+            <a:off x="1023917" y="4896500"/>
+            <a:ext cx="5675333" cy="3416320"/>
           </a:xfrm>
           <a:prstGeom prst="rect">
             <a:avLst/>
@@ -2635,33 +3870,14 @@
               <a:t>is about how many workers have their   pay and job conditions set through  agreements made by groups.</a:t>
             </a:r>
           </a:p>
-          <a:p>
-            <a:endParaRPr lang="en-GB" sz="2400" dirty="0">
-              <a:effectLst/>
-              <a:latin typeface="Helvetica" pitchFamily="2" charset="0"/>
-              <a:ea typeface="Verdana" panose="020B0604030504040204" pitchFamily="34" charset="0"/>
-              <a:cs typeface="Calibri" panose="020F0502020204030204" pitchFamily="34" charset="0"/>
-            </a:endParaRPr>
-          </a:p>
-          <a:p>
-            <a:r>
-              <a:rPr lang="en-GB" sz="2400" dirty="0">
-                <a:effectLst/>
-                <a:latin typeface="Helvetica" pitchFamily="2" charset="0"/>
-                <a:ea typeface="Verdana" panose="020B0604030504040204" pitchFamily="34" charset="0"/>
-                <a:cs typeface="Calibri" panose="020F0502020204030204" pitchFamily="34" charset="0"/>
-              </a:rPr>
-              <a:t>The relationship between collective   bargaining coverage and union density   exhibit, on average, a positive   relationship</a:t>
-            </a:r>
-          </a:p>
         </p:txBody>
       </p:sp>
       <p:pic>
         <p:nvPicPr>
-          <p:cNvPr id="12" name="Picture 11" descr="A graph of a graph showing the average value of a company&#10;&#10;Description automatically generated with medium confidence">
+          <p:cNvPr id="4" name="Picture 3" descr="A graph with lines and lines on a black background&#10;&#10;Description automatically generated">
             <a:extLst>
               <a:ext uri="{FF2B5EF4-FFF2-40B4-BE49-F238E27FC236}">
-                <a16:creationId xmlns:a16="http://schemas.microsoft.com/office/drawing/2014/main" id="{7DBB6A44-B8D7-AD4C-3DD5-735AB147160E}"/>
+                <a16:creationId xmlns:a16="http://schemas.microsoft.com/office/drawing/2014/main" id="{586E1767-723E-E059-27CE-91CBC5016212}"/>
               </a:ext>
             </a:extLst>
           </p:cNvPr>
@@ -2684,8 +3900,8 @@
         </p:blipFill>
         <p:spPr>
           <a:xfrm>
-            <a:off x="9290050" y="3664253"/>
-            <a:ext cx="8915400" cy="7223125"/>
+            <a:off x="7768672" y="3292475"/>
+            <a:ext cx="11040617" cy="6624370"/>
           </a:xfrm>
           <a:prstGeom prst="rect">
             <a:avLst/>
@@ -2719,8 +3935,14 @@
       </p:grpSpPr>
       <p:sp>
         <p:nvSpPr>
-          <p:cNvPr id="2" name="object 2"/>
-          <p:cNvSpPr txBox="1">
+          <p:cNvPr id="2" name="Title 1">
+            <a:extLst>
+              <a:ext uri="{FF2B5EF4-FFF2-40B4-BE49-F238E27FC236}">
+                <a16:creationId xmlns:a16="http://schemas.microsoft.com/office/drawing/2014/main" id="{C24D9686-EC3A-40B0-1F5C-335768693AFA}"/>
+              </a:ext>
+            </a:extLst>
+          </p:cNvPr>
+          <p:cNvSpPr>
             <a:spLocks noGrp="1"/>
           </p:cNvSpPr>
           <p:nvPr>
@@ -2729,1038 +3951,245 @@
         </p:nvSpPr>
         <p:spPr>
           <a:xfrm>
-            <a:off x="1023917" y="1054737"/>
-            <a:ext cx="9028133" cy="1027845"/>
+            <a:off x="1023917" y="605082"/>
+            <a:ext cx="13295333" cy="1015663"/>
           </a:xfrm>
-          <a:prstGeom prst="rect">
-            <a:avLst/>
-          </a:prstGeom>
         </p:spPr>
         <p:txBody>
-          <a:bodyPr vert="horz" wrap="square" lIns="0" tIns="12065" rIns="0" bIns="0" rtlCol="0">
-            <a:spAutoFit/>
-          </a:bodyPr>
+          <a:bodyPr/>
           <a:lstStyle/>
           <a:p>
-            <a:pPr marL="12700">
-              <a:lnSpc>
-                <a:spcPct val="100000"/>
-              </a:lnSpc>
-              <a:spcBef>
-                <a:spcPts val="95"/>
-              </a:spcBef>
-            </a:pPr>
-            <a:r>
-              <a:rPr spc="210" dirty="0">
+            <a:r>
+              <a:rPr lang="en-GB" dirty="0">
                 <a:solidFill>
                   <a:schemeClr val="tx1"/>
                 </a:solidFill>
-                <a:latin typeface="Helvetica" pitchFamily="2" charset="0"/>
-                <a:cs typeface="Times New Roman" panose="02020603050405020304" pitchFamily="18" charset="0"/>
-              </a:rPr>
-              <a:t>Countries</a:t>
-            </a:r>
-            <a:r>
-              <a:rPr spc="-155" dirty="0">
-                <a:solidFill>
-                  <a:schemeClr val="tx1"/>
-                </a:solidFill>
-                <a:latin typeface="Helvetica" pitchFamily="2" charset="0"/>
-                <a:cs typeface="Times New Roman" panose="02020603050405020304" pitchFamily="18" charset="0"/>
-              </a:rPr>
-              <a:t> </a:t>
-            </a:r>
-            <a:r>
-              <a:rPr spc="375" dirty="0">
-                <a:solidFill>
-                  <a:schemeClr val="tx1"/>
-                </a:solidFill>
-                <a:latin typeface="Helvetica" pitchFamily="2" charset="0"/>
-                <a:cs typeface="Times New Roman" panose="02020603050405020304" pitchFamily="18" charset="0"/>
-              </a:rPr>
-              <a:t>and</a:t>
-            </a:r>
-            <a:r>
-              <a:rPr spc="-150" dirty="0">
-                <a:solidFill>
-                  <a:schemeClr val="tx1"/>
-                </a:solidFill>
-                <a:latin typeface="Helvetica" pitchFamily="2" charset="0"/>
-                <a:cs typeface="Times New Roman" panose="02020603050405020304" pitchFamily="18" charset="0"/>
-              </a:rPr>
-              <a:t> </a:t>
-            </a:r>
-            <a:r>
-              <a:rPr spc="195" dirty="0">
-                <a:solidFill>
-                  <a:schemeClr val="tx1"/>
-                </a:solidFill>
-                <a:latin typeface="Helvetica" pitchFamily="2" charset="0"/>
-                <a:cs typeface="Times New Roman" panose="02020603050405020304" pitchFamily="18" charset="0"/>
-              </a:rPr>
-              <a:t>Time</a:t>
+              </a:rPr>
+              <a:t>Introduction to the topic</a:t>
             </a:r>
           </a:p>
         </p:txBody>
       </p:sp>
       <p:sp>
         <p:nvSpPr>
-          <p:cNvPr id="3" name="object 3"/>
+          <p:cNvPr id="4" name="TextBox 3">
+            <a:extLst>
+              <a:ext uri="{FF2B5EF4-FFF2-40B4-BE49-F238E27FC236}">
+                <a16:creationId xmlns:a16="http://schemas.microsoft.com/office/drawing/2014/main" id="{5333D39D-D55C-2ACB-AD62-E7821ED3EDAB}"/>
+              </a:ext>
+            </a:extLst>
+          </p:cNvPr>
           <p:cNvSpPr txBox="1"/>
           <p:nvPr/>
         </p:nvSpPr>
         <p:spPr>
           <a:xfrm>
-            <a:off x="985817" y="2780136"/>
-            <a:ext cx="17981633" cy="6179127"/>
+            <a:off x="987750" y="2313241"/>
+            <a:ext cx="17903500" cy="461665"/>
           </a:xfrm>
           <a:prstGeom prst="rect">
             <a:avLst/>
           </a:prstGeom>
+          <a:noFill/>
         </p:spPr>
         <p:txBody>
-          <a:bodyPr vert="horz" wrap="square" lIns="0" tIns="12065" rIns="0" bIns="0" rtlCol="0">
+          <a:bodyPr wrap="square">
             <a:spAutoFit/>
           </a:bodyPr>
           <a:lstStyle/>
           <a:p>
-            <a:pPr marL="427355" marR="43180" indent="-377190">
-              <a:lnSpc>
-                <a:spcPct val="112200"/>
-              </a:lnSpc>
-              <a:spcBef>
-                <a:spcPts val="95"/>
-              </a:spcBef>
-              <a:buFont typeface="Verdana"/>
+            <a:r>
+              <a:rPr lang="en-GB" sz="2400" b="1" dirty="0">
+                <a:solidFill>
+                  <a:srgbClr val="000000"/>
+                </a:solidFill>
+                <a:latin typeface="Cambria" panose="02040503050406030204" pitchFamily="18" charset="0"/>
+              </a:rPr>
+              <a:t>T</a:t>
+            </a:r>
+            <a:r>
+              <a:rPr lang="en-GB" sz="2400" b="1" dirty="0">
+                <a:solidFill>
+                  <a:srgbClr val="000000"/>
+                </a:solidFill>
+                <a:effectLst/>
+                <a:latin typeface="Cambria" panose="02040503050406030204" pitchFamily="18" charset="0"/>
+              </a:rPr>
+              <a:t>he nexus between labour practices and economic inequality has increasingly come under scrutiny.</a:t>
+            </a:r>
+          </a:p>
+        </p:txBody>
+      </p:sp>
+      <p:sp>
+        <p:nvSpPr>
+          <p:cNvPr id="6" name="TextBox 5">
+            <a:extLst>
+              <a:ext uri="{FF2B5EF4-FFF2-40B4-BE49-F238E27FC236}">
+                <a16:creationId xmlns:a16="http://schemas.microsoft.com/office/drawing/2014/main" id="{AB9FF650-5060-EC70-C9E7-0E9A2FB3BCAC}"/>
+              </a:ext>
+            </a:extLst>
+          </p:cNvPr>
+          <p:cNvSpPr txBox="1"/>
+          <p:nvPr/>
+        </p:nvSpPr>
+        <p:spPr>
+          <a:xfrm>
+            <a:off x="1023917" y="3673475"/>
+            <a:ext cx="16571933" cy="5563767"/>
+          </a:xfrm>
+          <a:prstGeom prst="rect">
+            <a:avLst/>
+          </a:prstGeom>
+          <a:noFill/>
+        </p:spPr>
+        <p:txBody>
+          <a:bodyPr wrap="square">
+            <a:spAutoFit/>
+          </a:bodyPr>
+          <a:lstStyle/>
+          <a:p>
+            <a:pPr marL="342900" indent="-342900">
+              <a:lnSpc>
+                <a:spcPct val="150000"/>
+              </a:lnSpc>
+              <a:buFont typeface="Arial" panose="020B0604020202020204" pitchFamily="34" charset="0"/>
               <a:buChar char="•"/>
-              <a:tabLst>
-                <a:tab pos="427355" algn="l"/>
-              </a:tabLst>
-            </a:pPr>
-            <a:r>
-              <a:rPr sz="2800" spc="-100" dirty="0">
-                <a:solidFill>
-                  <a:srgbClr val="53585F"/>
-                </a:solidFill>
-                <a:latin typeface="Helvetica" pitchFamily="2" charset="0"/>
-                <a:cs typeface="Calibri" panose="020F0502020204030204" pitchFamily="34" charset="0"/>
-              </a:rPr>
-              <a:t>Austria,</a:t>
-            </a:r>
-            <a:r>
-              <a:rPr sz="2800" spc="-275" dirty="0">
-                <a:solidFill>
-                  <a:srgbClr val="53585F"/>
-                </a:solidFill>
-                <a:latin typeface="Helvetica" pitchFamily="2" charset="0"/>
-                <a:cs typeface="Calibri" panose="020F0502020204030204" pitchFamily="34" charset="0"/>
-              </a:rPr>
-              <a:t> </a:t>
-            </a:r>
-            <a:r>
-              <a:rPr sz="2800" spc="-120" dirty="0">
-                <a:solidFill>
-                  <a:srgbClr val="53585F"/>
-                </a:solidFill>
-                <a:latin typeface="Helvetica" pitchFamily="2" charset="0"/>
-                <a:cs typeface="Calibri" panose="020F0502020204030204" pitchFamily="34" charset="0"/>
-              </a:rPr>
-              <a:t>Belgium,</a:t>
-            </a:r>
-            <a:r>
-              <a:rPr sz="2800" spc="-270" dirty="0">
-                <a:solidFill>
-                  <a:srgbClr val="53585F"/>
-                </a:solidFill>
-                <a:latin typeface="Helvetica" pitchFamily="2" charset="0"/>
-                <a:cs typeface="Calibri" panose="020F0502020204030204" pitchFamily="34" charset="0"/>
-              </a:rPr>
-              <a:t> </a:t>
-            </a:r>
-            <a:r>
-              <a:rPr sz="2800" spc="-105" dirty="0">
-                <a:solidFill>
-                  <a:srgbClr val="53585F"/>
-                </a:solidFill>
-                <a:latin typeface="Helvetica" pitchFamily="2" charset="0"/>
-                <a:cs typeface="Calibri" panose="020F0502020204030204" pitchFamily="34" charset="0"/>
-              </a:rPr>
-              <a:t>Czechia,</a:t>
-            </a:r>
-            <a:r>
-              <a:rPr sz="2800" spc="-270" dirty="0">
-                <a:solidFill>
-                  <a:srgbClr val="53585F"/>
-                </a:solidFill>
-                <a:latin typeface="Helvetica" pitchFamily="2" charset="0"/>
-                <a:cs typeface="Calibri" panose="020F0502020204030204" pitchFamily="34" charset="0"/>
-              </a:rPr>
-              <a:t> </a:t>
-            </a:r>
-            <a:r>
-              <a:rPr sz="2800" spc="-110" dirty="0">
-                <a:solidFill>
-                  <a:srgbClr val="53585F"/>
-                </a:solidFill>
-                <a:latin typeface="Helvetica" pitchFamily="2" charset="0"/>
-                <a:cs typeface="Calibri" panose="020F0502020204030204" pitchFamily="34" charset="0"/>
-              </a:rPr>
-              <a:t>Denmark,</a:t>
-            </a:r>
-            <a:r>
-              <a:rPr sz="2800" spc="-270" dirty="0">
-                <a:solidFill>
-                  <a:srgbClr val="53585F"/>
-                </a:solidFill>
-                <a:latin typeface="Helvetica" pitchFamily="2" charset="0"/>
-                <a:cs typeface="Calibri" panose="020F0502020204030204" pitchFamily="34" charset="0"/>
-              </a:rPr>
-              <a:t> </a:t>
-            </a:r>
-            <a:r>
-              <a:rPr sz="2800" spc="-130" dirty="0">
-                <a:solidFill>
-                  <a:srgbClr val="53585F"/>
-                </a:solidFill>
-                <a:latin typeface="Helvetica" pitchFamily="2" charset="0"/>
-                <a:cs typeface="Calibri" panose="020F0502020204030204" pitchFamily="34" charset="0"/>
-              </a:rPr>
-              <a:t>Estonia,</a:t>
-            </a:r>
-            <a:r>
-              <a:rPr sz="2800" spc="-275" dirty="0">
-                <a:solidFill>
-                  <a:srgbClr val="53585F"/>
-                </a:solidFill>
-                <a:latin typeface="Helvetica" pitchFamily="2" charset="0"/>
-                <a:cs typeface="Calibri" panose="020F0502020204030204" pitchFamily="34" charset="0"/>
-              </a:rPr>
-              <a:t> </a:t>
-            </a:r>
-            <a:r>
-              <a:rPr sz="2800" spc="-100" dirty="0">
-                <a:solidFill>
-                  <a:srgbClr val="53585F"/>
-                </a:solidFill>
-                <a:latin typeface="Helvetica" pitchFamily="2" charset="0"/>
-                <a:cs typeface="Calibri" panose="020F0502020204030204" pitchFamily="34" charset="0"/>
-              </a:rPr>
-              <a:t>Finland,</a:t>
-            </a:r>
-            <a:r>
-              <a:rPr sz="2800" spc="-270" dirty="0">
-                <a:solidFill>
-                  <a:srgbClr val="53585F"/>
-                </a:solidFill>
-                <a:latin typeface="Helvetica" pitchFamily="2" charset="0"/>
-                <a:cs typeface="Calibri" panose="020F0502020204030204" pitchFamily="34" charset="0"/>
-              </a:rPr>
-              <a:t> </a:t>
-            </a:r>
-            <a:r>
-              <a:rPr sz="2800" spc="-130" dirty="0">
-                <a:solidFill>
-                  <a:srgbClr val="53585F"/>
-                </a:solidFill>
-                <a:latin typeface="Helvetica" pitchFamily="2" charset="0"/>
-                <a:cs typeface="Calibri" panose="020F0502020204030204" pitchFamily="34" charset="0"/>
-              </a:rPr>
-              <a:t>France,</a:t>
-            </a:r>
-            <a:r>
-              <a:rPr sz="2800" spc="-270" dirty="0">
-                <a:solidFill>
-                  <a:srgbClr val="53585F"/>
-                </a:solidFill>
-                <a:latin typeface="Helvetica" pitchFamily="2" charset="0"/>
-                <a:cs typeface="Calibri" panose="020F0502020204030204" pitchFamily="34" charset="0"/>
-              </a:rPr>
-              <a:t> </a:t>
-            </a:r>
-            <a:r>
-              <a:rPr sz="2800" spc="-114" dirty="0">
-                <a:solidFill>
-                  <a:srgbClr val="53585F"/>
-                </a:solidFill>
-                <a:latin typeface="Helvetica" pitchFamily="2" charset="0"/>
-                <a:cs typeface="Calibri" panose="020F0502020204030204" pitchFamily="34" charset="0"/>
-              </a:rPr>
-              <a:t>Germany,</a:t>
-            </a:r>
-            <a:r>
-              <a:rPr sz="2800" spc="-270" dirty="0">
-                <a:solidFill>
-                  <a:srgbClr val="53585F"/>
-                </a:solidFill>
-                <a:latin typeface="Helvetica" pitchFamily="2" charset="0"/>
-                <a:cs typeface="Calibri" panose="020F0502020204030204" pitchFamily="34" charset="0"/>
-              </a:rPr>
-              <a:t> </a:t>
-            </a:r>
-            <a:r>
-              <a:rPr sz="2800" spc="-140" dirty="0">
-                <a:solidFill>
-                  <a:srgbClr val="53585F"/>
-                </a:solidFill>
-                <a:latin typeface="Helvetica" pitchFamily="2" charset="0"/>
-                <a:cs typeface="Calibri" panose="020F0502020204030204" pitchFamily="34" charset="0"/>
-              </a:rPr>
-              <a:t>Greece,</a:t>
-            </a:r>
-            <a:r>
-              <a:rPr sz="2800" spc="-270" dirty="0">
-                <a:solidFill>
-                  <a:srgbClr val="53585F"/>
-                </a:solidFill>
-                <a:latin typeface="Helvetica" pitchFamily="2" charset="0"/>
-                <a:cs typeface="Calibri" panose="020F0502020204030204" pitchFamily="34" charset="0"/>
-              </a:rPr>
-              <a:t> </a:t>
-            </a:r>
-            <a:r>
-              <a:rPr sz="2800" spc="-90" dirty="0">
-                <a:solidFill>
-                  <a:srgbClr val="53585F"/>
-                </a:solidFill>
-                <a:latin typeface="Helvetica" pitchFamily="2" charset="0"/>
-                <a:cs typeface="Calibri" panose="020F0502020204030204" pitchFamily="34" charset="0"/>
-              </a:rPr>
-              <a:t>Hungary,</a:t>
-            </a:r>
-            <a:r>
-              <a:rPr sz="2800" spc="-275" dirty="0">
-                <a:solidFill>
-                  <a:srgbClr val="53585F"/>
-                </a:solidFill>
-                <a:latin typeface="Helvetica" pitchFamily="2" charset="0"/>
-                <a:cs typeface="Calibri" panose="020F0502020204030204" pitchFamily="34" charset="0"/>
-              </a:rPr>
-              <a:t> </a:t>
-            </a:r>
-            <a:r>
-              <a:rPr sz="2800" spc="-100" dirty="0">
-                <a:solidFill>
-                  <a:srgbClr val="53585F"/>
-                </a:solidFill>
-                <a:latin typeface="Helvetica" pitchFamily="2" charset="0"/>
-                <a:cs typeface="Calibri" panose="020F0502020204030204" pitchFamily="34" charset="0"/>
-              </a:rPr>
-              <a:t>Iceland,</a:t>
-            </a:r>
-            <a:r>
-              <a:rPr sz="2800" spc="-270" dirty="0">
-                <a:solidFill>
-                  <a:srgbClr val="53585F"/>
-                </a:solidFill>
-                <a:latin typeface="Helvetica" pitchFamily="2" charset="0"/>
-                <a:cs typeface="Calibri" panose="020F0502020204030204" pitchFamily="34" charset="0"/>
-              </a:rPr>
-              <a:t> </a:t>
-            </a:r>
-            <a:r>
-              <a:rPr sz="2800" spc="-80" dirty="0">
-                <a:solidFill>
-                  <a:srgbClr val="53585F"/>
-                </a:solidFill>
-                <a:latin typeface="Helvetica" pitchFamily="2" charset="0"/>
-                <a:cs typeface="Calibri" panose="020F0502020204030204" pitchFamily="34" charset="0"/>
-              </a:rPr>
-              <a:t>Ireland,</a:t>
-            </a:r>
-            <a:r>
-              <a:rPr sz="2800" spc="-270" dirty="0">
-                <a:solidFill>
-                  <a:srgbClr val="53585F"/>
-                </a:solidFill>
-                <a:latin typeface="Helvetica" pitchFamily="2" charset="0"/>
-                <a:cs typeface="Calibri" panose="020F0502020204030204" pitchFamily="34" charset="0"/>
-              </a:rPr>
-              <a:t> </a:t>
-            </a:r>
-            <a:r>
-              <a:rPr sz="2800" spc="-10" dirty="0">
-                <a:solidFill>
-                  <a:srgbClr val="53585F"/>
-                </a:solidFill>
-                <a:latin typeface="Helvetica" pitchFamily="2" charset="0"/>
-                <a:cs typeface="Calibri" panose="020F0502020204030204" pitchFamily="34" charset="0"/>
-              </a:rPr>
-              <a:t>Italy, </a:t>
-            </a:r>
-            <a:r>
-              <a:rPr sz="2800" spc="-85" dirty="0">
-                <a:solidFill>
-                  <a:srgbClr val="53585F"/>
-                </a:solidFill>
-                <a:latin typeface="Helvetica" pitchFamily="2" charset="0"/>
-                <a:cs typeface="Calibri" panose="020F0502020204030204" pitchFamily="34" charset="0"/>
-              </a:rPr>
-              <a:t>Latvia,</a:t>
-            </a:r>
-            <a:r>
-              <a:rPr sz="2800" spc="-270" dirty="0">
-                <a:solidFill>
-                  <a:srgbClr val="53585F"/>
-                </a:solidFill>
-                <a:latin typeface="Helvetica" pitchFamily="2" charset="0"/>
-                <a:cs typeface="Calibri" panose="020F0502020204030204" pitchFamily="34" charset="0"/>
-              </a:rPr>
-              <a:t> </a:t>
-            </a:r>
-            <a:r>
-              <a:rPr sz="2800" spc="-100" dirty="0">
-                <a:solidFill>
-                  <a:srgbClr val="53585F"/>
-                </a:solidFill>
-                <a:latin typeface="Helvetica" pitchFamily="2" charset="0"/>
-                <a:cs typeface="Calibri" panose="020F0502020204030204" pitchFamily="34" charset="0"/>
-              </a:rPr>
-              <a:t>Lithuania,</a:t>
-            </a:r>
-            <a:r>
-              <a:rPr sz="2800" spc="-265" dirty="0">
-                <a:solidFill>
-                  <a:srgbClr val="53585F"/>
-                </a:solidFill>
-                <a:latin typeface="Helvetica" pitchFamily="2" charset="0"/>
-                <a:cs typeface="Calibri" panose="020F0502020204030204" pitchFamily="34" charset="0"/>
-              </a:rPr>
-              <a:t> </a:t>
-            </a:r>
-            <a:r>
-              <a:rPr sz="2800" spc="-130" dirty="0">
-                <a:solidFill>
-                  <a:srgbClr val="53585F"/>
-                </a:solidFill>
-                <a:latin typeface="Helvetica" pitchFamily="2" charset="0"/>
-                <a:cs typeface="Calibri" panose="020F0502020204030204" pitchFamily="34" charset="0"/>
-              </a:rPr>
-              <a:t>Luxembourg,</a:t>
-            </a:r>
-            <a:r>
-              <a:rPr sz="2800" spc="-265" dirty="0">
-                <a:solidFill>
-                  <a:srgbClr val="53585F"/>
-                </a:solidFill>
-                <a:latin typeface="Helvetica" pitchFamily="2" charset="0"/>
-                <a:cs typeface="Calibri" panose="020F0502020204030204" pitchFamily="34" charset="0"/>
-              </a:rPr>
-              <a:t> </a:t>
-            </a:r>
-            <a:r>
-              <a:rPr sz="2800" spc="-114" dirty="0">
-                <a:solidFill>
-                  <a:srgbClr val="53585F"/>
-                </a:solidFill>
-                <a:latin typeface="Helvetica" pitchFamily="2" charset="0"/>
-                <a:cs typeface="Calibri" panose="020F0502020204030204" pitchFamily="34" charset="0"/>
-              </a:rPr>
-              <a:t>Netherlands,</a:t>
-            </a:r>
-            <a:r>
-              <a:rPr sz="2800" spc="-265" dirty="0">
-                <a:solidFill>
-                  <a:srgbClr val="53585F"/>
-                </a:solidFill>
-                <a:latin typeface="Helvetica" pitchFamily="2" charset="0"/>
-                <a:cs typeface="Calibri" panose="020F0502020204030204" pitchFamily="34" charset="0"/>
-              </a:rPr>
-              <a:t> </a:t>
-            </a:r>
-            <a:r>
-              <a:rPr sz="2800" spc="-125" dirty="0">
-                <a:solidFill>
-                  <a:srgbClr val="53585F"/>
-                </a:solidFill>
-                <a:latin typeface="Helvetica" pitchFamily="2" charset="0"/>
-                <a:cs typeface="Calibri" panose="020F0502020204030204" pitchFamily="34" charset="0"/>
-              </a:rPr>
-              <a:t>Norway,</a:t>
-            </a:r>
-            <a:r>
-              <a:rPr sz="2800" spc="-270" dirty="0">
-                <a:solidFill>
-                  <a:srgbClr val="53585F"/>
-                </a:solidFill>
-                <a:latin typeface="Helvetica" pitchFamily="2" charset="0"/>
-                <a:cs typeface="Calibri" panose="020F0502020204030204" pitchFamily="34" charset="0"/>
-              </a:rPr>
-              <a:t> </a:t>
-            </a:r>
-            <a:r>
-              <a:rPr sz="2800" spc="-95" dirty="0">
-                <a:solidFill>
-                  <a:srgbClr val="53585F"/>
-                </a:solidFill>
-                <a:latin typeface="Helvetica" pitchFamily="2" charset="0"/>
-                <a:cs typeface="Calibri" panose="020F0502020204030204" pitchFamily="34" charset="0"/>
-              </a:rPr>
-              <a:t>Poland,</a:t>
-            </a:r>
-            <a:r>
-              <a:rPr sz="2800" spc="-265" dirty="0">
-                <a:solidFill>
-                  <a:srgbClr val="53585F"/>
-                </a:solidFill>
-                <a:latin typeface="Helvetica" pitchFamily="2" charset="0"/>
-                <a:cs typeface="Calibri" panose="020F0502020204030204" pitchFamily="34" charset="0"/>
-              </a:rPr>
-              <a:t> </a:t>
-            </a:r>
-            <a:r>
-              <a:rPr sz="2800" spc="-95" dirty="0">
-                <a:solidFill>
-                  <a:srgbClr val="53585F"/>
-                </a:solidFill>
-                <a:latin typeface="Helvetica" pitchFamily="2" charset="0"/>
-                <a:cs typeface="Calibri" panose="020F0502020204030204" pitchFamily="34" charset="0"/>
-              </a:rPr>
-              <a:t>Portugal,</a:t>
-            </a:r>
-            <a:r>
-              <a:rPr sz="2800" spc="-265" dirty="0">
-                <a:solidFill>
-                  <a:srgbClr val="53585F"/>
-                </a:solidFill>
-                <a:latin typeface="Helvetica" pitchFamily="2" charset="0"/>
-                <a:cs typeface="Calibri" panose="020F0502020204030204" pitchFamily="34" charset="0"/>
-              </a:rPr>
-              <a:t> </a:t>
-            </a:r>
-            <a:r>
-              <a:rPr sz="2800" spc="-130" dirty="0">
-                <a:solidFill>
-                  <a:srgbClr val="53585F"/>
-                </a:solidFill>
-                <a:latin typeface="Helvetica" pitchFamily="2" charset="0"/>
-                <a:cs typeface="Calibri" panose="020F0502020204030204" pitchFamily="34" charset="0"/>
-              </a:rPr>
-              <a:t>Slovak</a:t>
-            </a:r>
-            <a:r>
-              <a:rPr sz="2800" spc="-265" dirty="0">
-                <a:solidFill>
-                  <a:srgbClr val="53585F"/>
-                </a:solidFill>
-                <a:latin typeface="Helvetica" pitchFamily="2" charset="0"/>
-                <a:cs typeface="Calibri" panose="020F0502020204030204" pitchFamily="34" charset="0"/>
-              </a:rPr>
-              <a:t> </a:t>
-            </a:r>
-            <a:r>
-              <a:rPr sz="2800" spc="-130" dirty="0">
-                <a:solidFill>
-                  <a:srgbClr val="53585F"/>
-                </a:solidFill>
-                <a:latin typeface="Helvetica" pitchFamily="2" charset="0"/>
-                <a:cs typeface="Calibri" panose="020F0502020204030204" pitchFamily="34" charset="0"/>
-              </a:rPr>
-              <a:t>Republic,</a:t>
-            </a:r>
-            <a:r>
-              <a:rPr sz="2800" spc="-265" dirty="0">
-                <a:solidFill>
-                  <a:srgbClr val="53585F"/>
-                </a:solidFill>
-                <a:latin typeface="Helvetica" pitchFamily="2" charset="0"/>
-                <a:cs typeface="Calibri" panose="020F0502020204030204" pitchFamily="34" charset="0"/>
-              </a:rPr>
-              <a:t> </a:t>
-            </a:r>
-            <a:r>
-              <a:rPr sz="2800" spc="-114" dirty="0">
-                <a:solidFill>
-                  <a:srgbClr val="53585F"/>
-                </a:solidFill>
-                <a:latin typeface="Helvetica" pitchFamily="2" charset="0"/>
-                <a:cs typeface="Calibri" panose="020F0502020204030204" pitchFamily="34" charset="0"/>
-              </a:rPr>
-              <a:t>Slovenia,</a:t>
-            </a:r>
-            <a:r>
-              <a:rPr sz="2800" spc="-270" dirty="0">
-                <a:solidFill>
-                  <a:srgbClr val="53585F"/>
-                </a:solidFill>
-                <a:latin typeface="Helvetica" pitchFamily="2" charset="0"/>
-                <a:cs typeface="Calibri" panose="020F0502020204030204" pitchFamily="34" charset="0"/>
-              </a:rPr>
-              <a:t> </a:t>
-            </a:r>
-            <a:r>
-              <a:rPr sz="2800" spc="-90" dirty="0">
-                <a:solidFill>
-                  <a:srgbClr val="53585F"/>
-                </a:solidFill>
-                <a:latin typeface="Helvetica" pitchFamily="2" charset="0"/>
-                <a:cs typeface="Calibri" panose="020F0502020204030204" pitchFamily="34" charset="0"/>
-              </a:rPr>
-              <a:t>Spain,</a:t>
-            </a:r>
-            <a:r>
-              <a:rPr sz="2800" spc="-265" dirty="0">
-                <a:solidFill>
-                  <a:srgbClr val="53585F"/>
-                </a:solidFill>
-                <a:latin typeface="Helvetica" pitchFamily="2" charset="0"/>
-                <a:cs typeface="Calibri" panose="020F0502020204030204" pitchFamily="34" charset="0"/>
-              </a:rPr>
-              <a:t> </a:t>
-            </a:r>
-            <a:r>
-              <a:rPr sz="2800" spc="-25" dirty="0">
-                <a:solidFill>
-                  <a:srgbClr val="53585F"/>
-                </a:solidFill>
-                <a:latin typeface="Helvetica" pitchFamily="2" charset="0"/>
-                <a:cs typeface="Calibri" panose="020F0502020204030204" pitchFamily="34" charset="0"/>
-              </a:rPr>
-              <a:t>Sweden, </a:t>
-            </a:r>
-            <a:r>
-              <a:rPr sz="2800" spc="-110" dirty="0">
-                <a:solidFill>
-                  <a:srgbClr val="53585F"/>
-                </a:solidFill>
-                <a:latin typeface="Helvetica" pitchFamily="2" charset="0"/>
-                <a:cs typeface="Calibri" panose="020F0502020204030204" pitchFamily="34" charset="0"/>
-              </a:rPr>
-              <a:t>Switzerland,</a:t>
-            </a:r>
-            <a:r>
-              <a:rPr sz="2800" spc="-270" dirty="0">
-                <a:solidFill>
-                  <a:srgbClr val="53585F"/>
-                </a:solidFill>
-                <a:latin typeface="Helvetica" pitchFamily="2" charset="0"/>
-                <a:cs typeface="Calibri" panose="020F0502020204030204" pitchFamily="34" charset="0"/>
-              </a:rPr>
-              <a:t> </a:t>
-            </a:r>
-            <a:r>
-              <a:rPr sz="2800" spc="-130" dirty="0">
-                <a:solidFill>
-                  <a:srgbClr val="53585F"/>
-                </a:solidFill>
-                <a:latin typeface="Helvetica" pitchFamily="2" charset="0"/>
-                <a:cs typeface="Calibri" panose="020F0502020204030204" pitchFamily="34" charset="0"/>
-              </a:rPr>
-              <a:t>United</a:t>
-            </a:r>
-            <a:r>
-              <a:rPr sz="2800" spc="-265" dirty="0">
-                <a:solidFill>
-                  <a:srgbClr val="53585F"/>
-                </a:solidFill>
-                <a:latin typeface="Helvetica" pitchFamily="2" charset="0"/>
-                <a:cs typeface="Calibri" panose="020F0502020204030204" pitchFamily="34" charset="0"/>
-              </a:rPr>
-              <a:t> </a:t>
-            </a:r>
-            <a:r>
-              <a:rPr sz="2800" spc="-10" dirty="0">
-                <a:solidFill>
-                  <a:srgbClr val="53585F"/>
-                </a:solidFill>
-                <a:latin typeface="Helvetica" pitchFamily="2" charset="0"/>
-                <a:cs typeface="Calibri" panose="020F0502020204030204" pitchFamily="34" charset="0"/>
-              </a:rPr>
-              <a:t>Kingdom</a:t>
-            </a:r>
-            <a:endParaRPr sz="2800" dirty="0">
-              <a:latin typeface="Helvetica" pitchFamily="2" charset="0"/>
-              <a:cs typeface="Calibri" panose="020F0502020204030204" pitchFamily="34" charset="0"/>
-            </a:endParaRPr>
-          </a:p>
-          <a:p>
-            <a:pPr>
-              <a:lnSpc>
-                <a:spcPct val="100000"/>
-              </a:lnSpc>
-              <a:spcBef>
-                <a:spcPts val="775"/>
-              </a:spcBef>
-              <a:buFont typeface="Verdana"/>
+            </a:pPr>
+            <a:r>
+              <a:rPr lang="en-GB" sz="2400" dirty="0">
+                <a:latin typeface="Cambria" panose="02040503050406030204" pitchFamily="18" charset="0"/>
+              </a:rPr>
+              <a:t>Collective bargaining stands out as a critical lever in shaping equitable employment conditions and wage distribution.</a:t>
+            </a:r>
+          </a:p>
+          <a:p>
+            <a:pPr marL="342900" indent="-342900">
+              <a:lnSpc>
+                <a:spcPct val="150000"/>
+              </a:lnSpc>
+              <a:buFont typeface="Arial" panose="020B0604020202020204" pitchFamily="34" charset="0"/>
               <a:buChar char="•"/>
             </a:pPr>
-            <a:endParaRPr sz="2800" dirty="0">
-              <a:latin typeface="Helvetica" pitchFamily="2" charset="0"/>
-              <a:cs typeface="Calibri" panose="020F0502020204030204" pitchFamily="34" charset="0"/>
-            </a:endParaRPr>
-          </a:p>
-          <a:p>
-            <a:pPr marL="427355" indent="-376555">
-              <a:lnSpc>
-                <a:spcPct val="100000"/>
-              </a:lnSpc>
-              <a:buFont typeface="Verdana"/>
+            <a:r>
+              <a:rPr lang="en-GB" sz="2400" dirty="0">
+                <a:latin typeface="Cambria" panose="02040503050406030204" pitchFamily="18" charset="0"/>
+              </a:rPr>
+              <a:t>By empowering workers to negotiate </a:t>
+            </a:r>
+            <a:r>
+              <a:rPr lang="en-GB" sz="2400" i="1" dirty="0">
+                <a:latin typeface="Cambria" panose="02040503050406030204" pitchFamily="18" charset="0"/>
+              </a:rPr>
+              <a:t>en masse</a:t>
+            </a:r>
+            <a:r>
+              <a:rPr lang="en-GB" sz="2400" dirty="0">
+                <a:latin typeface="Cambria" panose="02040503050406030204" pitchFamily="18" charset="0"/>
+              </a:rPr>
+              <a:t>, it is theorized that collective bargaining can lead to more  </a:t>
+            </a:r>
+            <a:r>
+              <a:rPr lang="en-GB" sz="2400" b="1" dirty="0">
+                <a:latin typeface="Cambria" panose="02040503050406030204" pitchFamily="18" charset="0"/>
+              </a:rPr>
+              <a:t>equitable distributions of income</a:t>
+            </a:r>
+            <a:r>
+              <a:rPr lang="en-GB" sz="2400" dirty="0">
+                <a:latin typeface="Cambria" panose="02040503050406030204" pitchFamily="18" charset="0"/>
+              </a:rPr>
+              <a:t>, </a:t>
+            </a:r>
+            <a:r>
+              <a:rPr lang="en-GB" sz="2400" b="1" dirty="0">
+                <a:latin typeface="Cambria" panose="02040503050406030204" pitchFamily="18" charset="0"/>
+              </a:rPr>
+              <a:t>enhance job security</a:t>
+            </a:r>
+            <a:r>
+              <a:rPr lang="en-GB" sz="2400" dirty="0">
+                <a:latin typeface="Cambria" panose="02040503050406030204" pitchFamily="18" charset="0"/>
+              </a:rPr>
+              <a:t>, and </a:t>
+            </a:r>
+            <a:r>
+              <a:rPr lang="en-GB" sz="2400" b="1" dirty="0">
+                <a:latin typeface="Cambria" panose="02040503050406030204" pitchFamily="18" charset="0"/>
+              </a:rPr>
+              <a:t>improve working conditions</a:t>
+            </a:r>
+            <a:r>
+              <a:rPr lang="en-GB" sz="2400" dirty="0">
+                <a:latin typeface="Cambria" panose="02040503050406030204" pitchFamily="18" charset="0"/>
+              </a:rPr>
+              <a:t>.</a:t>
+            </a:r>
+          </a:p>
+          <a:p>
+            <a:pPr marL="342900" indent="-342900">
+              <a:lnSpc>
+                <a:spcPct val="150000"/>
+              </a:lnSpc>
+              <a:buFont typeface="Arial" panose="020B0604020202020204" pitchFamily="34" charset="0"/>
               <a:buChar char="•"/>
-              <a:tabLst>
-                <a:tab pos="427355" algn="l"/>
-              </a:tabLst>
-            </a:pPr>
-            <a:r>
-              <a:rPr sz="2800" spc="-245" dirty="0">
-                <a:solidFill>
-                  <a:srgbClr val="53585F"/>
-                </a:solidFill>
-                <a:latin typeface="Helvetica" pitchFamily="2" charset="0"/>
-                <a:cs typeface="Calibri" panose="020F0502020204030204" pitchFamily="34" charset="0"/>
-              </a:rPr>
-              <a:t>Time</a:t>
-            </a:r>
-            <a:r>
-              <a:rPr lang="it-IT" sz="2800" spc="-245" dirty="0">
-                <a:solidFill>
-                  <a:srgbClr val="53585F"/>
-                </a:solidFill>
-                <a:latin typeface="Helvetica" pitchFamily="2" charset="0"/>
-                <a:cs typeface="Calibri" panose="020F0502020204030204" pitchFamily="34" charset="0"/>
-              </a:rPr>
-              <a:t> Horizon</a:t>
-            </a:r>
-            <a:r>
-              <a:rPr sz="2800" spc="-245" dirty="0">
-                <a:solidFill>
-                  <a:srgbClr val="53585F"/>
-                </a:solidFill>
-                <a:latin typeface="Helvetica" pitchFamily="2" charset="0"/>
-                <a:cs typeface="Calibri" panose="020F0502020204030204" pitchFamily="34" charset="0"/>
-              </a:rPr>
-              <a:t>:</a:t>
-            </a:r>
-            <a:r>
-              <a:rPr sz="2800" spc="-229" dirty="0">
-                <a:solidFill>
-                  <a:srgbClr val="53585F"/>
-                </a:solidFill>
-                <a:latin typeface="Helvetica" pitchFamily="2" charset="0"/>
-                <a:cs typeface="Calibri" panose="020F0502020204030204" pitchFamily="34" charset="0"/>
-              </a:rPr>
-              <a:t> </a:t>
-            </a:r>
-            <a:r>
-              <a:rPr sz="2800" spc="-125" dirty="0">
-                <a:solidFill>
-                  <a:srgbClr val="53585F"/>
-                </a:solidFill>
-                <a:latin typeface="Helvetica" pitchFamily="2" charset="0"/>
-                <a:cs typeface="Calibri" panose="020F0502020204030204" pitchFamily="34" charset="0"/>
-              </a:rPr>
-              <a:t>from</a:t>
-            </a:r>
-            <a:r>
-              <a:rPr sz="2800" spc="-225" dirty="0">
-                <a:solidFill>
-                  <a:srgbClr val="53585F"/>
-                </a:solidFill>
-                <a:latin typeface="Helvetica" pitchFamily="2" charset="0"/>
-                <a:cs typeface="Calibri" panose="020F0502020204030204" pitchFamily="34" charset="0"/>
-              </a:rPr>
-              <a:t> </a:t>
-            </a:r>
-            <a:r>
-              <a:rPr sz="2800" spc="-220" dirty="0">
-                <a:solidFill>
-                  <a:srgbClr val="53585F"/>
-                </a:solidFill>
-                <a:latin typeface="Helvetica" pitchFamily="2" charset="0"/>
-                <a:cs typeface="Calibri" panose="020F0502020204030204" pitchFamily="34" charset="0"/>
-              </a:rPr>
-              <a:t>1990</a:t>
-            </a:r>
-            <a:r>
-              <a:rPr sz="2800" spc="-225" dirty="0">
-                <a:solidFill>
-                  <a:srgbClr val="53585F"/>
-                </a:solidFill>
-                <a:latin typeface="Helvetica" pitchFamily="2" charset="0"/>
-                <a:cs typeface="Calibri" panose="020F0502020204030204" pitchFamily="34" charset="0"/>
-              </a:rPr>
-              <a:t> </a:t>
-            </a:r>
-            <a:r>
-              <a:rPr sz="2800" spc="-135" dirty="0">
-                <a:solidFill>
-                  <a:srgbClr val="53585F"/>
-                </a:solidFill>
-                <a:latin typeface="Helvetica" pitchFamily="2" charset="0"/>
-                <a:cs typeface="Calibri" panose="020F0502020204030204" pitchFamily="34" charset="0"/>
-              </a:rPr>
-              <a:t>until</a:t>
-            </a:r>
-            <a:r>
-              <a:rPr sz="2800" spc="-229" dirty="0">
-                <a:solidFill>
-                  <a:srgbClr val="53585F"/>
-                </a:solidFill>
-                <a:latin typeface="Helvetica" pitchFamily="2" charset="0"/>
-                <a:cs typeface="Calibri" panose="020F0502020204030204" pitchFamily="34" charset="0"/>
-              </a:rPr>
-              <a:t> </a:t>
-            </a:r>
-            <a:r>
-              <a:rPr sz="2800" spc="-20" dirty="0">
-                <a:solidFill>
-                  <a:srgbClr val="53585F"/>
-                </a:solidFill>
-                <a:latin typeface="Helvetica" pitchFamily="2" charset="0"/>
-                <a:cs typeface="Calibri" panose="020F0502020204030204" pitchFamily="34" charset="0"/>
-              </a:rPr>
-              <a:t>2022</a:t>
-            </a:r>
-            <a:endParaRPr sz="2800" dirty="0">
-              <a:latin typeface="Helvetica" pitchFamily="2" charset="0"/>
-              <a:cs typeface="Calibri" panose="020F0502020204030204" pitchFamily="34" charset="0"/>
-            </a:endParaRPr>
-          </a:p>
-          <a:p>
-            <a:pPr>
-              <a:lnSpc>
-                <a:spcPct val="100000"/>
-              </a:lnSpc>
-              <a:spcBef>
-                <a:spcPts val="1485"/>
-              </a:spcBef>
-              <a:buFont typeface="Verdana"/>
+            </a:pPr>
+            <a:r>
+              <a:rPr lang="en-GB" sz="2400" dirty="0">
+                <a:latin typeface="Cambria" panose="02040503050406030204" pitchFamily="18" charset="0"/>
+              </a:rPr>
+              <a:t>Empirical evidence and economic theory suggest that </a:t>
+            </a:r>
+            <a:r>
+              <a:rPr lang="en-GB" sz="2400" b="1" dirty="0">
+                <a:latin typeface="Cambria" panose="02040503050406030204" pitchFamily="18" charset="0"/>
+              </a:rPr>
+              <a:t>collective bargaining plays a pivotal role in reducing income disparities</a:t>
+            </a:r>
+            <a:r>
+              <a:rPr lang="en-GB" sz="2400" dirty="0">
+                <a:latin typeface="Cambria" panose="02040503050406030204" pitchFamily="18" charset="0"/>
+              </a:rPr>
+              <a:t>, with increased coverage rates linked to narrower wage gaps.</a:t>
+            </a:r>
+          </a:p>
+          <a:p>
+            <a:pPr marL="342900" indent="-342900">
+              <a:lnSpc>
+                <a:spcPct val="150000"/>
+              </a:lnSpc>
+              <a:buFont typeface="Arial" panose="020B0604020202020204" pitchFamily="34" charset="0"/>
               <a:buChar char="•"/>
             </a:pPr>
-            <a:endParaRPr sz="2800" dirty="0">
-              <a:latin typeface="Helvetica" pitchFamily="2" charset="0"/>
-              <a:cs typeface="Calibri" panose="020F0502020204030204" pitchFamily="34" charset="0"/>
-            </a:endParaRPr>
-          </a:p>
-          <a:p>
-            <a:pPr marL="427355" indent="-376555">
-              <a:lnSpc>
-                <a:spcPct val="100000"/>
-              </a:lnSpc>
-              <a:buFont typeface="Verdana"/>
+            <a:r>
+              <a:rPr lang="en-GB" sz="2400" dirty="0">
+                <a:latin typeface="Cambria" panose="02040503050406030204" pitchFamily="18" charset="0"/>
+              </a:rPr>
+              <a:t>Countries practicing more centralized bargaining, particularly through multi-employer negotiations, tend to show fewer earnings inequality, highlighting the potential of collective bargaining mechanisms to foster more equitable economic outcomes.</a:t>
+            </a:r>
+          </a:p>
+          <a:p>
+            <a:pPr marL="342900" indent="-342900">
+              <a:lnSpc>
+                <a:spcPct val="150000"/>
+              </a:lnSpc>
+              <a:buFont typeface="Arial" panose="020B0604020202020204" pitchFamily="34" charset="0"/>
               <a:buChar char="•"/>
-              <a:tabLst>
-                <a:tab pos="427355" algn="l"/>
-              </a:tabLst>
-            </a:pPr>
-            <a:r>
-              <a:rPr sz="2800" spc="-85" dirty="0">
-                <a:solidFill>
-                  <a:srgbClr val="53585F"/>
-                </a:solidFill>
-                <a:latin typeface="Helvetica" pitchFamily="2" charset="0"/>
-                <a:cs typeface="Calibri" panose="020F0502020204030204" pitchFamily="34" charset="0"/>
-              </a:rPr>
-              <a:t>Data</a:t>
-            </a:r>
-            <a:r>
-              <a:rPr sz="2800" spc="-430" dirty="0">
-                <a:solidFill>
-                  <a:srgbClr val="53585F"/>
-                </a:solidFill>
-                <a:latin typeface="Helvetica" pitchFamily="2" charset="0"/>
-                <a:cs typeface="Calibri" panose="020F0502020204030204" pitchFamily="34" charset="0"/>
-              </a:rPr>
-              <a:t> </a:t>
-            </a:r>
-            <a:r>
-              <a:rPr lang="it-IT" sz="2800" spc="-430" dirty="0">
-                <a:solidFill>
-                  <a:srgbClr val="53585F"/>
-                </a:solidFill>
-                <a:latin typeface="Helvetica" pitchFamily="2" charset="0"/>
-                <a:cs typeface="Calibri" panose="020F0502020204030204" pitchFamily="34" charset="0"/>
-              </a:rPr>
-              <a:t> </a:t>
-            </a:r>
-            <a:r>
-              <a:rPr sz="2800" spc="-114" dirty="0">
-                <a:solidFill>
-                  <a:srgbClr val="53585F"/>
-                </a:solidFill>
-                <a:latin typeface="Helvetica" pitchFamily="2" charset="0"/>
-                <a:cs typeface="Calibri" panose="020F0502020204030204" pitchFamily="34" charset="0"/>
-              </a:rPr>
-              <a:t>gathering:</a:t>
-            </a:r>
-            <a:endParaRPr sz="2800" dirty="0">
-              <a:latin typeface="Helvetica" pitchFamily="2" charset="0"/>
-              <a:cs typeface="Calibri" panose="020F0502020204030204" pitchFamily="34" charset="0"/>
-            </a:endParaRPr>
-          </a:p>
-          <a:p>
-            <a:pPr>
-              <a:lnSpc>
-                <a:spcPct val="100000"/>
-              </a:lnSpc>
-              <a:spcBef>
-                <a:spcPts val="325"/>
-              </a:spcBef>
-              <a:buFont typeface="Verdana"/>
-              <a:buChar char="•"/>
-            </a:pPr>
-            <a:endParaRPr sz="2800" dirty="0">
-              <a:latin typeface="Helvetica" pitchFamily="2" charset="0"/>
-              <a:cs typeface="Calibri" panose="020F0502020204030204" pitchFamily="34" charset="0"/>
-            </a:endParaRPr>
-          </a:p>
-          <a:p>
-            <a:pPr marL="804545" lvl="1" indent="-377190">
-              <a:lnSpc>
-                <a:spcPct val="100000"/>
-              </a:lnSpc>
-              <a:buChar char="•"/>
-              <a:tabLst>
-                <a:tab pos="804545" algn="l"/>
-              </a:tabLst>
-            </a:pPr>
-            <a:r>
-              <a:rPr sz="2800" spc="-120" dirty="0">
-                <a:solidFill>
-                  <a:srgbClr val="53585F"/>
-                </a:solidFill>
-                <a:latin typeface="Helvetica" pitchFamily="2" charset="0"/>
-                <a:cs typeface="Calibri" panose="020F0502020204030204" pitchFamily="34" charset="0"/>
-              </a:rPr>
-              <a:t>OECD</a:t>
-            </a:r>
-            <a:r>
-              <a:rPr sz="2800" spc="-320" dirty="0">
-                <a:solidFill>
-                  <a:srgbClr val="53585F"/>
-                </a:solidFill>
-                <a:latin typeface="Helvetica" pitchFamily="2" charset="0"/>
-                <a:cs typeface="Calibri" panose="020F0502020204030204" pitchFamily="34" charset="0"/>
-              </a:rPr>
-              <a:t> </a:t>
-            </a:r>
-            <a:r>
-              <a:rPr sz="2800" spc="-10" dirty="0">
-                <a:solidFill>
-                  <a:srgbClr val="53585F"/>
-                </a:solidFill>
-                <a:latin typeface="Helvetica" pitchFamily="2" charset="0"/>
-                <a:cs typeface="Calibri" panose="020F0502020204030204" pitchFamily="34" charset="0"/>
-              </a:rPr>
-              <a:t>database</a:t>
-            </a:r>
-            <a:endParaRPr sz="2800" dirty="0">
-              <a:latin typeface="Helvetica" pitchFamily="2" charset="0"/>
-              <a:cs typeface="Calibri" panose="020F0502020204030204" pitchFamily="34" charset="0"/>
-            </a:endParaRPr>
-          </a:p>
-          <a:p>
-            <a:pPr lvl="1">
-              <a:lnSpc>
-                <a:spcPct val="100000"/>
-              </a:lnSpc>
-              <a:spcBef>
-                <a:spcPts val="270"/>
-              </a:spcBef>
-              <a:buClr>
-                <a:srgbClr val="53585F"/>
-              </a:buClr>
-              <a:buFont typeface="Verdana"/>
-              <a:buChar char="•"/>
-            </a:pPr>
-            <a:endParaRPr sz="2800" dirty="0">
-              <a:latin typeface="Helvetica" pitchFamily="2" charset="0"/>
-              <a:cs typeface="Calibri" panose="020F0502020204030204" pitchFamily="34" charset="0"/>
-            </a:endParaRPr>
-          </a:p>
-          <a:p>
-            <a:pPr marL="804545" lvl="1" indent="-377190">
-              <a:lnSpc>
-                <a:spcPct val="100000"/>
-              </a:lnSpc>
-              <a:spcBef>
-                <a:spcPts val="5"/>
-              </a:spcBef>
-              <a:buChar char="•"/>
-              <a:tabLst>
-                <a:tab pos="804545" algn="l"/>
-              </a:tabLst>
-            </a:pPr>
-            <a:r>
-              <a:rPr sz="2800" spc="-210" dirty="0">
-                <a:solidFill>
-                  <a:srgbClr val="53585F"/>
-                </a:solidFill>
-                <a:latin typeface="Helvetica" pitchFamily="2" charset="0"/>
-                <a:cs typeface="Calibri" panose="020F0502020204030204" pitchFamily="34" charset="0"/>
-              </a:rPr>
-              <a:t>WorldBank</a:t>
-            </a:r>
-            <a:r>
-              <a:rPr sz="2800" spc="-280" dirty="0">
-                <a:solidFill>
-                  <a:srgbClr val="53585F"/>
-                </a:solidFill>
-                <a:latin typeface="Helvetica" pitchFamily="2" charset="0"/>
-                <a:cs typeface="Calibri" panose="020F0502020204030204" pitchFamily="34" charset="0"/>
-              </a:rPr>
-              <a:t> </a:t>
-            </a:r>
-            <a:r>
-              <a:rPr sz="2800" spc="-20" dirty="0">
-                <a:solidFill>
-                  <a:srgbClr val="53585F"/>
-                </a:solidFill>
-                <a:latin typeface="Helvetica" pitchFamily="2" charset="0"/>
-                <a:cs typeface="Calibri" panose="020F0502020204030204" pitchFamily="34" charset="0"/>
-              </a:rPr>
-              <a:t>Data</a:t>
-            </a:r>
-            <a:endParaRPr sz="2800" dirty="0">
-              <a:latin typeface="Helvetica" pitchFamily="2" charset="0"/>
-              <a:cs typeface="Calibri" panose="020F0502020204030204" pitchFamily="34" charset="0"/>
-            </a:endParaRPr>
-          </a:p>
-          <a:p>
-            <a:pPr lvl="1">
-              <a:lnSpc>
-                <a:spcPct val="100000"/>
-              </a:lnSpc>
-              <a:spcBef>
-                <a:spcPts val="270"/>
-              </a:spcBef>
-              <a:buClr>
-                <a:srgbClr val="53585F"/>
-              </a:buClr>
-              <a:buFont typeface="Verdana"/>
-              <a:buChar char="•"/>
-            </a:pPr>
-            <a:endParaRPr sz="2800" dirty="0">
-              <a:latin typeface="Helvetica" pitchFamily="2" charset="0"/>
-              <a:cs typeface="Calibri" panose="020F0502020204030204" pitchFamily="34" charset="0"/>
-            </a:endParaRPr>
-          </a:p>
-          <a:p>
-            <a:pPr marL="804545" lvl="1" indent="-377190">
-              <a:lnSpc>
-                <a:spcPct val="100000"/>
-              </a:lnSpc>
-              <a:buChar char="•"/>
-              <a:tabLst>
-                <a:tab pos="804545" algn="l"/>
-              </a:tabLst>
-            </a:pPr>
-            <a:r>
-              <a:rPr sz="2800" spc="-65" dirty="0">
-                <a:solidFill>
-                  <a:srgbClr val="53585F"/>
-                </a:solidFill>
-                <a:latin typeface="Helvetica" pitchFamily="2" charset="0"/>
-                <a:cs typeface="Calibri" panose="020F0502020204030204" pitchFamily="34" charset="0"/>
-              </a:rPr>
-              <a:t>Eurostat</a:t>
-            </a:r>
-            <a:endParaRPr sz="2800" dirty="0">
-              <a:latin typeface="Helvetica" pitchFamily="2" charset="0"/>
-              <a:cs typeface="Calibri" panose="020F0502020204030204" pitchFamily="34" charset="0"/>
-            </a:endParaRPr>
+            </a:pPr>
+            <a:r>
+              <a:rPr lang="en-GB" sz="2400" dirty="0">
+                <a:latin typeface="Cambria" panose="02040503050406030204" pitchFamily="18" charset="0"/>
+              </a:rPr>
+              <a:t>This thesis aims to unpack the complex relationship between collective bargaining coverage and its effectiveness in mitigating inequality.</a:t>
+            </a:r>
           </a:p>
         </p:txBody>
       </p:sp>
     </p:spTree>
+    <p:extLst>
+      <p:ext uri="{BB962C8B-B14F-4D97-AF65-F5344CB8AC3E}">
+        <p14:creationId xmlns:p14="http://schemas.microsoft.com/office/powerpoint/2010/main" val="331730354"/>
+      </p:ext>
+    </p:extLst>
   </p:cSld>
   <p:clrMapOvr>
     <a:masterClrMapping/>
@@ -3796,6 +4225,10 @@
           </p:nvPr>
         </p:nvSpPr>
         <p:spPr>
+          <a:xfrm>
+            <a:off x="1023917" y="654085"/>
+            <a:ext cx="9028133" cy="1027845"/>
+          </a:xfrm>
           <a:prstGeom prst="rect">
             <a:avLst/>
           </a:prstGeom>
@@ -3815,383 +4248,1051 @@
               </a:spcBef>
             </a:pPr>
             <a:r>
-              <a:rPr spc="100" dirty="0">
+              <a:rPr spc="210" dirty="0">
                 <a:solidFill>
                   <a:schemeClr val="tx1"/>
                 </a:solidFill>
-                <a:latin typeface="Helvetica" pitchFamily="2" charset="0"/>
-              </a:rPr>
-              <a:t>Variables</a:t>
+                <a:latin typeface="Cambria" panose="02040503050406030204" pitchFamily="18" charset="0"/>
+                <a:cs typeface="Times New Roman" panose="02020603050405020304" pitchFamily="18" charset="0"/>
+              </a:rPr>
+              <a:t>Countries</a:t>
+            </a:r>
+            <a:r>
+              <a:rPr spc="-155" dirty="0">
+                <a:solidFill>
+                  <a:schemeClr val="tx1"/>
+                </a:solidFill>
+                <a:latin typeface="Cambria" panose="02040503050406030204" pitchFamily="18" charset="0"/>
+                <a:cs typeface="Times New Roman" panose="02020603050405020304" pitchFamily="18" charset="0"/>
+              </a:rPr>
+              <a:t> </a:t>
+            </a:r>
+            <a:r>
+              <a:rPr spc="375" dirty="0">
+                <a:solidFill>
+                  <a:schemeClr val="tx1"/>
+                </a:solidFill>
+                <a:latin typeface="Cambria" panose="02040503050406030204" pitchFamily="18" charset="0"/>
+                <a:cs typeface="Times New Roman" panose="02020603050405020304" pitchFamily="18" charset="0"/>
+              </a:rPr>
+              <a:t>and</a:t>
+            </a:r>
+            <a:r>
+              <a:rPr spc="-150" dirty="0">
+                <a:solidFill>
+                  <a:schemeClr val="tx1"/>
+                </a:solidFill>
+                <a:latin typeface="Cambria" panose="02040503050406030204" pitchFamily="18" charset="0"/>
+                <a:cs typeface="Times New Roman" panose="02020603050405020304" pitchFamily="18" charset="0"/>
+              </a:rPr>
+              <a:t> </a:t>
+            </a:r>
+            <a:r>
+              <a:rPr spc="195" dirty="0">
+                <a:solidFill>
+                  <a:schemeClr val="tx1"/>
+                </a:solidFill>
+                <a:latin typeface="Cambria" panose="02040503050406030204" pitchFamily="18" charset="0"/>
+                <a:cs typeface="Times New Roman" panose="02020603050405020304" pitchFamily="18" charset="0"/>
+              </a:rPr>
+              <a:t>Time</a:t>
             </a:r>
           </a:p>
         </p:txBody>
       </p:sp>
       <p:sp>
         <p:nvSpPr>
-          <p:cNvPr id="6" name="TextBox 5">
-            <a:extLst>
-              <a:ext uri="{FF2B5EF4-FFF2-40B4-BE49-F238E27FC236}">
-                <a16:creationId xmlns:a16="http://schemas.microsoft.com/office/drawing/2014/main" id="{85F2E02F-F9E6-546A-C2D4-699813ACA587}"/>
-              </a:ext>
-            </a:extLst>
-          </p:cNvPr>
+          <p:cNvPr id="3" name="object 3"/>
           <p:cNvSpPr txBox="1"/>
           <p:nvPr/>
         </p:nvSpPr>
         <p:spPr>
           <a:xfrm>
-            <a:off x="11195050" y="2436662"/>
-            <a:ext cx="7696200" cy="6370975"/>
+            <a:off x="985817" y="2780136"/>
+            <a:ext cx="4722833" cy="7424981"/>
           </a:xfrm>
           <a:prstGeom prst="rect">
             <a:avLst/>
           </a:prstGeom>
-          <a:noFill/>
         </p:spPr>
         <p:txBody>
-          <a:bodyPr wrap="square" rtlCol="0">
+          <a:bodyPr vert="horz" wrap="square" lIns="0" tIns="12065" rIns="0" bIns="0" rtlCol="0">
             <a:spAutoFit/>
           </a:bodyPr>
           <a:lstStyle/>
           <a:p>
+            <a:pPr marL="427355" marR="43180" indent="-377190">
+              <a:lnSpc>
+                <a:spcPct val="112200"/>
+              </a:lnSpc>
+              <a:spcBef>
+                <a:spcPts val="95"/>
+              </a:spcBef>
+              <a:buFont typeface="Verdana"/>
+              <a:buChar char="•"/>
+              <a:tabLst>
+                <a:tab pos="427355" algn="l"/>
+              </a:tabLst>
+            </a:pPr>
+            <a:r>
+              <a:rPr sz="2400" spc="-100" dirty="0">
+                <a:solidFill>
+                  <a:srgbClr val="53585F"/>
+                </a:solidFill>
+                <a:latin typeface="Cambria" panose="02040503050406030204" pitchFamily="18" charset="0"/>
+                <a:cs typeface="Calibri" panose="020F0502020204030204" pitchFamily="34" charset="0"/>
+              </a:rPr>
+              <a:t>Austria,</a:t>
+            </a:r>
+            <a:r>
+              <a:rPr sz="2400" spc="-275" dirty="0">
+                <a:solidFill>
+                  <a:srgbClr val="53585F"/>
+                </a:solidFill>
+                <a:latin typeface="Cambria" panose="02040503050406030204" pitchFamily="18" charset="0"/>
+                <a:cs typeface="Calibri" panose="020F0502020204030204" pitchFamily="34" charset="0"/>
+              </a:rPr>
+              <a:t> </a:t>
+            </a:r>
+            <a:r>
+              <a:rPr sz="2400" spc="-120" dirty="0">
+                <a:solidFill>
+                  <a:srgbClr val="53585F"/>
+                </a:solidFill>
+                <a:latin typeface="Cambria" panose="02040503050406030204" pitchFamily="18" charset="0"/>
+                <a:cs typeface="Calibri" panose="020F0502020204030204" pitchFamily="34" charset="0"/>
+              </a:rPr>
+              <a:t>Belgium,</a:t>
+            </a:r>
+            <a:r>
+              <a:rPr sz="2400" spc="-270" dirty="0">
+                <a:solidFill>
+                  <a:srgbClr val="53585F"/>
+                </a:solidFill>
+                <a:latin typeface="Cambria" panose="02040503050406030204" pitchFamily="18" charset="0"/>
+                <a:cs typeface="Calibri" panose="020F0502020204030204" pitchFamily="34" charset="0"/>
+              </a:rPr>
+              <a:t> </a:t>
+            </a:r>
+            <a:r>
+              <a:rPr sz="2400" spc="-105" dirty="0">
+                <a:solidFill>
+                  <a:srgbClr val="53585F"/>
+                </a:solidFill>
+                <a:latin typeface="Cambria" panose="02040503050406030204" pitchFamily="18" charset="0"/>
+                <a:cs typeface="Calibri" panose="020F0502020204030204" pitchFamily="34" charset="0"/>
+              </a:rPr>
+              <a:t>Czechia,</a:t>
+            </a:r>
+            <a:r>
+              <a:rPr sz="2400" spc="-270" dirty="0">
+                <a:solidFill>
+                  <a:srgbClr val="53585F"/>
+                </a:solidFill>
+                <a:latin typeface="Cambria" panose="02040503050406030204" pitchFamily="18" charset="0"/>
+                <a:cs typeface="Calibri" panose="020F0502020204030204" pitchFamily="34" charset="0"/>
+              </a:rPr>
+              <a:t> </a:t>
+            </a:r>
+            <a:r>
+              <a:rPr sz="2400" spc="-110" dirty="0">
+                <a:solidFill>
+                  <a:srgbClr val="53585F"/>
+                </a:solidFill>
+                <a:latin typeface="Cambria" panose="02040503050406030204" pitchFamily="18" charset="0"/>
+                <a:cs typeface="Calibri" panose="020F0502020204030204" pitchFamily="34" charset="0"/>
+              </a:rPr>
+              <a:t>Denmark,</a:t>
+            </a:r>
+            <a:r>
+              <a:rPr sz="2400" spc="-270" dirty="0">
+                <a:solidFill>
+                  <a:srgbClr val="53585F"/>
+                </a:solidFill>
+                <a:latin typeface="Cambria" panose="02040503050406030204" pitchFamily="18" charset="0"/>
+                <a:cs typeface="Calibri" panose="020F0502020204030204" pitchFamily="34" charset="0"/>
+              </a:rPr>
+              <a:t> </a:t>
+            </a:r>
+            <a:r>
+              <a:rPr sz="2400" spc="-130" dirty="0">
+                <a:solidFill>
+                  <a:srgbClr val="53585F"/>
+                </a:solidFill>
+                <a:latin typeface="Cambria" panose="02040503050406030204" pitchFamily="18" charset="0"/>
+                <a:cs typeface="Calibri" panose="020F0502020204030204" pitchFamily="34" charset="0"/>
+              </a:rPr>
+              <a:t>Estonia,</a:t>
+            </a:r>
+            <a:r>
+              <a:rPr sz="2400" spc="-275" dirty="0">
+                <a:solidFill>
+                  <a:srgbClr val="53585F"/>
+                </a:solidFill>
+                <a:latin typeface="Cambria" panose="02040503050406030204" pitchFamily="18" charset="0"/>
+                <a:cs typeface="Calibri" panose="020F0502020204030204" pitchFamily="34" charset="0"/>
+              </a:rPr>
+              <a:t> </a:t>
+            </a:r>
+            <a:r>
+              <a:rPr sz="2400" spc="-100" dirty="0">
+                <a:solidFill>
+                  <a:srgbClr val="53585F"/>
+                </a:solidFill>
+                <a:latin typeface="Cambria" panose="02040503050406030204" pitchFamily="18" charset="0"/>
+                <a:cs typeface="Calibri" panose="020F0502020204030204" pitchFamily="34" charset="0"/>
+              </a:rPr>
+              <a:t>Finland,</a:t>
+            </a:r>
+            <a:r>
+              <a:rPr sz="2400" spc="-270" dirty="0">
+                <a:solidFill>
+                  <a:srgbClr val="53585F"/>
+                </a:solidFill>
+                <a:latin typeface="Cambria" panose="02040503050406030204" pitchFamily="18" charset="0"/>
+                <a:cs typeface="Calibri" panose="020F0502020204030204" pitchFamily="34" charset="0"/>
+              </a:rPr>
+              <a:t> </a:t>
+            </a:r>
+            <a:r>
+              <a:rPr sz="2400" spc="-130" dirty="0">
+                <a:solidFill>
+                  <a:srgbClr val="53585F"/>
+                </a:solidFill>
+                <a:latin typeface="Cambria" panose="02040503050406030204" pitchFamily="18" charset="0"/>
+                <a:cs typeface="Calibri" panose="020F0502020204030204" pitchFamily="34" charset="0"/>
+              </a:rPr>
+              <a:t>France,</a:t>
+            </a:r>
+            <a:r>
+              <a:rPr sz="2400" spc="-270" dirty="0">
+                <a:solidFill>
+                  <a:srgbClr val="53585F"/>
+                </a:solidFill>
+                <a:latin typeface="Cambria" panose="02040503050406030204" pitchFamily="18" charset="0"/>
+                <a:cs typeface="Calibri" panose="020F0502020204030204" pitchFamily="34" charset="0"/>
+              </a:rPr>
+              <a:t> </a:t>
+            </a:r>
+            <a:r>
+              <a:rPr sz="2400" spc="-114" dirty="0">
+                <a:solidFill>
+                  <a:srgbClr val="53585F"/>
+                </a:solidFill>
+                <a:latin typeface="Cambria" panose="02040503050406030204" pitchFamily="18" charset="0"/>
+                <a:cs typeface="Calibri" panose="020F0502020204030204" pitchFamily="34" charset="0"/>
+              </a:rPr>
+              <a:t>Germany,</a:t>
+            </a:r>
+            <a:r>
+              <a:rPr sz="2400" spc="-270" dirty="0">
+                <a:solidFill>
+                  <a:srgbClr val="53585F"/>
+                </a:solidFill>
+                <a:latin typeface="Cambria" panose="02040503050406030204" pitchFamily="18" charset="0"/>
+                <a:cs typeface="Calibri" panose="020F0502020204030204" pitchFamily="34" charset="0"/>
+              </a:rPr>
+              <a:t> </a:t>
+            </a:r>
+            <a:r>
+              <a:rPr sz="2400" spc="-140" dirty="0">
+                <a:solidFill>
+                  <a:srgbClr val="53585F"/>
+                </a:solidFill>
+                <a:latin typeface="Cambria" panose="02040503050406030204" pitchFamily="18" charset="0"/>
+                <a:cs typeface="Calibri" panose="020F0502020204030204" pitchFamily="34" charset="0"/>
+              </a:rPr>
+              <a:t>Greece,</a:t>
+            </a:r>
+            <a:r>
+              <a:rPr sz="2400" spc="-270" dirty="0">
+                <a:solidFill>
+                  <a:srgbClr val="53585F"/>
+                </a:solidFill>
+                <a:latin typeface="Cambria" panose="02040503050406030204" pitchFamily="18" charset="0"/>
+                <a:cs typeface="Calibri" panose="020F0502020204030204" pitchFamily="34" charset="0"/>
+              </a:rPr>
+              <a:t> </a:t>
+            </a:r>
+            <a:r>
+              <a:rPr sz="2400" spc="-90" dirty="0">
+                <a:solidFill>
+                  <a:srgbClr val="53585F"/>
+                </a:solidFill>
+                <a:latin typeface="Cambria" panose="02040503050406030204" pitchFamily="18" charset="0"/>
+                <a:cs typeface="Calibri" panose="020F0502020204030204" pitchFamily="34" charset="0"/>
+              </a:rPr>
+              <a:t>Hungary,</a:t>
+            </a:r>
+            <a:r>
+              <a:rPr sz="2400" spc="-275" dirty="0">
+                <a:solidFill>
+                  <a:srgbClr val="53585F"/>
+                </a:solidFill>
+                <a:latin typeface="Cambria" panose="02040503050406030204" pitchFamily="18" charset="0"/>
+                <a:cs typeface="Calibri" panose="020F0502020204030204" pitchFamily="34" charset="0"/>
+              </a:rPr>
+              <a:t> </a:t>
+            </a:r>
+            <a:r>
+              <a:rPr sz="2400" spc="-100" dirty="0">
+                <a:solidFill>
+                  <a:srgbClr val="53585F"/>
+                </a:solidFill>
+                <a:latin typeface="Cambria" panose="02040503050406030204" pitchFamily="18" charset="0"/>
+                <a:cs typeface="Calibri" panose="020F0502020204030204" pitchFamily="34" charset="0"/>
+              </a:rPr>
+              <a:t>Iceland,</a:t>
+            </a:r>
+            <a:r>
+              <a:rPr sz="2400" spc="-270" dirty="0">
+                <a:solidFill>
+                  <a:srgbClr val="53585F"/>
+                </a:solidFill>
+                <a:latin typeface="Cambria" panose="02040503050406030204" pitchFamily="18" charset="0"/>
+                <a:cs typeface="Calibri" panose="020F0502020204030204" pitchFamily="34" charset="0"/>
+              </a:rPr>
+              <a:t> </a:t>
+            </a:r>
+            <a:r>
+              <a:rPr sz="2400" spc="-80" dirty="0">
+                <a:solidFill>
+                  <a:srgbClr val="53585F"/>
+                </a:solidFill>
+                <a:latin typeface="Cambria" panose="02040503050406030204" pitchFamily="18" charset="0"/>
+                <a:cs typeface="Calibri" panose="020F0502020204030204" pitchFamily="34" charset="0"/>
+              </a:rPr>
+              <a:t>Ireland,</a:t>
+            </a:r>
+            <a:r>
+              <a:rPr sz="2400" spc="-270" dirty="0">
+                <a:solidFill>
+                  <a:srgbClr val="53585F"/>
+                </a:solidFill>
+                <a:latin typeface="Cambria" panose="02040503050406030204" pitchFamily="18" charset="0"/>
+                <a:cs typeface="Calibri" panose="020F0502020204030204" pitchFamily="34" charset="0"/>
+              </a:rPr>
+              <a:t> </a:t>
+            </a:r>
+            <a:r>
+              <a:rPr sz="2400" spc="-10" dirty="0">
+                <a:solidFill>
+                  <a:srgbClr val="53585F"/>
+                </a:solidFill>
+                <a:latin typeface="Cambria" panose="02040503050406030204" pitchFamily="18" charset="0"/>
+                <a:cs typeface="Calibri" panose="020F0502020204030204" pitchFamily="34" charset="0"/>
+              </a:rPr>
+              <a:t>Italy, </a:t>
+            </a:r>
+            <a:r>
+              <a:rPr sz="2400" spc="-85" dirty="0">
+                <a:solidFill>
+                  <a:srgbClr val="53585F"/>
+                </a:solidFill>
+                <a:latin typeface="Cambria" panose="02040503050406030204" pitchFamily="18" charset="0"/>
+                <a:cs typeface="Calibri" panose="020F0502020204030204" pitchFamily="34" charset="0"/>
+              </a:rPr>
+              <a:t>Latvia,</a:t>
+            </a:r>
+            <a:r>
+              <a:rPr sz="2400" spc="-270" dirty="0">
+                <a:solidFill>
+                  <a:srgbClr val="53585F"/>
+                </a:solidFill>
+                <a:latin typeface="Cambria" panose="02040503050406030204" pitchFamily="18" charset="0"/>
+                <a:cs typeface="Calibri" panose="020F0502020204030204" pitchFamily="34" charset="0"/>
+              </a:rPr>
+              <a:t> </a:t>
+            </a:r>
+            <a:r>
+              <a:rPr sz="2400" spc="-100" dirty="0">
+                <a:solidFill>
+                  <a:srgbClr val="53585F"/>
+                </a:solidFill>
+                <a:latin typeface="Cambria" panose="02040503050406030204" pitchFamily="18" charset="0"/>
+                <a:cs typeface="Calibri" panose="020F0502020204030204" pitchFamily="34" charset="0"/>
+              </a:rPr>
+              <a:t>Lithuania,</a:t>
+            </a:r>
+            <a:r>
+              <a:rPr sz="2400" spc="-265" dirty="0">
+                <a:solidFill>
+                  <a:srgbClr val="53585F"/>
+                </a:solidFill>
+                <a:latin typeface="Cambria" panose="02040503050406030204" pitchFamily="18" charset="0"/>
+                <a:cs typeface="Calibri" panose="020F0502020204030204" pitchFamily="34" charset="0"/>
+              </a:rPr>
+              <a:t> </a:t>
+            </a:r>
+            <a:r>
+              <a:rPr sz="2400" spc="-130" dirty="0">
+                <a:solidFill>
+                  <a:srgbClr val="53585F"/>
+                </a:solidFill>
+                <a:latin typeface="Cambria" panose="02040503050406030204" pitchFamily="18" charset="0"/>
+                <a:cs typeface="Calibri" panose="020F0502020204030204" pitchFamily="34" charset="0"/>
+              </a:rPr>
+              <a:t>Luxembourg,</a:t>
+            </a:r>
+            <a:r>
+              <a:rPr sz="2400" spc="-265" dirty="0">
+                <a:solidFill>
+                  <a:srgbClr val="53585F"/>
+                </a:solidFill>
+                <a:latin typeface="Cambria" panose="02040503050406030204" pitchFamily="18" charset="0"/>
+                <a:cs typeface="Calibri" panose="020F0502020204030204" pitchFamily="34" charset="0"/>
+              </a:rPr>
+              <a:t> </a:t>
+            </a:r>
+            <a:r>
+              <a:rPr sz="2400" spc="-114" dirty="0">
+                <a:solidFill>
+                  <a:srgbClr val="53585F"/>
+                </a:solidFill>
+                <a:latin typeface="Cambria" panose="02040503050406030204" pitchFamily="18" charset="0"/>
+                <a:cs typeface="Calibri" panose="020F0502020204030204" pitchFamily="34" charset="0"/>
+              </a:rPr>
+              <a:t>Netherlands,</a:t>
+            </a:r>
+            <a:r>
+              <a:rPr sz="2400" spc="-265" dirty="0">
+                <a:solidFill>
+                  <a:srgbClr val="53585F"/>
+                </a:solidFill>
+                <a:latin typeface="Cambria" panose="02040503050406030204" pitchFamily="18" charset="0"/>
+                <a:cs typeface="Calibri" panose="020F0502020204030204" pitchFamily="34" charset="0"/>
+              </a:rPr>
+              <a:t> </a:t>
+            </a:r>
+            <a:r>
+              <a:rPr sz="2400" spc="-125" dirty="0">
+                <a:solidFill>
+                  <a:srgbClr val="53585F"/>
+                </a:solidFill>
+                <a:latin typeface="Cambria" panose="02040503050406030204" pitchFamily="18" charset="0"/>
+                <a:cs typeface="Calibri" panose="020F0502020204030204" pitchFamily="34" charset="0"/>
+              </a:rPr>
+              <a:t>Norway,</a:t>
+            </a:r>
+            <a:r>
+              <a:rPr sz="2400" spc="-270" dirty="0">
+                <a:solidFill>
+                  <a:srgbClr val="53585F"/>
+                </a:solidFill>
+                <a:latin typeface="Cambria" panose="02040503050406030204" pitchFamily="18" charset="0"/>
+                <a:cs typeface="Calibri" panose="020F0502020204030204" pitchFamily="34" charset="0"/>
+              </a:rPr>
+              <a:t> </a:t>
+            </a:r>
+            <a:r>
+              <a:rPr sz="2400" spc="-95" dirty="0">
+                <a:solidFill>
+                  <a:srgbClr val="53585F"/>
+                </a:solidFill>
+                <a:latin typeface="Cambria" panose="02040503050406030204" pitchFamily="18" charset="0"/>
+                <a:cs typeface="Calibri" panose="020F0502020204030204" pitchFamily="34" charset="0"/>
+              </a:rPr>
+              <a:t>Poland,</a:t>
+            </a:r>
+            <a:r>
+              <a:rPr sz="2400" spc="-265" dirty="0">
+                <a:solidFill>
+                  <a:srgbClr val="53585F"/>
+                </a:solidFill>
+                <a:latin typeface="Cambria" panose="02040503050406030204" pitchFamily="18" charset="0"/>
+                <a:cs typeface="Calibri" panose="020F0502020204030204" pitchFamily="34" charset="0"/>
+              </a:rPr>
+              <a:t> </a:t>
+            </a:r>
+            <a:r>
+              <a:rPr sz="2400" spc="-95" dirty="0">
+                <a:solidFill>
+                  <a:srgbClr val="53585F"/>
+                </a:solidFill>
+                <a:latin typeface="Cambria" panose="02040503050406030204" pitchFamily="18" charset="0"/>
+                <a:cs typeface="Calibri" panose="020F0502020204030204" pitchFamily="34" charset="0"/>
+              </a:rPr>
+              <a:t>Portugal,</a:t>
+            </a:r>
+            <a:r>
+              <a:rPr sz="2400" spc="-265" dirty="0">
+                <a:solidFill>
+                  <a:srgbClr val="53585F"/>
+                </a:solidFill>
+                <a:latin typeface="Cambria" panose="02040503050406030204" pitchFamily="18" charset="0"/>
+                <a:cs typeface="Calibri" panose="020F0502020204030204" pitchFamily="34" charset="0"/>
+              </a:rPr>
+              <a:t> </a:t>
+            </a:r>
+            <a:r>
+              <a:rPr sz="2400" spc="-130" dirty="0">
+                <a:solidFill>
+                  <a:srgbClr val="53585F"/>
+                </a:solidFill>
+                <a:latin typeface="Cambria" panose="02040503050406030204" pitchFamily="18" charset="0"/>
+                <a:cs typeface="Calibri" panose="020F0502020204030204" pitchFamily="34" charset="0"/>
+              </a:rPr>
+              <a:t>Slovak</a:t>
+            </a:r>
+            <a:r>
+              <a:rPr sz="2400" spc="-265" dirty="0">
+                <a:solidFill>
+                  <a:srgbClr val="53585F"/>
+                </a:solidFill>
+                <a:latin typeface="Cambria" panose="02040503050406030204" pitchFamily="18" charset="0"/>
+                <a:cs typeface="Calibri" panose="020F0502020204030204" pitchFamily="34" charset="0"/>
+              </a:rPr>
+              <a:t> </a:t>
+            </a:r>
+            <a:r>
+              <a:rPr sz="2400" spc="-130" dirty="0">
+                <a:solidFill>
+                  <a:srgbClr val="53585F"/>
+                </a:solidFill>
+                <a:latin typeface="Cambria" panose="02040503050406030204" pitchFamily="18" charset="0"/>
+                <a:cs typeface="Calibri" panose="020F0502020204030204" pitchFamily="34" charset="0"/>
+              </a:rPr>
+              <a:t>Republic,</a:t>
+            </a:r>
+            <a:r>
+              <a:rPr sz="2400" spc="-265" dirty="0">
+                <a:solidFill>
+                  <a:srgbClr val="53585F"/>
+                </a:solidFill>
+                <a:latin typeface="Cambria" panose="02040503050406030204" pitchFamily="18" charset="0"/>
+                <a:cs typeface="Calibri" panose="020F0502020204030204" pitchFamily="34" charset="0"/>
+              </a:rPr>
+              <a:t> </a:t>
+            </a:r>
+            <a:r>
+              <a:rPr sz="2400" spc="-114" dirty="0">
+                <a:solidFill>
+                  <a:srgbClr val="53585F"/>
+                </a:solidFill>
+                <a:latin typeface="Cambria" panose="02040503050406030204" pitchFamily="18" charset="0"/>
+                <a:cs typeface="Calibri" panose="020F0502020204030204" pitchFamily="34" charset="0"/>
+              </a:rPr>
+              <a:t>Slovenia,</a:t>
+            </a:r>
+            <a:r>
+              <a:rPr sz="2400" spc="-270" dirty="0">
+                <a:solidFill>
+                  <a:srgbClr val="53585F"/>
+                </a:solidFill>
+                <a:latin typeface="Cambria" panose="02040503050406030204" pitchFamily="18" charset="0"/>
+                <a:cs typeface="Calibri" panose="020F0502020204030204" pitchFamily="34" charset="0"/>
+              </a:rPr>
+              <a:t> </a:t>
+            </a:r>
+            <a:r>
+              <a:rPr sz="2400" spc="-90" dirty="0">
+                <a:solidFill>
+                  <a:srgbClr val="53585F"/>
+                </a:solidFill>
+                <a:latin typeface="Cambria" panose="02040503050406030204" pitchFamily="18" charset="0"/>
+                <a:cs typeface="Calibri" panose="020F0502020204030204" pitchFamily="34" charset="0"/>
+              </a:rPr>
+              <a:t>Spain,</a:t>
+            </a:r>
+            <a:r>
+              <a:rPr sz="2400" spc="-265" dirty="0">
+                <a:solidFill>
+                  <a:srgbClr val="53585F"/>
+                </a:solidFill>
+                <a:latin typeface="Cambria" panose="02040503050406030204" pitchFamily="18" charset="0"/>
+                <a:cs typeface="Calibri" panose="020F0502020204030204" pitchFamily="34" charset="0"/>
+              </a:rPr>
+              <a:t> </a:t>
+            </a:r>
+            <a:r>
+              <a:rPr sz="2400" spc="-25" dirty="0">
+                <a:solidFill>
+                  <a:srgbClr val="53585F"/>
+                </a:solidFill>
+                <a:latin typeface="Cambria" panose="02040503050406030204" pitchFamily="18" charset="0"/>
+                <a:cs typeface="Calibri" panose="020F0502020204030204" pitchFamily="34" charset="0"/>
+              </a:rPr>
+              <a:t>Sweden, </a:t>
+            </a:r>
+            <a:r>
+              <a:rPr sz="2400" spc="-110" dirty="0">
+                <a:solidFill>
+                  <a:srgbClr val="53585F"/>
+                </a:solidFill>
+                <a:latin typeface="Cambria" panose="02040503050406030204" pitchFamily="18" charset="0"/>
+                <a:cs typeface="Calibri" panose="020F0502020204030204" pitchFamily="34" charset="0"/>
+              </a:rPr>
+              <a:t>Switzerland,</a:t>
+            </a:r>
+            <a:r>
+              <a:rPr sz="2400" spc="-270" dirty="0">
+                <a:solidFill>
+                  <a:srgbClr val="53585F"/>
+                </a:solidFill>
+                <a:latin typeface="Cambria" panose="02040503050406030204" pitchFamily="18" charset="0"/>
+                <a:cs typeface="Calibri" panose="020F0502020204030204" pitchFamily="34" charset="0"/>
+              </a:rPr>
+              <a:t> </a:t>
+            </a:r>
+            <a:r>
+              <a:rPr sz="2400" spc="-130" dirty="0">
+                <a:solidFill>
+                  <a:srgbClr val="53585F"/>
+                </a:solidFill>
+                <a:latin typeface="Cambria" panose="02040503050406030204" pitchFamily="18" charset="0"/>
+                <a:cs typeface="Calibri" panose="020F0502020204030204" pitchFamily="34" charset="0"/>
+              </a:rPr>
+              <a:t>United</a:t>
+            </a:r>
+            <a:r>
+              <a:rPr sz="2400" spc="-265" dirty="0">
+                <a:solidFill>
+                  <a:srgbClr val="53585F"/>
+                </a:solidFill>
+                <a:latin typeface="Cambria" panose="02040503050406030204" pitchFamily="18" charset="0"/>
+                <a:cs typeface="Calibri" panose="020F0502020204030204" pitchFamily="34" charset="0"/>
+              </a:rPr>
+              <a:t> </a:t>
+            </a:r>
+            <a:r>
+              <a:rPr sz="2400" spc="-10" dirty="0">
+                <a:solidFill>
+                  <a:srgbClr val="53585F"/>
+                </a:solidFill>
+                <a:latin typeface="Cambria" panose="02040503050406030204" pitchFamily="18" charset="0"/>
+                <a:cs typeface="Calibri" panose="020F0502020204030204" pitchFamily="34" charset="0"/>
+              </a:rPr>
+              <a:t>Kingdom</a:t>
+            </a:r>
+            <a:endParaRPr sz="2400" dirty="0">
+              <a:latin typeface="Cambria" panose="02040503050406030204" pitchFamily="18" charset="0"/>
+              <a:cs typeface="Calibri" panose="020F0502020204030204" pitchFamily="34" charset="0"/>
+            </a:endParaRPr>
+          </a:p>
+          <a:p>
             <a:pPr>
               <a:lnSpc>
-                <a:spcPct val="150000"/>
-              </a:lnSpc>
-            </a:pPr>
-            <a:r>
-              <a:rPr lang="en-GB" sz="2600" b="1" dirty="0">
-                <a:effectLst/>
-                <a:latin typeface="Helvetica" pitchFamily="2" charset="0"/>
-              </a:rPr>
-              <a:t>Economic growth:</a:t>
-            </a:r>
-            <a:endParaRPr lang="en-GB" sz="2600" dirty="0">
-              <a:effectLst/>
-              <a:latin typeface="Helvetica" pitchFamily="2" charset="0"/>
+                <a:spcPct val="100000"/>
+              </a:lnSpc>
+              <a:spcBef>
+                <a:spcPts val="775"/>
+              </a:spcBef>
+              <a:buFont typeface="Verdana"/>
+              <a:buChar char="•"/>
+            </a:pPr>
+            <a:endParaRPr sz="2400" dirty="0">
+              <a:latin typeface="Cambria" panose="02040503050406030204" pitchFamily="18" charset="0"/>
+              <a:cs typeface="Calibri" panose="020F0502020204030204" pitchFamily="34" charset="0"/>
             </a:endParaRPr>
           </a:p>
           <a:p>
+            <a:pPr marL="427355" indent="-376555">
+              <a:lnSpc>
+                <a:spcPct val="100000"/>
+              </a:lnSpc>
+              <a:buFont typeface="Verdana"/>
+              <a:buChar char="•"/>
+              <a:tabLst>
+                <a:tab pos="427355" algn="l"/>
+              </a:tabLst>
+            </a:pPr>
+            <a:r>
+              <a:rPr sz="2400" spc="-245" dirty="0">
+                <a:solidFill>
+                  <a:srgbClr val="53585F"/>
+                </a:solidFill>
+                <a:latin typeface="Cambria" panose="02040503050406030204" pitchFamily="18" charset="0"/>
+                <a:cs typeface="Calibri" panose="020F0502020204030204" pitchFamily="34" charset="0"/>
+              </a:rPr>
+              <a:t>Time</a:t>
+            </a:r>
+            <a:r>
+              <a:rPr lang="it-IT" sz="2400" spc="-245" dirty="0">
+                <a:solidFill>
+                  <a:srgbClr val="53585F"/>
+                </a:solidFill>
+                <a:latin typeface="Cambria" panose="02040503050406030204" pitchFamily="18" charset="0"/>
+                <a:cs typeface="Calibri" panose="020F0502020204030204" pitchFamily="34" charset="0"/>
+              </a:rPr>
+              <a:t> Horizon</a:t>
+            </a:r>
+            <a:r>
+              <a:rPr sz="2400" spc="-245" dirty="0">
+                <a:solidFill>
+                  <a:srgbClr val="53585F"/>
+                </a:solidFill>
+                <a:latin typeface="Cambria" panose="02040503050406030204" pitchFamily="18" charset="0"/>
+                <a:cs typeface="Calibri" panose="020F0502020204030204" pitchFamily="34" charset="0"/>
+              </a:rPr>
+              <a:t>:</a:t>
+            </a:r>
+            <a:r>
+              <a:rPr sz="2400" spc="-229" dirty="0">
+                <a:solidFill>
+                  <a:srgbClr val="53585F"/>
+                </a:solidFill>
+                <a:latin typeface="Cambria" panose="02040503050406030204" pitchFamily="18" charset="0"/>
+                <a:cs typeface="Calibri" panose="020F0502020204030204" pitchFamily="34" charset="0"/>
+              </a:rPr>
+              <a:t> </a:t>
+            </a:r>
+            <a:r>
+              <a:rPr sz="2400" spc="-125" dirty="0">
+                <a:solidFill>
+                  <a:srgbClr val="53585F"/>
+                </a:solidFill>
+                <a:latin typeface="Cambria" panose="02040503050406030204" pitchFamily="18" charset="0"/>
+                <a:cs typeface="Calibri" panose="020F0502020204030204" pitchFamily="34" charset="0"/>
+              </a:rPr>
+              <a:t>from</a:t>
+            </a:r>
+            <a:r>
+              <a:rPr sz="2400" spc="-225" dirty="0">
+                <a:solidFill>
+                  <a:srgbClr val="53585F"/>
+                </a:solidFill>
+                <a:latin typeface="Cambria" panose="02040503050406030204" pitchFamily="18" charset="0"/>
+                <a:cs typeface="Calibri" panose="020F0502020204030204" pitchFamily="34" charset="0"/>
+              </a:rPr>
+              <a:t> </a:t>
+            </a:r>
+            <a:r>
+              <a:rPr sz="2400" spc="-220" dirty="0">
+                <a:solidFill>
+                  <a:srgbClr val="53585F"/>
+                </a:solidFill>
+                <a:latin typeface="Cambria" panose="02040503050406030204" pitchFamily="18" charset="0"/>
+                <a:cs typeface="Calibri" panose="020F0502020204030204" pitchFamily="34" charset="0"/>
+              </a:rPr>
+              <a:t>1990</a:t>
+            </a:r>
+            <a:r>
+              <a:rPr sz="2400" spc="-225" dirty="0">
+                <a:solidFill>
+                  <a:srgbClr val="53585F"/>
+                </a:solidFill>
+                <a:latin typeface="Cambria" panose="02040503050406030204" pitchFamily="18" charset="0"/>
+                <a:cs typeface="Calibri" panose="020F0502020204030204" pitchFamily="34" charset="0"/>
+              </a:rPr>
+              <a:t> </a:t>
+            </a:r>
+            <a:r>
+              <a:rPr sz="2400" spc="-135" dirty="0">
+                <a:solidFill>
+                  <a:srgbClr val="53585F"/>
+                </a:solidFill>
+                <a:latin typeface="Cambria" panose="02040503050406030204" pitchFamily="18" charset="0"/>
+                <a:cs typeface="Calibri" panose="020F0502020204030204" pitchFamily="34" charset="0"/>
+              </a:rPr>
+              <a:t>until</a:t>
+            </a:r>
+            <a:r>
+              <a:rPr sz="2400" spc="-229" dirty="0">
+                <a:solidFill>
+                  <a:srgbClr val="53585F"/>
+                </a:solidFill>
+                <a:latin typeface="Cambria" panose="02040503050406030204" pitchFamily="18" charset="0"/>
+                <a:cs typeface="Calibri" panose="020F0502020204030204" pitchFamily="34" charset="0"/>
+              </a:rPr>
+              <a:t> </a:t>
+            </a:r>
+            <a:r>
+              <a:rPr sz="2400" spc="-20" dirty="0">
+                <a:solidFill>
+                  <a:srgbClr val="53585F"/>
+                </a:solidFill>
+                <a:latin typeface="Cambria" panose="02040503050406030204" pitchFamily="18" charset="0"/>
+                <a:cs typeface="Calibri" panose="020F0502020204030204" pitchFamily="34" charset="0"/>
+              </a:rPr>
+              <a:t>2022</a:t>
+            </a:r>
+            <a:endParaRPr sz="2400" dirty="0">
+              <a:latin typeface="Cambria" panose="02040503050406030204" pitchFamily="18" charset="0"/>
+              <a:cs typeface="Calibri" panose="020F0502020204030204" pitchFamily="34" charset="0"/>
+            </a:endParaRPr>
+          </a:p>
+          <a:p>
             <a:pPr>
               <a:lnSpc>
-                <a:spcPct val="150000"/>
-              </a:lnSpc>
-            </a:pPr>
-            <a:r>
-              <a:rPr lang="en-GB" sz="2600" dirty="0">
-                <a:effectLst/>
-                <a:latin typeface="Helvetica" pitchFamily="2" charset="0"/>
-              </a:rPr>
-              <a:t>•Real Average annual wage growth</a:t>
-            </a:r>
+                <a:spcPct val="100000"/>
+              </a:lnSpc>
+              <a:spcBef>
+                <a:spcPts val="1485"/>
+              </a:spcBef>
+              <a:buFont typeface="Verdana"/>
+              <a:buChar char="•"/>
+            </a:pPr>
+            <a:endParaRPr sz="2400" dirty="0">
+              <a:latin typeface="Cambria" panose="02040503050406030204" pitchFamily="18" charset="0"/>
+              <a:cs typeface="Calibri" panose="020F0502020204030204" pitchFamily="34" charset="0"/>
+            </a:endParaRPr>
+          </a:p>
+          <a:p>
+            <a:pPr marL="427355" indent="-376555">
+              <a:lnSpc>
+                <a:spcPct val="100000"/>
+              </a:lnSpc>
+              <a:buFont typeface="Verdana"/>
+              <a:buChar char="•"/>
+              <a:tabLst>
+                <a:tab pos="427355" algn="l"/>
+              </a:tabLst>
+            </a:pPr>
+            <a:r>
+              <a:rPr sz="2400" spc="-85" dirty="0">
+                <a:solidFill>
+                  <a:srgbClr val="53585F"/>
+                </a:solidFill>
+                <a:latin typeface="Cambria" panose="02040503050406030204" pitchFamily="18" charset="0"/>
+                <a:cs typeface="Calibri" panose="020F0502020204030204" pitchFamily="34" charset="0"/>
+              </a:rPr>
+              <a:t>Data</a:t>
+            </a:r>
+            <a:r>
+              <a:rPr sz="2400" spc="-430" dirty="0">
+                <a:solidFill>
+                  <a:srgbClr val="53585F"/>
+                </a:solidFill>
+                <a:latin typeface="Cambria" panose="02040503050406030204" pitchFamily="18" charset="0"/>
+                <a:cs typeface="Calibri" panose="020F0502020204030204" pitchFamily="34" charset="0"/>
+              </a:rPr>
+              <a:t> </a:t>
+            </a:r>
+            <a:r>
+              <a:rPr lang="it-IT" sz="2400" spc="-430" dirty="0">
+                <a:solidFill>
+                  <a:srgbClr val="53585F"/>
+                </a:solidFill>
+                <a:latin typeface="Cambria" panose="02040503050406030204" pitchFamily="18" charset="0"/>
+                <a:cs typeface="Calibri" panose="020F0502020204030204" pitchFamily="34" charset="0"/>
+              </a:rPr>
+              <a:t> </a:t>
+            </a:r>
+            <a:r>
+              <a:rPr sz="2400" spc="-114" dirty="0">
+                <a:solidFill>
+                  <a:srgbClr val="53585F"/>
+                </a:solidFill>
+                <a:latin typeface="Cambria" panose="02040503050406030204" pitchFamily="18" charset="0"/>
+                <a:cs typeface="Calibri" panose="020F0502020204030204" pitchFamily="34" charset="0"/>
+              </a:rPr>
+              <a:t>gathering:</a:t>
+            </a:r>
+            <a:endParaRPr sz="2400" dirty="0">
+              <a:latin typeface="Cambria" panose="02040503050406030204" pitchFamily="18" charset="0"/>
+              <a:cs typeface="Calibri" panose="020F0502020204030204" pitchFamily="34" charset="0"/>
+            </a:endParaRPr>
           </a:p>
           <a:p>
             <a:pPr>
               <a:lnSpc>
-                <a:spcPct val="150000"/>
-              </a:lnSpc>
-            </a:pPr>
-            <a:r>
-              <a:rPr lang="en-GB" sz="2600" dirty="0">
-                <a:effectLst/>
-                <a:latin typeface="Helvetica" pitchFamily="2" charset="0"/>
-              </a:rPr>
-              <a:t>•Real GDP</a:t>
-            </a:r>
-          </a:p>
-          <a:p>
-            <a:pPr>
-              <a:lnSpc>
-                <a:spcPct val="150000"/>
-              </a:lnSpc>
-            </a:pPr>
-            <a:r>
-              <a:rPr lang="en-GB" sz="2600" dirty="0">
-                <a:effectLst/>
-                <a:latin typeface="Helvetica" pitchFamily="2" charset="0"/>
-              </a:rPr>
-              <a:t>•Annual inflation CPI</a:t>
-            </a:r>
-          </a:p>
-          <a:p>
-            <a:pPr>
-              <a:lnSpc>
-                <a:spcPct val="150000"/>
-              </a:lnSpc>
-            </a:pPr>
-            <a:r>
-              <a:rPr lang="en-GB" sz="2600" dirty="0">
-                <a:effectLst/>
-                <a:latin typeface="Helvetica" pitchFamily="2" charset="0"/>
-              </a:rPr>
-              <a:t>•Exports of goods and services (annual %  growth)</a:t>
-            </a:r>
-          </a:p>
-          <a:p>
-            <a:pPr>
-              <a:lnSpc>
-                <a:spcPct val="150000"/>
-              </a:lnSpc>
-            </a:pPr>
-            <a:r>
-              <a:rPr lang="en-GB" sz="2600" dirty="0">
-                <a:effectLst/>
-                <a:latin typeface="Helvetica" pitchFamily="2" charset="0"/>
-              </a:rPr>
-              <a:t>•Imports of goods and services (  % of GDP)</a:t>
-            </a:r>
-          </a:p>
-          <a:p>
-            <a:pPr>
-              <a:lnSpc>
-                <a:spcPct val="150000"/>
-              </a:lnSpc>
-            </a:pPr>
-            <a:r>
-              <a:rPr lang="en-GB" sz="2600" dirty="0">
-                <a:effectLst/>
-                <a:latin typeface="Helvetica" pitchFamily="2" charset="0"/>
-              </a:rPr>
-              <a:t>•Foreign direct investment, net inflows (% of GDP)</a:t>
-            </a:r>
-          </a:p>
-          <a:p>
-            <a:pPr>
-              <a:lnSpc>
-                <a:spcPct val="150000"/>
-              </a:lnSpc>
-            </a:pPr>
-            <a:r>
-              <a:rPr lang="en-GB" sz="2600" dirty="0">
-                <a:effectLst/>
-                <a:latin typeface="Helvetica" pitchFamily="2" charset="0"/>
-              </a:rPr>
-              <a:t>•Foreign direct investment, net outflows (% of GDP)</a:t>
-            </a:r>
-          </a:p>
-          <a:p>
-            <a:pPr>
-              <a:lnSpc>
-                <a:spcPct val="150000"/>
-              </a:lnSpc>
-            </a:pPr>
-            <a:r>
-              <a:rPr lang="en-GB" sz="2600" dirty="0">
-                <a:effectLst/>
-                <a:latin typeface="Helvetica" pitchFamily="2" charset="0"/>
-              </a:rPr>
-              <a:t>•Central government debt, total (% of GDP)</a:t>
-            </a:r>
-          </a:p>
-          <a:p>
-            <a:endParaRPr lang="en-GB" dirty="0"/>
+                <a:spcPct val="100000"/>
+              </a:lnSpc>
+              <a:spcBef>
+                <a:spcPts val="325"/>
+              </a:spcBef>
+              <a:buFont typeface="Verdana"/>
+              <a:buChar char="•"/>
+            </a:pPr>
+            <a:endParaRPr sz="2400" dirty="0">
+              <a:latin typeface="Cambria" panose="02040503050406030204" pitchFamily="18" charset="0"/>
+              <a:cs typeface="Calibri" panose="020F0502020204030204" pitchFamily="34" charset="0"/>
+            </a:endParaRPr>
+          </a:p>
+          <a:p>
+            <a:pPr marL="804545" lvl="1" indent="-377190">
+              <a:lnSpc>
+                <a:spcPct val="100000"/>
+              </a:lnSpc>
+              <a:buChar char="•"/>
+              <a:tabLst>
+                <a:tab pos="804545" algn="l"/>
+              </a:tabLst>
+            </a:pPr>
+            <a:r>
+              <a:rPr sz="2400" spc="-120" dirty="0">
+                <a:solidFill>
+                  <a:srgbClr val="53585F"/>
+                </a:solidFill>
+                <a:latin typeface="Cambria" panose="02040503050406030204" pitchFamily="18" charset="0"/>
+                <a:cs typeface="Calibri" panose="020F0502020204030204" pitchFamily="34" charset="0"/>
+              </a:rPr>
+              <a:t>OECD</a:t>
+            </a:r>
+            <a:r>
+              <a:rPr sz="2400" spc="-320" dirty="0">
+                <a:solidFill>
+                  <a:srgbClr val="53585F"/>
+                </a:solidFill>
+                <a:latin typeface="Cambria" panose="02040503050406030204" pitchFamily="18" charset="0"/>
+                <a:cs typeface="Calibri" panose="020F0502020204030204" pitchFamily="34" charset="0"/>
+              </a:rPr>
+              <a:t> </a:t>
+            </a:r>
+            <a:r>
+              <a:rPr sz="2400" spc="-10" dirty="0">
+                <a:solidFill>
+                  <a:srgbClr val="53585F"/>
+                </a:solidFill>
+                <a:latin typeface="Cambria" panose="02040503050406030204" pitchFamily="18" charset="0"/>
+                <a:cs typeface="Calibri" panose="020F0502020204030204" pitchFamily="34" charset="0"/>
+              </a:rPr>
+              <a:t>database</a:t>
+            </a:r>
+            <a:endParaRPr sz="2400" dirty="0">
+              <a:latin typeface="Cambria" panose="02040503050406030204" pitchFamily="18" charset="0"/>
+              <a:cs typeface="Calibri" panose="020F0502020204030204" pitchFamily="34" charset="0"/>
+            </a:endParaRPr>
+          </a:p>
+          <a:p>
+            <a:pPr lvl="1">
+              <a:lnSpc>
+                <a:spcPct val="100000"/>
+              </a:lnSpc>
+              <a:spcBef>
+                <a:spcPts val="270"/>
+              </a:spcBef>
+              <a:buClr>
+                <a:srgbClr val="53585F"/>
+              </a:buClr>
+              <a:buFont typeface="Verdana"/>
+              <a:buChar char="•"/>
+            </a:pPr>
+            <a:endParaRPr sz="2400" dirty="0">
+              <a:latin typeface="Cambria" panose="02040503050406030204" pitchFamily="18" charset="0"/>
+              <a:cs typeface="Calibri" panose="020F0502020204030204" pitchFamily="34" charset="0"/>
+            </a:endParaRPr>
+          </a:p>
+          <a:p>
+            <a:pPr marL="804545" lvl="1" indent="-377190">
+              <a:lnSpc>
+                <a:spcPct val="100000"/>
+              </a:lnSpc>
+              <a:spcBef>
+                <a:spcPts val="5"/>
+              </a:spcBef>
+              <a:buChar char="•"/>
+              <a:tabLst>
+                <a:tab pos="804545" algn="l"/>
+              </a:tabLst>
+            </a:pPr>
+            <a:r>
+              <a:rPr sz="2400" spc="-210" dirty="0">
+                <a:solidFill>
+                  <a:srgbClr val="53585F"/>
+                </a:solidFill>
+                <a:latin typeface="Cambria" panose="02040503050406030204" pitchFamily="18" charset="0"/>
+                <a:cs typeface="Calibri" panose="020F0502020204030204" pitchFamily="34" charset="0"/>
+              </a:rPr>
+              <a:t>WorldBank</a:t>
+            </a:r>
+            <a:r>
+              <a:rPr sz="2400" spc="-280" dirty="0">
+                <a:solidFill>
+                  <a:srgbClr val="53585F"/>
+                </a:solidFill>
+                <a:latin typeface="Cambria" panose="02040503050406030204" pitchFamily="18" charset="0"/>
+                <a:cs typeface="Calibri" panose="020F0502020204030204" pitchFamily="34" charset="0"/>
+              </a:rPr>
+              <a:t> </a:t>
+            </a:r>
+            <a:r>
+              <a:rPr sz="2400" spc="-20" dirty="0">
+                <a:solidFill>
+                  <a:srgbClr val="53585F"/>
+                </a:solidFill>
+                <a:latin typeface="Cambria" panose="02040503050406030204" pitchFamily="18" charset="0"/>
+                <a:cs typeface="Calibri" panose="020F0502020204030204" pitchFamily="34" charset="0"/>
+              </a:rPr>
+              <a:t>Data</a:t>
+            </a:r>
+            <a:endParaRPr sz="2400" dirty="0">
+              <a:latin typeface="Cambria" panose="02040503050406030204" pitchFamily="18" charset="0"/>
+              <a:cs typeface="Calibri" panose="020F0502020204030204" pitchFamily="34" charset="0"/>
+            </a:endParaRPr>
+          </a:p>
+          <a:p>
+            <a:pPr lvl="1">
+              <a:lnSpc>
+                <a:spcPct val="100000"/>
+              </a:lnSpc>
+              <a:spcBef>
+                <a:spcPts val="270"/>
+              </a:spcBef>
+              <a:buClr>
+                <a:srgbClr val="53585F"/>
+              </a:buClr>
+              <a:buFont typeface="Verdana"/>
+              <a:buChar char="•"/>
+            </a:pPr>
+            <a:endParaRPr sz="2400" dirty="0">
+              <a:latin typeface="Cambria" panose="02040503050406030204" pitchFamily="18" charset="0"/>
+              <a:cs typeface="Calibri" panose="020F0502020204030204" pitchFamily="34" charset="0"/>
+            </a:endParaRPr>
+          </a:p>
+          <a:p>
+            <a:pPr marL="804545" lvl="1" indent="-377190">
+              <a:lnSpc>
+                <a:spcPct val="100000"/>
+              </a:lnSpc>
+              <a:buChar char="•"/>
+              <a:tabLst>
+                <a:tab pos="804545" algn="l"/>
+              </a:tabLst>
+            </a:pPr>
+            <a:r>
+              <a:rPr sz="2400" spc="-65" dirty="0">
+                <a:solidFill>
+                  <a:srgbClr val="53585F"/>
+                </a:solidFill>
+                <a:latin typeface="Cambria" panose="02040503050406030204" pitchFamily="18" charset="0"/>
+                <a:cs typeface="Calibri" panose="020F0502020204030204" pitchFamily="34" charset="0"/>
+              </a:rPr>
+              <a:t>Eurostat</a:t>
+            </a:r>
+            <a:endParaRPr sz="2400" dirty="0">
+              <a:latin typeface="Cambria" panose="02040503050406030204" pitchFamily="18" charset="0"/>
+              <a:cs typeface="Calibri" panose="020F0502020204030204" pitchFamily="34" charset="0"/>
+            </a:endParaRPr>
           </a:p>
         </p:txBody>
       </p:sp>
-      <p:sp>
-        <p:nvSpPr>
-          <p:cNvPr id="7" name="TextBox 6">
+      <p:pic>
+        <p:nvPicPr>
+          <p:cNvPr id="7" name="Picture 6" descr="A graph of different colored lines&#10;&#10;Description automatically generated with medium confidence">
             <a:extLst>
               <a:ext uri="{FF2B5EF4-FFF2-40B4-BE49-F238E27FC236}">
-                <a16:creationId xmlns:a16="http://schemas.microsoft.com/office/drawing/2014/main" id="{6D2B8D27-760F-13BA-B201-18AD13EDD4E1}"/>
+                <a16:creationId xmlns:a16="http://schemas.microsoft.com/office/drawing/2014/main" id="{8445CCCF-D51D-0393-DE47-36B5DC02C7F8}"/>
               </a:ext>
             </a:extLst>
           </p:cNvPr>
-          <p:cNvSpPr txBox="1"/>
+          <p:cNvPicPr>
+            <a:picLocks noChangeAspect="1"/>
+          </p:cNvPicPr>
           <p:nvPr/>
-        </p:nvSpPr>
+        </p:nvPicPr>
+        <p:blipFill>
+          <a:blip r:embed="rId2">
+            <a:extLst>
+              <a:ext uri="{28A0092B-C50C-407E-A947-70E740481C1C}">
+                <a14:useLocalDpi xmlns:a14="http://schemas.microsoft.com/office/drawing/2010/main" val="0"/>
+              </a:ext>
+            </a:extLst>
+          </a:blip>
+          <a:stretch>
+            <a:fillRect/>
+          </a:stretch>
+        </p:blipFill>
         <p:spPr>
           <a:xfrm>
-            <a:off x="1212850" y="2436662"/>
-            <a:ext cx="8077200" cy="7236212"/>
+            <a:off x="6242050" y="2606675"/>
+            <a:ext cx="13531922" cy="8119153"/>
           </a:xfrm>
           <a:prstGeom prst="rect">
             <a:avLst/>
           </a:prstGeom>
-          <a:noFill/>
         </p:spPr>
-        <p:txBody>
-          <a:bodyPr wrap="square" rtlCol="0">
-            <a:spAutoFit/>
-          </a:bodyPr>
-          <a:lstStyle/>
-          <a:p>
-            <a:pPr>
-              <a:lnSpc>
-                <a:spcPct val="150000"/>
-              </a:lnSpc>
-            </a:pPr>
-            <a:r>
-              <a:rPr lang="en-GB" sz="2600" b="1" dirty="0">
-                <a:effectLst/>
-                <a:latin typeface="Helvetica" pitchFamily="2" charset="0"/>
-              </a:rPr>
-              <a:t>Collective bargaining</a:t>
-            </a:r>
-            <a:r>
-              <a:rPr lang="en-GB" sz="2600" b="1" dirty="0">
-                <a:latin typeface="Helvetica" pitchFamily="2" charset="0"/>
-              </a:rPr>
-              <a:t>:</a:t>
-            </a:r>
-            <a:endParaRPr lang="en-GB" sz="2600" dirty="0">
-              <a:effectLst/>
-              <a:latin typeface="Helvetica" pitchFamily="2" charset="0"/>
-            </a:endParaRPr>
-          </a:p>
-          <a:p>
-            <a:pPr>
-              <a:lnSpc>
-                <a:spcPct val="150000"/>
-              </a:lnSpc>
-            </a:pPr>
-            <a:r>
-              <a:rPr lang="en-GB" sz="2600" dirty="0">
-                <a:effectLst/>
-                <a:latin typeface="Helvetica" pitchFamily="2" charset="0"/>
-              </a:rPr>
-              <a:t>•Collective Bargain Coverage</a:t>
-            </a:r>
-          </a:p>
-          <a:p>
-            <a:pPr>
-              <a:lnSpc>
-                <a:spcPct val="150000"/>
-              </a:lnSpc>
-            </a:pPr>
-            <a:r>
-              <a:rPr lang="en-GB" sz="2600" dirty="0">
-                <a:effectLst/>
-                <a:latin typeface="Helvetica" pitchFamily="2" charset="0"/>
-              </a:rPr>
-              <a:t>•Trade unions density</a:t>
-            </a:r>
-          </a:p>
-          <a:p>
-            <a:pPr>
-              <a:lnSpc>
-                <a:spcPct val="150000"/>
-              </a:lnSpc>
-            </a:pPr>
-            <a:endParaRPr lang="en-GB" sz="2600" dirty="0">
-              <a:latin typeface="Helvetica" pitchFamily="2" charset="0"/>
-            </a:endParaRPr>
-          </a:p>
-          <a:p>
-            <a:pPr>
-              <a:lnSpc>
-                <a:spcPct val="150000"/>
-              </a:lnSpc>
-            </a:pPr>
-            <a:endParaRPr lang="en-GB" sz="2600" dirty="0">
-              <a:effectLst/>
-              <a:latin typeface="Helvetica" pitchFamily="2" charset="0"/>
-            </a:endParaRPr>
-          </a:p>
-          <a:p>
-            <a:pPr>
-              <a:lnSpc>
-                <a:spcPct val="150000"/>
-              </a:lnSpc>
-            </a:pPr>
-            <a:r>
-              <a:rPr lang="en-GB" sz="2600" b="1" dirty="0">
-                <a:effectLst/>
-                <a:latin typeface="Helvetica" pitchFamily="2" charset="0"/>
-              </a:rPr>
-              <a:t>Labor Market:</a:t>
-            </a:r>
-            <a:endParaRPr lang="en-GB" sz="2600" dirty="0">
-              <a:effectLst/>
-              <a:latin typeface="Helvetica" pitchFamily="2" charset="0"/>
-            </a:endParaRPr>
-          </a:p>
-          <a:p>
-            <a:pPr>
-              <a:lnSpc>
-                <a:spcPct val="150000"/>
-              </a:lnSpc>
-            </a:pPr>
-            <a:r>
-              <a:rPr lang="en-GB" sz="2600" dirty="0">
-                <a:effectLst/>
-                <a:latin typeface="Helvetica" pitchFamily="2" charset="0"/>
-              </a:rPr>
-              <a:t>•Labour force participation rate (Women age 15 to 64)</a:t>
-            </a:r>
-          </a:p>
-          <a:p>
-            <a:pPr>
-              <a:lnSpc>
-                <a:spcPct val="150000"/>
-              </a:lnSpc>
-            </a:pPr>
-            <a:r>
-              <a:rPr lang="en-GB" sz="2600" dirty="0">
-                <a:effectLst/>
-                <a:latin typeface="Helvetica" pitchFamily="2" charset="0"/>
-              </a:rPr>
-              <a:t>•Unemployment rate (Women age 15 to 64)</a:t>
-            </a:r>
-          </a:p>
-          <a:p>
-            <a:pPr>
-              <a:lnSpc>
-                <a:spcPct val="150000"/>
-              </a:lnSpc>
-            </a:pPr>
-            <a:r>
-              <a:rPr lang="en-GB" sz="2600" dirty="0">
-                <a:effectLst/>
-                <a:latin typeface="Helvetica" pitchFamily="2" charset="0"/>
-              </a:rPr>
-              <a:t>•Labor force, total</a:t>
-            </a:r>
-          </a:p>
-          <a:p>
-            <a:pPr>
-              <a:lnSpc>
-                <a:spcPct val="150000"/>
-              </a:lnSpc>
-            </a:pPr>
-            <a:r>
-              <a:rPr lang="en-GB" sz="2600" dirty="0">
-                <a:effectLst/>
-                <a:latin typeface="Helvetica" pitchFamily="2" charset="0"/>
-              </a:rPr>
-              <a:t>•Minimum Wage</a:t>
-            </a:r>
-          </a:p>
-          <a:p>
-            <a:pPr>
-              <a:lnSpc>
-                <a:spcPct val="150000"/>
-              </a:lnSpc>
-            </a:pPr>
-            <a:r>
-              <a:rPr lang="en-GB" sz="2600" dirty="0">
-                <a:effectLst/>
-                <a:latin typeface="Helvetica" pitchFamily="2" charset="0"/>
-              </a:rPr>
-              <a:t>•Labor tax and contributions (% of commercial profits)</a:t>
-            </a:r>
-          </a:p>
-          <a:p>
-            <a:pPr>
-              <a:lnSpc>
-                <a:spcPct val="150000"/>
-              </a:lnSpc>
-            </a:pPr>
-            <a:r>
-              <a:rPr lang="en-GB" sz="2600" dirty="0">
-                <a:effectLst/>
-                <a:latin typeface="Helvetica" pitchFamily="2" charset="0"/>
-              </a:rPr>
-              <a:t>•Part time employment, total (% of total employment)</a:t>
-            </a:r>
-          </a:p>
-        </p:txBody>
-      </p:sp>
+      </p:pic>
     </p:spTree>
   </p:cSld>
   <p:clrMapOvr>
@@ -4222,7 +5323,7 @@
           <p:cNvPr id="2" name="Title 1">
             <a:extLst>
               <a:ext uri="{FF2B5EF4-FFF2-40B4-BE49-F238E27FC236}">
-                <a16:creationId xmlns:a16="http://schemas.microsoft.com/office/drawing/2014/main" id="{C9A4D0FE-19EC-9E45-B21A-F0911979247B}"/>
+                <a16:creationId xmlns:a16="http://schemas.microsoft.com/office/drawing/2014/main" id="{2B857F12-5430-69EA-CC67-0A4EA9D6AEFB}"/>
               </a:ext>
             </a:extLst>
           </p:cNvPr>
@@ -4233,33 +5334,40 @@
             <p:ph type="title"/>
           </p:nvPr>
         </p:nvSpPr>
-        <p:spPr/>
+        <p:spPr>
+          <a:xfrm>
+            <a:off x="1023917" y="605082"/>
+            <a:ext cx="16343333" cy="2031325"/>
+          </a:xfrm>
+        </p:spPr>
         <p:txBody>
           <a:bodyPr/>
           <a:lstStyle/>
           <a:p>
             <a:r>
-              <a:rPr lang="en-GB" dirty="0"/>
-              <a:t>Correlation Matrix</a:t>
+              <a:rPr lang="en-GB" dirty="0">
+                <a:solidFill>
+                  <a:schemeClr val="tx1"/>
+                </a:solidFill>
+              </a:rPr>
+              <a:t>Density and Coverage across different countries</a:t>
             </a:r>
           </a:p>
         </p:txBody>
       </p:sp>
       <p:pic>
         <p:nvPicPr>
-          <p:cNvPr id="6" name="Content Placeholder 5" descr="A diagram of a graph&#10;&#10;Description automatically generated with medium confidence">
+          <p:cNvPr id="5" name="Picture 4" descr="A graph with colored dots&#10;&#10;Description automatically generated">
             <a:extLst>
               <a:ext uri="{FF2B5EF4-FFF2-40B4-BE49-F238E27FC236}">
-                <a16:creationId xmlns:a16="http://schemas.microsoft.com/office/drawing/2014/main" id="{E5A49D7D-D64A-A592-1AF8-4C781D52FA4C}"/>
+                <a16:creationId xmlns:a16="http://schemas.microsoft.com/office/drawing/2014/main" id="{9EE6AB13-763F-D3CA-4CC4-514AAC1419C5}"/>
               </a:ext>
             </a:extLst>
           </p:cNvPr>
           <p:cNvPicPr>
-            <a:picLocks noGrp="1" noChangeAspect="1"/>
+            <a:picLocks noChangeAspect="1"/>
           </p:cNvPicPr>
-          <p:nvPr>
-            <p:ph sz="half" idx="3"/>
-          </p:nvPr>
+          <p:nvPr/>
         </p:nvPicPr>
         <p:blipFill>
           <a:blip r:embed="rId2">
@@ -4275,62 +5383,18 @@
         </p:blipFill>
         <p:spPr>
           <a:xfrm>
-            <a:off x="1019426" y="2073275"/>
-            <a:ext cx="13242049" cy="8344745"/>
-          </a:xfrm>
-        </p:spPr>
-      </p:pic>
-      <p:sp>
-        <p:nvSpPr>
-          <p:cNvPr id="7" name="TextBox 6">
-            <a:extLst>
-              <a:ext uri="{FF2B5EF4-FFF2-40B4-BE49-F238E27FC236}">
-                <a16:creationId xmlns:a16="http://schemas.microsoft.com/office/drawing/2014/main" id="{DE885110-F14A-67C1-11FE-EA8DD07FD88A}"/>
-              </a:ext>
-            </a:extLst>
-          </p:cNvPr>
-          <p:cNvSpPr txBox="1"/>
-          <p:nvPr/>
-        </p:nvSpPr>
-        <p:spPr>
-          <a:xfrm>
-            <a:off x="15157450" y="2073275"/>
-            <a:ext cx="3962400" cy="2031325"/>
+            <a:off x="3892550" y="2759075"/>
+            <a:ext cx="12319000" cy="7391400"/>
           </a:xfrm>
           <a:prstGeom prst="rect">
             <a:avLst/>
           </a:prstGeom>
-          <a:noFill/>
         </p:spPr>
-        <p:txBody>
-          <a:bodyPr wrap="square" rtlCol="0">
-            <a:spAutoFit/>
-          </a:bodyPr>
-          <a:lstStyle/>
-          <a:p>
-            <a:r>
-              <a:rPr lang="en-GB" b="0" i="0" dirty="0">
-                <a:solidFill>
-                  <a:srgbClr val="0D0D0D"/>
-                </a:solidFill>
-                <a:effectLst/>
-                <a:highlight>
-                  <a:srgbClr val="FFFFFF"/>
-                </a:highlight>
-                <a:latin typeface="Söhne"/>
-              </a:rPr>
-              <a:t>correlation doesn't imply causation, it can provide valuable insights into potential causal relationships. Strong correlations between variables may indicate potential causal links that merit further investigation.</a:t>
-            </a:r>
-          </a:p>
-          <a:p>
-            <a:endParaRPr lang="en-GB" dirty="0"/>
-          </a:p>
-        </p:txBody>
-      </p:sp>
+      </p:pic>
     </p:spTree>
     <p:extLst>
       <p:ext uri="{BB962C8B-B14F-4D97-AF65-F5344CB8AC3E}">
-        <p14:creationId xmlns:p14="http://schemas.microsoft.com/office/powerpoint/2010/main" val="2726270430"/>
+        <p14:creationId xmlns:p14="http://schemas.microsoft.com/office/powerpoint/2010/main" val="3053968316"/>
       </p:ext>
     </p:extLst>
   </p:cSld>
@@ -4368,10 +5432,6 @@
           </p:nvPr>
         </p:nvSpPr>
         <p:spPr>
-          <a:xfrm>
-            <a:off x="1023917" y="1467593"/>
-            <a:ext cx="5370533" cy="1027845"/>
-          </a:xfrm>
           <a:prstGeom prst="rect">
             <a:avLst/>
           </a:prstGeom>
@@ -4391,693 +5451,23 @@
               </a:spcBef>
             </a:pPr>
             <a:r>
-              <a:rPr spc="280" dirty="0">
-                <a:latin typeface="Helvetica" pitchFamily="2" charset="0"/>
-              </a:rPr>
-              <a:t>Methods</a:t>
+              <a:rPr spc="100" dirty="0">
+                <a:solidFill>
+                  <a:schemeClr val="tx1"/>
+                </a:solidFill>
+                <a:latin typeface="Cambria" panose="02040503050406030204" pitchFamily="18" charset="0"/>
+              </a:rPr>
+              <a:t>Variables</a:t>
             </a:r>
           </a:p>
         </p:txBody>
       </p:sp>
       <p:sp>
         <p:nvSpPr>
-          <p:cNvPr id="4" name="object 4"/>
-          <p:cNvSpPr txBox="1">
-            <a:spLocks noGrp="1"/>
-          </p:cNvSpPr>
-          <p:nvPr>
-            <p:ph type="body" idx="1"/>
-          </p:nvPr>
-        </p:nvSpPr>
-        <p:spPr>
-          <a:xfrm>
-            <a:off x="1284355" y="4657868"/>
-            <a:ext cx="16463895" cy="1536959"/>
-          </a:xfrm>
-          <a:prstGeom prst="rect">
-            <a:avLst/>
-          </a:prstGeom>
-        </p:spPr>
-        <p:txBody>
-          <a:bodyPr vert="horz" wrap="square" lIns="0" tIns="13335" rIns="0" bIns="0" rtlCol="0">
-            <a:spAutoFit/>
-          </a:bodyPr>
-          <a:lstStyle/>
-          <a:p>
-            <a:pPr marL="128905">
-              <a:lnSpc>
-                <a:spcPct val="100000"/>
-              </a:lnSpc>
-              <a:spcBef>
-                <a:spcPts val="105"/>
-              </a:spcBef>
-              <a:tabLst>
-                <a:tab pos="690245" algn="l"/>
-              </a:tabLst>
-            </a:pPr>
-            <a:r>
-              <a:rPr lang="en-GB" sz="3300" i="1" spc="-25" dirty="0">
-                <a:latin typeface="Helvetica" pitchFamily="2" charset="0"/>
-                <a:cs typeface="Times New Roman"/>
-              </a:rPr>
-              <a:t>Gini </a:t>
-            </a:r>
-            <a:r>
-              <a:rPr lang="en-GB" sz="3300" i="1" spc="-25" dirty="0" err="1">
-                <a:latin typeface="Helvetica" pitchFamily="2" charset="0"/>
-                <a:cs typeface="Times New Roman"/>
-              </a:rPr>
-              <a:t>Index</a:t>
-            </a:r>
-            <a:r>
-              <a:rPr lang="en-GB" sz="3300" i="1" spc="-37" baseline="-20299" dirty="0" err="1">
-                <a:latin typeface="Helvetica" pitchFamily="2" charset="0"/>
-                <a:cs typeface="Times New Roman"/>
-              </a:rPr>
-              <a:t>it</a:t>
-            </a:r>
-            <a:r>
-              <a:rPr lang="en-GB" sz="3300" i="1" spc="-37" baseline="-20299" dirty="0">
-                <a:latin typeface="Helvetica" pitchFamily="2" charset="0"/>
-                <a:cs typeface="Times New Roman"/>
-              </a:rPr>
-              <a:t> </a:t>
-            </a:r>
-            <a:r>
-              <a:rPr lang="en-GB" sz="3300" i="1" spc="140" dirty="0">
-                <a:latin typeface="Helvetica" pitchFamily="2" charset="0"/>
-              </a:rPr>
-              <a:t>=</a:t>
-            </a:r>
-            <a:r>
-              <a:rPr lang="en-GB" sz="3300" i="1" spc="-25" dirty="0">
-                <a:latin typeface="Helvetica" pitchFamily="2" charset="0"/>
-              </a:rPr>
-              <a:t> </a:t>
-            </a:r>
-            <a:r>
-              <a:rPr lang="el-GR" sz="3300" i="1" spc="-90" dirty="0">
-                <a:latin typeface="Helvetica" pitchFamily="2" charset="0"/>
-                <a:cs typeface="Arial"/>
-              </a:rPr>
-              <a:t>α</a:t>
-            </a:r>
-            <a:r>
-              <a:rPr lang="el-GR" sz="3300" i="1" spc="-204" dirty="0">
-                <a:latin typeface="Helvetica" pitchFamily="2" charset="0"/>
-                <a:cs typeface="Arial"/>
-              </a:rPr>
-              <a:t> </a:t>
-            </a:r>
-            <a:r>
-              <a:rPr lang="el-GR" sz="3300" i="1" spc="140" dirty="0">
-                <a:latin typeface="Helvetica" pitchFamily="2" charset="0"/>
-              </a:rPr>
-              <a:t>+</a:t>
-            </a:r>
-            <a:r>
-              <a:rPr lang="el-GR" sz="3300" i="1" spc="-140" dirty="0">
-                <a:latin typeface="Helvetica" pitchFamily="2" charset="0"/>
-              </a:rPr>
-              <a:t> </a:t>
-            </a:r>
-            <a:r>
-              <a:rPr lang="el-GR" sz="3300" i="1" dirty="0">
-                <a:latin typeface="Helvetica" pitchFamily="2" charset="0"/>
-                <a:cs typeface="Arial"/>
-              </a:rPr>
-              <a:t>β</a:t>
-            </a:r>
-            <a:r>
-              <a:rPr lang="el-GR" sz="3300" i="1" baseline="-20299" dirty="0">
-                <a:latin typeface="Helvetica" pitchFamily="2" charset="0"/>
-              </a:rPr>
-              <a:t>1</a:t>
-            </a:r>
-            <a:r>
-              <a:rPr lang="el-GR" sz="3300" i="1" spc="179" baseline="-20299" dirty="0">
-                <a:latin typeface="Helvetica" pitchFamily="2" charset="0"/>
-              </a:rPr>
-              <a:t> </a:t>
-            </a:r>
-            <a:r>
-              <a:rPr lang="el-GR" sz="3300" i="1" dirty="0">
-                <a:latin typeface="Helvetica" pitchFamily="2" charset="0"/>
-              </a:rPr>
-              <a:t>×</a:t>
-            </a:r>
-            <a:r>
-              <a:rPr lang="el-GR" sz="3300" i="1" spc="-140" dirty="0">
-                <a:latin typeface="Helvetica" pitchFamily="2" charset="0"/>
-              </a:rPr>
-              <a:t> </a:t>
-            </a:r>
-            <a:r>
-              <a:rPr lang="en-GB" sz="3300" i="1" spc="-10" dirty="0" err="1">
-                <a:latin typeface="Helvetica" pitchFamily="2" charset="0"/>
-                <a:cs typeface="Times New Roman"/>
-              </a:rPr>
-              <a:t>bargain</a:t>
-            </a:r>
-            <a:r>
-              <a:rPr lang="en-GB" sz="3300" i="1" spc="-15" baseline="-28846" dirty="0">
-                <a:latin typeface="Helvetica" pitchFamily="2" charset="0"/>
-                <a:cs typeface="Times New Roman"/>
-              </a:rPr>
-              <a:t>it</a:t>
-            </a:r>
-            <a:r>
-              <a:rPr lang="en-GB" sz="3300" i="1" spc="150" baseline="-28846" dirty="0">
-                <a:latin typeface="Helvetica" pitchFamily="2" charset="0"/>
-                <a:cs typeface="Times New Roman"/>
-              </a:rPr>
-              <a:t> </a:t>
-            </a:r>
-            <a:r>
-              <a:rPr lang="en-GB" sz="3300" i="1" spc="140" dirty="0">
-                <a:latin typeface="Helvetica" pitchFamily="2" charset="0"/>
-              </a:rPr>
-              <a:t>+</a:t>
-            </a:r>
-            <a:r>
-              <a:rPr lang="en-GB" sz="3300" i="1" spc="-140" dirty="0">
-                <a:latin typeface="Helvetica" pitchFamily="2" charset="0"/>
-              </a:rPr>
-              <a:t> </a:t>
-            </a:r>
-            <a:r>
-              <a:rPr lang="el-GR" sz="3300" i="1" spc="-270" dirty="0">
-                <a:latin typeface="Helvetica" pitchFamily="2" charset="0"/>
-                <a:cs typeface="Arial"/>
-              </a:rPr>
-              <a:t>β</a:t>
-            </a:r>
-            <a:r>
-              <a:rPr lang="el-GR" sz="3300" i="1" spc="-405" baseline="-20299" dirty="0">
-                <a:latin typeface="Helvetica" pitchFamily="2" charset="0"/>
-              </a:rPr>
-              <a:t>2</a:t>
-            </a:r>
-            <a:r>
-              <a:rPr lang="el-GR" sz="3300" i="1" spc="187" baseline="-20299" dirty="0">
-                <a:latin typeface="Helvetica" pitchFamily="2" charset="0"/>
-              </a:rPr>
-              <a:t> </a:t>
-            </a:r>
-            <a:r>
-              <a:rPr lang="el-GR" sz="3300" i="1" dirty="0">
-                <a:latin typeface="Helvetica" pitchFamily="2" charset="0"/>
-              </a:rPr>
-              <a:t>×</a:t>
-            </a:r>
-            <a:r>
-              <a:rPr lang="el-GR" sz="3300" i="1" spc="-120" dirty="0">
-                <a:latin typeface="Helvetica" pitchFamily="2" charset="0"/>
-              </a:rPr>
-              <a:t> </a:t>
-            </a:r>
-            <a:r>
-              <a:rPr lang="en-GB" sz="3300" i="1" dirty="0">
-                <a:latin typeface="Helvetica" pitchFamily="2" charset="0"/>
-                <a:cs typeface="Times New Roman"/>
-              </a:rPr>
-              <a:t>X</a:t>
-            </a:r>
-            <a:r>
-              <a:rPr lang="en-GB" sz="3300" i="1" baseline="-20299" dirty="0">
-                <a:latin typeface="Helvetica" pitchFamily="2" charset="0"/>
-                <a:cs typeface="Times New Roman"/>
-              </a:rPr>
-              <a:t>it</a:t>
-            </a:r>
-            <a:r>
-              <a:rPr lang="en-GB" sz="3300" i="1" spc="150" baseline="-20299" dirty="0">
-                <a:latin typeface="Helvetica" pitchFamily="2" charset="0"/>
-                <a:cs typeface="Times New Roman"/>
-              </a:rPr>
-              <a:t> </a:t>
-            </a:r>
-            <a:r>
-              <a:rPr lang="en-GB" sz="3300" i="1" spc="140" dirty="0">
-                <a:latin typeface="Helvetica" pitchFamily="2" charset="0"/>
-              </a:rPr>
-              <a:t>+</a:t>
-            </a:r>
-            <a:r>
-              <a:rPr lang="en-GB" sz="3300" i="1" spc="-140" dirty="0">
-                <a:latin typeface="Helvetica" pitchFamily="2" charset="0"/>
-              </a:rPr>
-              <a:t> </a:t>
-            </a:r>
-            <a:r>
-              <a:rPr lang="el-GR" sz="3300" i="1" dirty="0">
-                <a:latin typeface="Helvetica" pitchFamily="2" charset="0"/>
-                <a:cs typeface="Arial"/>
-              </a:rPr>
-              <a:t>μ</a:t>
-            </a:r>
-            <a:r>
-              <a:rPr lang="en-GB" sz="3300" i="1" baseline="-20299" dirty="0">
-                <a:latin typeface="Helvetica" pitchFamily="2" charset="0"/>
-                <a:cs typeface="Times New Roman"/>
-              </a:rPr>
-              <a:t>i</a:t>
-            </a:r>
-            <a:r>
-              <a:rPr lang="en-GB" sz="3300" i="1" spc="150" baseline="-20299" dirty="0">
-                <a:latin typeface="Helvetica" pitchFamily="2" charset="0"/>
-                <a:cs typeface="Times New Roman"/>
-              </a:rPr>
-              <a:t> </a:t>
-            </a:r>
-            <a:r>
-              <a:rPr lang="en-GB" sz="3300" i="1" spc="140" dirty="0">
-                <a:latin typeface="Helvetica" pitchFamily="2" charset="0"/>
-              </a:rPr>
-              <a:t>+</a:t>
-            </a:r>
-            <a:r>
-              <a:rPr lang="en-GB" sz="3300" i="1" spc="-140" dirty="0">
-                <a:latin typeface="Helvetica" pitchFamily="2" charset="0"/>
-              </a:rPr>
-              <a:t> </a:t>
-            </a:r>
-            <a:r>
-              <a:rPr lang="el-GR" sz="3300" i="1" dirty="0">
-                <a:latin typeface="Helvetica" pitchFamily="2" charset="0"/>
-                <a:cs typeface="Arial"/>
-              </a:rPr>
-              <a:t>λ</a:t>
-            </a:r>
-            <a:r>
-              <a:rPr lang="en-GB" sz="3300" i="1" baseline="-20299" dirty="0">
-                <a:latin typeface="Helvetica" pitchFamily="2" charset="0"/>
-                <a:cs typeface="Times New Roman"/>
-              </a:rPr>
-              <a:t>t</a:t>
-            </a:r>
-            <a:r>
-              <a:rPr lang="en-GB" sz="3300" i="1" spc="142" baseline="-20299" dirty="0">
-                <a:latin typeface="Helvetica" pitchFamily="2" charset="0"/>
-                <a:cs typeface="Times New Roman"/>
-              </a:rPr>
-              <a:t> </a:t>
-            </a:r>
-            <a:r>
-              <a:rPr lang="en-GB" sz="3300" i="1" spc="140" dirty="0">
-                <a:latin typeface="Helvetica" pitchFamily="2" charset="0"/>
-              </a:rPr>
-              <a:t>+</a:t>
-            </a:r>
-            <a:r>
-              <a:rPr lang="en-GB" sz="3300" i="1" spc="-140" dirty="0">
-                <a:latin typeface="Helvetica" pitchFamily="2" charset="0"/>
-              </a:rPr>
-              <a:t> </a:t>
-            </a:r>
-            <a:r>
-              <a:rPr lang="el-GR" sz="3300" i="1" spc="-25" dirty="0">
-                <a:latin typeface="Helvetica" pitchFamily="2" charset="0"/>
-                <a:cs typeface="Arial"/>
-              </a:rPr>
-              <a:t>ϵ</a:t>
-            </a:r>
-            <a:r>
-              <a:rPr lang="en-GB" sz="3300" i="1" spc="-37" baseline="-20299" dirty="0">
-                <a:latin typeface="Helvetica" pitchFamily="2" charset="0"/>
-                <a:cs typeface="Times New Roman"/>
-              </a:rPr>
-              <a:t>it</a:t>
-            </a:r>
-            <a:endParaRPr lang="it-IT" sz="3300" i="1" dirty="0">
-              <a:latin typeface="Helvetica" pitchFamily="2" charset="0"/>
-              <a:cs typeface="Arial"/>
-            </a:endParaRPr>
-          </a:p>
-          <a:p>
-            <a:endParaRPr lang="ar-AE" sz="3300" i="1" dirty="0">
-              <a:latin typeface="Helvetica" pitchFamily="2" charset="0"/>
-              <a:cs typeface="Arial"/>
-            </a:endParaRPr>
-          </a:p>
-          <a:p>
-            <a:pPr marL="109220">
-              <a:lnSpc>
-                <a:spcPct val="100000"/>
-              </a:lnSpc>
-              <a:spcBef>
-                <a:spcPts val="5"/>
-              </a:spcBef>
-              <a:tabLst>
-                <a:tab pos="720090" algn="l"/>
-              </a:tabLst>
-            </a:pPr>
-            <a:r>
-              <a:rPr lang="en-GB" sz="3300" i="1" spc="-25" dirty="0">
-                <a:latin typeface="Helvetica" pitchFamily="2" charset="0"/>
-                <a:cs typeface="Times New Roman"/>
-              </a:rPr>
-              <a:t>Gini </a:t>
-            </a:r>
-            <a:r>
-              <a:rPr lang="en-GB" sz="3300" i="1" spc="-25" dirty="0" err="1">
-                <a:latin typeface="Helvetica" pitchFamily="2" charset="0"/>
-                <a:cs typeface="Times New Roman"/>
-              </a:rPr>
-              <a:t>Index</a:t>
-            </a:r>
-            <a:r>
-              <a:rPr lang="en-GB" sz="3300" i="1" spc="-37" baseline="-19493" dirty="0" err="1">
-                <a:latin typeface="Helvetica" pitchFamily="2" charset="0"/>
-                <a:cs typeface="Times New Roman"/>
-              </a:rPr>
-              <a:t>it</a:t>
-            </a:r>
-            <a:r>
-              <a:rPr lang="en-GB" sz="3300" i="1" spc="-37" baseline="-19493" dirty="0">
-                <a:latin typeface="Helvetica" pitchFamily="2" charset="0"/>
-                <a:cs typeface="Times New Roman"/>
-              </a:rPr>
-              <a:t> </a:t>
-            </a:r>
-            <a:r>
-              <a:rPr lang="en-GB" sz="3300" i="1" spc="180" dirty="0">
-                <a:latin typeface="Helvetica" pitchFamily="2" charset="0"/>
-              </a:rPr>
-              <a:t>=</a:t>
-            </a:r>
-            <a:r>
-              <a:rPr lang="en-GB" sz="3300" i="1" spc="-35" dirty="0">
-                <a:latin typeface="Helvetica" pitchFamily="2" charset="0"/>
-              </a:rPr>
-              <a:t> </a:t>
-            </a:r>
-            <a:r>
-              <a:rPr lang="el-GR" sz="3300" i="1" spc="-70" dirty="0">
-                <a:latin typeface="Helvetica" pitchFamily="2" charset="0"/>
-                <a:cs typeface="Arial"/>
-              </a:rPr>
-              <a:t>α</a:t>
-            </a:r>
-            <a:r>
-              <a:rPr lang="el-GR" sz="3300" i="1" spc="-220" dirty="0">
-                <a:latin typeface="Helvetica" pitchFamily="2" charset="0"/>
-                <a:cs typeface="Arial"/>
-              </a:rPr>
-              <a:t> </a:t>
-            </a:r>
-            <a:r>
-              <a:rPr lang="el-GR" sz="3300" i="1" spc="180" dirty="0">
-                <a:latin typeface="Helvetica" pitchFamily="2" charset="0"/>
-              </a:rPr>
-              <a:t>+</a:t>
-            </a:r>
-            <a:r>
-              <a:rPr lang="el-GR" sz="3300" i="1" spc="-125" dirty="0">
-                <a:latin typeface="Helvetica" pitchFamily="2" charset="0"/>
-              </a:rPr>
-              <a:t> </a:t>
-            </a:r>
-            <a:r>
-              <a:rPr lang="el-GR" sz="3300" i="1" dirty="0">
-                <a:latin typeface="Helvetica" pitchFamily="2" charset="0"/>
-                <a:cs typeface="Arial"/>
-              </a:rPr>
-              <a:t>β</a:t>
-            </a:r>
-            <a:r>
-              <a:rPr lang="el-GR" sz="3300" i="1" baseline="-19493" dirty="0">
-                <a:latin typeface="Helvetica" pitchFamily="2" charset="0"/>
-              </a:rPr>
-              <a:t>1</a:t>
-            </a:r>
-            <a:r>
-              <a:rPr lang="el-GR" sz="3300" i="1" spc="232" baseline="-19493" dirty="0">
-                <a:latin typeface="Helvetica" pitchFamily="2" charset="0"/>
-              </a:rPr>
-              <a:t> </a:t>
-            </a:r>
-            <a:r>
-              <a:rPr lang="el-GR" sz="3300" i="1" dirty="0">
-                <a:latin typeface="Helvetica" pitchFamily="2" charset="0"/>
-              </a:rPr>
-              <a:t>×</a:t>
-            </a:r>
-            <a:r>
-              <a:rPr lang="el-GR" sz="3300" i="1" spc="-125" dirty="0">
-                <a:latin typeface="Helvetica" pitchFamily="2" charset="0"/>
-              </a:rPr>
-              <a:t> </a:t>
-            </a:r>
-            <a:r>
-              <a:rPr lang="en-GB" sz="3300" i="1" spc="-10" dirty="0" err="1">
-                <a:latin typeface="Helvetica" pitchFamily="2" charset="0"/>
-                <a:cs typeface="Times New Roman"/>
-              </a:rPr>
-              <a:t>bargain</a:t>
-            </a:r>
-            <a:r>
-              <a:rPr lang="en-GB" sz="3300" i="1" spc="-254" baseline="-24366" dirty="0">
-                <a:latin typeface="Helvetica" pitchFamily="2" charset="0"/>
-                <a:cs typeface="Times New Roman"/>
-              </a:rPr>
-              <a:t>it</a:t>
-            </a:r>
-            <a:r>
-              <a:rPr lang="en-GB" sz="3300" i="1" spc="187" baseline="-24366" dirty="0">
-                <a:latin typeface="Helvetica" pitchFamily="2" charset="0"/>
-                <a:cs typeface="Times New Roman"/>
-              </a:rPr>
-              <a:t> </a:t>
-            </a:r>
-            <a:r>
-              <a:rPr lang="en-GB" sz="3300" i="1" spc="180" dirty="0">
-                <a:latin typeface="Helvetica" pitchFamily="2" charset="0"/>
-              </a:rPr>
-              <a:t>+</a:t>
-            </a:r>
-            <a:r>
-              <a:rPr lang="en-GB" sz="3300" i="1" spc="-125" dirty="0">
-                <a:latin typeface="Helvetica" pitchFamily="2" charset="0"/>
-              </a:rPr>
-              <a:t> </a:t>
-            </a:r>
-            <a:r>
-              <a:rPr lang="el-GR" sz="3300" i="1" spc="-280" dirty="0">
-                <a:latin typeface="Helvetica" pitchFamily="2" charset="0"/>
-                <a:cs typeface="Arial"/>
-              </a:rPr>
-              <a:t>β</a:t>
-            </a:r>
-            <a:r>
-              <a:rPr lang="el-GR" sz="3300" i="1" spc="-419" baseline="-19493" dirty="0">
-                <a:latin typeface="Helvetica" pitchFamily="2" charset="0"/>
-              </a:rPr>
-              <a:t>2</a:t>
-            </a:r>
-            <a:r>
-              <a:rPr lang="el-GR" sz="3300" i="1" spc="225" baseline="-19493" dirty="0">
-                <a:latin typeface="Helvetica" pitchFamily="2" charset="0"/>
-              </a:rPr>
-              <a:t> </a:t>
-            </a:r>
-            <a:r>
-              <a:rPr lang="el-GR" sz="3300" i="1" dirty="0">
-                <a:latin typeface="Helvetica" pitchFamily="2" charset="0"/>
-              </a:rPr>
-              <a:t>×</a:t>
-            </a:r>
-            <a:r>
-              <a:rPr lang="el-GR" sz="3300" i="1" spc="-105" dirty="0">
-                <a:latin typeface="Helvetica" pitchFamily="2" charset="0"/>
-              </a:rPr>
-              <a:t> </a:t>
-            </a:r>
-            <a:r>
-              <a:rPr lang="en-GB" sz="3300" i="1" dirty="0">
-                <a:latin typeface="Helvetica" pitchFamily="2" charset="0"/>
-                <a:cs typeface="Times New Roman"/>
-              </a:rPr>
-              <a:t>X</a:t>
-            </a:r>
-            <a:r>
-              <a:rPr lang="en-GB" sz="3300" i="1" baseline="-19493" dirty="0">
-                <a:latin typeface="Helvetica" pitchFamily="2" charset="0"/>
-                <a:cs typeface="Times New Roman"/>
-              </a:rPr>
-              <a:t>it</a:t>
-            </a:r>
-            <a:r>
-              <a:rPr lang="en-GB" sz="3300" i="1" spc="187" baseline="-19493" dirty="0">
-                <a:latin typeface="Helvetica" pitchFamily="2" charset="0"/>
-                <a:cs typeface="Times New Roman"/>
-              </a:rPr>
-              <a:t> </a:t>
-            </a:r>
-            <a:r>
-              <a:rPr lang="en-GB" sz="3300" i="1" spc="180" dirty="0">
-                <a:latin typeface="Helvetica" pitchFamily="2" charset="0"/>
-              </a:rPr>
-              <a:t>+</a:t>
-            </a:r>
-            <a:r>
-              <a:rPr lang="en-GB" sz="3300" i="1" spc="-125" dirty="0">
-                <a:latin typeface="Helvetica" pitchFamily="2" charset="0"/>
-              </a:rPr>
-              <a:t> </a:t>
-            </a:r>
-            <a:r>
-              <a:rPr lang="el-GR" sz="3300" i="1" spc="-360" dirty="0">
-                <a:latin typeface="Helvetica" pitchFamily="2" charset="0"/>
-                <a:cs typeface="Arial"/>
-              </a:rPr>
-              <a:t>γ</a:t>
-            </a:r>
-            <a:r>
-              <a:rPr lang="el-GR" sz="3300" i="1" spc="-150" dirty="0">
-                <a:latin typeface="Helvetica" pitchFamily="2" charset="0"/>
-                <a:cs typeface="Arial"/>
-              </a:rPr>
-              <a:t> </a:t>
-            </a:r>
-            <a:r>
-              <a:rPr lang="el-GR" sz="3300" i="1" dirty="0">
-                <a:latin typeface="Helvetica" pitchFamily="2" charset="0"/>
-              </a:rPr>
-              <a:t>×</a:t>
-            </a:r>
-            <a:r>
-              <a:rPr lang="el-GR" sz="3300" i="1" spc="-125" dirty="0">
-                <a:latin typeface="Helvetica" pitchFamily="2" charset="0"/>
-              </a:rPr>
-              <a:t> </a:t>
-            </a:r>
-            <a:r>
-              <a:rPr lang="en-GB" sz="3300" i="1" spc="-120" dirty="0">
-                <a:latin typeface="Helvetica" pitchFamily="2" charset="0"/>
-                <a:cs typeface="Verdana"/>
-              </a:rPr>
-              <a:t>demo</a:t>
-            </a:r>
-            <a:r>
-              <a:rPr lang="en-GB" sz="3300" i="1" spc="-179" baseline="-12670" dirty="0">
-                <a:latin typeface="Helvetica" pitchFamily="2" charset="0"/>
-                <a:cs typeface="Times New Roman"/>
-              </a:rPr>
-              <a:t>it</a:t>
-            </a:r>
-            <a:r>
-              <a:rPr lang="en-GB" sz="3300" i="1" spc="187" baseline="-12670" dirty="0">
-                <a:latin typeface="Helvetica" pitchFamily="2" charset="0"/>
-                <a:cs typeface="Times New Roman"/>
-              </a:rPr>
-              <a:t> </a:t>
-            </a:r>
-            <a:r>
-              <a:rPr lang="en-GB" sz="3300" i="1" spc="180" dirty="0">
-                <a:latin typeface="Helvetica" pitchFamily="2" charset="0"/>
-              </a:rPr>
-              <a:t>+</a:t>
-            </a:r>
-            <a:r>
-              <a:rPr lang="en-GB" sz="3300" i="1" spc="-125" dirty="0">
-                <a:latin typeface="Helvetica" pitchFamily="2" charset="0"/>
-              </a:rPr>
-              <a:t> </a:t>
-            </a:r>
-            <a:r>
-              <a:rPr lang="el-GR" sz="3300" i="1" dirty="0">
-                <a:latin typeface="Helvetica" pitchFamily="2" charset="0"/>
-                <a:cs typeface="Arial"/>
-              </a:rPr>
-              <a:t>μ</a:t>
-            </a:r>
-            <a:r>
-              <a:rPr lang="en-GB" sz="3300" i="1" baseline="-19493" dirty="0">
-                <a:latin typeface="Helvetica" pitchFamily="2" charset="0"/>
-                <a:cs typeface="Times New Roman"/>
-              </a:rPr>
-              <a:t>i</a:t>
-            </a:r>
-            <a:r>
-              <a:rPr lang="en-GB" sz="3300" i="1" spc="187" baseline="-19493" dirty="0">
-                <a:latin typeface="Helvetica" pitchFamily="2" charset="0"/>
-                <a:cs typeface="Times New Roman"/>
-              </a:rPr>
-              <a:t> </a:t>
-            </a:r>
-            <a:r>
-              <a:rPr lang="en-GB" sz="3300" i="1" spc="180" dirty="0">
-                <a:latin typeface="Helvetica" pitchFamily="2" charset="0"/>
-              </a:rPr>
-              <a:t>+</a:t>
-            </a:r>
-            <a:r>
-              <a:rPr lang="en-GB" sz="3300" i="1" spc="-120" dirty="0">
-                <a:latin typeface="Helvetica" pitchFamily="2" charset="0"/>
-              </a:rPr>
-              <a:t> </a:t>
-            </a:r>
-            <a:r>
-              <a:rPr lang="el-GR" sz="3300" i="1" dirty="0">
-                <a:latin typeface="Helvetica" pitchFamily="2" charset="0"/>
-                <a:cs typeface="Arial"/>
-              </a:rPr>
-              <a:t>λ</a:t>
-            </a:r>
-            <a:r>
-              <a:rPr lang="en-GB" sz="3300" i="1" baseline="-19493" dirty="0">
-                <a:latin typeface="Helvetica" pitchFamily="2" charset="0"/>
-                <a:cs typeface="Times New Roman"/>
-              </a:rPr>
-              <a:t>t</a:t>
-            </a:r>
-            <a:r>
-              <a:rPr lang="en-GB" sz="3300" i="1" spc="187" baseline="-19493" dirty="0">
-                <a:latin typeface="Helvetica" pitchFamily="2" charset="0"/>
-                <a:cs typeface="Times New Roman"/>
-              </a:rPr>
-              <a:t> </a:t>
-            </a:r>
-            <a:r>
-              <a:rPr lang="en-GB" sz="3300" i="1" spc="180" dirty="0">
-                <a:latin typeface="Helvetica" pitchFamily="2" charset="0"/>
-              </a:rPr>
-              <a:t>+</a:t>
-            </a:r>
-            <a:r>
-              <a:rPr lang="en-GB" sz="3300" i="1" spc="-125" dirty="0">
-                <a:latin typeface="Helvetica" pitchFamily="2" charset="0"/>
-              </a:rPr>
-              <a:t> </a:t>
-            </a:r>
-            <a:r>
-              <a:rPr lang="el-GR" sz="3300" i="1" spc="-25" dirty="0">
-                <a:latin typeface="Helvetica" pitchFamily="2" charset="0"/>
-                <a:cs typeface="Arial"/>
-              </a:rPr>
-              <a:t>ϵ</a:t>
-            </a:r>
-            <a:r>
-              <a:rPr lang="en-GB" sz="3300" i="1" spc="-37" baseline="-19493" dirty="0">
-                <a:latin typeface="Helvetica" pitchFamily="2" charset="0"/>
-                <a:cs typeface="Times New Roman"/>
-              </a:rPr>
-              <a:t>it</a:t>
-            </a:r>
-            <a:endParaRPr sz="3300" i="1" baseline="-19493" dirty="0">
-              <a:latin typeface="Helvetica" pitchFamily="2" charset="0"/>
-              <a:cs typeface="Times New Roman"/>
-            </a:endParaRPr>
-          </a:p>
-        </p:txBody>
-      </p:sp>
-      <p:sp>
-        <p:nvSpPr>
-          <p:cNvPr id="5" name="TextBox 4">
+          <p:cNvPr id="6" name="TextBox 5">
             <a:extLst>
               <a:ext uri="{FF2B5EF4-FFF2-40B4-BE49-F238E27FC236}">
-                <a16:creationId xmlns:a16="http://schemas.microsoft.com/office/drawing/2014/main" id="{B0FE64F8-43FB-8044-7A09-19A15BC20D45}"/>
+                <a16:creationId xmlns:a16="http://schemas.microsoft.com/office/drawing/2014/main" id="{85F2E02F-F9E6-546A-C2D4-699813ACA587}"/>
               </a:ext>
             </a:extLst>
           </p:cNvPr>
@@ -5086,46 +5476,8 @@
         </p:nvSpPr>
         <p:spPr>
           <a:xfrm>
-            <a:off x="1023917" y="3024035"/>
-            <a:ext cx="15308999" cy="492443"/>
-          </a:xfrm>
-          <a:prstGeom prst="rect">
-            <a:avLst/>
-          </a:prstGeom>
-          <a:noFill/>
-        </p:spPr>
-        <p:txBody>
-          <a:bodyPr wrap="none" rtlCol="0">
-            <a:spAutoFit/>
-          </a:bodyPr>
-          <a:lstStyle/>
-          <a:p>
-            <a:r>
-              <a:rPr lang="en-GB" sz="2600" dirty="0">
-                <a:latin typeface="Helvetica" pitchFamily="2" charset="0"/>
-                <a:cs typeface="Calibri" panose="020F0502020204030204" pitchFamily="34" charset="0"/>
-              </a:rPr>
-              <a:t>Two Ways Fixed Effect on Country and Years, using Democratic Governance as Instrumental Variable</a:t>
-            </a:r>
-          </a:p>
-        </p:txBody>
-      </p:sp>
-      <p:sp>
-        <p:nvSpPr>
-          <p:cNvPr id="7" name="TextBox 6">
-            <a:extLst>
-              <a:ext uri="{FF2B5EF4-FFF2-40B4-BE49-F238E27FC236}">
-                <a16:creationId xmlns:a16="http://schemas.microsoft.com/office/drawing/2014/main" id="{3627FE91-5492-9014-376B-046DD53D03DA}"/>
-              </a:ext>
-            </a:extLst>
-          </p:cNvPr>
-          <p:cNvSpPr txBox="1"/>
-          <p:nvPr/>
-        </p:nvSpPr>
-        <p:spPr>
-          <a:xfrm>
-            <a:off x="1023916" y="7026275"/>
-            <a:ext cx="16114733" cy="3916072"/>
+            <a:off x="11195050" y="2436662"/>
+            <a:ext cx="7696200" cy="5770811"/>
           </a:xfrm>
           <a:prstGeom prst="rect">
             <a:avLst/>
@@ -5138,225 +5490,340 @@
           </a:bodyPr>
           <a:lstStyle/>
           <a:p>
-            <a:pPr marL="342900" indent="-342900">
+            <a:pPr>
               <a:lnSpc>
                 <a:spcPct val="150000"/>
               </a:lnSpc>
-              <a:buFont typeface="Arial" panose="020B0604020202020204" pitchFamily="34" charset="0"/>
-              <a:buChar char="•"/>
-            </a:pPr>
-            <a:r>
-              <a:rPr lang="en-GB" sz="2400" dirty="0">
-                <a:latin typeface="Helvetica" pitchFamily="2" charset="0"/>
-              </a:rPr>
-              <a:t>Instrumental Variable (IV) Approach Notation for IV:</a:t>
-            </a:r>
-          </a:p>
-          <a:p>
-            <a:pPr marL="342900" lvl="6" indent="-342900">
+            </a:pPr>
+            <a:r>
+              <a:rPr lang="en-GB" sz="2600" b="1" dirty="0">
+                <a:effectLst/>
+                <a:latin typeface="Cambria" panose="02040503050406030204" pitchFamily="18" charset="0"/>
+              </a:rPr>
+              <a:t>Economic growth:</a:t>
+            </a:r>
+            <a:endParaRPr lang="en-GB" sz="2600" dirty="0">
+              <a:effectLst/>
+              <a:latin typeface="Cambria" panose="02040503050406030204" pitchFamily="18" charset="0"/>
+            </a:endParaRPr>
+          </a:p>
+          <a:p>
+            <a:pPr>
               <a:lnSpc>
                 <a:spcPct val="150000"/>
               </a:lnSpc>
-              <a:buFont typeface="Arial" panose="020B0604020202020204" pitchFamily="34" charset="0"/>
-              <a:buChar char="•"/>
-            </a:pPr>
-            <a:r>
-              <a:rPr lang="en-GB" sz="2400" dirty="0">
-                <a:latin typeface="Helvetica" pitchFamily="2" charset="0"/>
-              </a:rPr>
-              <a:t>𝑍𝑖𝑡Zit​ is your instrumental variable, incorporate it into your equation to instrument for 𝑏𝑎𝑟𝑔𝑎𝑖𝑛𝑖𝑡</a:t>
-            </a:r>
-            <a:r>
-              <a:rPr lang="en-GB" sz="2400" dirty="0" err="1">
-                <a:latin typeface="Helvetica" pitchFamily="2" charset="0"/>
-              </a:rPr>
-              <a:t>bargainit</a:t>
-            </a:r>
-            <a:r>
-              <a:rPr lang="en-GB" sz="2400" dirty="0">
-                <a:latin typeface="Helvetica" pitchFamily="2" charset="0"/>
-              </a:rPr>
-              <a:t>​. Example Equation: 𝑏𝑎𝑟𝑔𝑎𝑖𝑛𝑖𝑡=𝛿0+𝛿1×𝑍𝑖𝑡+𝜂𝑖𝑡</a:t>
-            </a:r>
-            <a:r>
-              <a:rPr lang="en-GB" sz="2400" dirty="0" err="1">
-                <a:latin typeface="Helvetica" pitchFamily="2" charset="0"/>
-              </a:rPr>
-              <a:t>bargainit</a:t>
-            </a:r>
-            <a:r>
-              <a:rPr lang="en-GB" sz="2400" dirty="0">
-                <a:latin typeface="Helvetica" pitchFamily="2" charset="0"/>
-              </a:rPr>
-              <a:t>​=</a:t>
-            </a:r>
-            <a:r>
-              <a:rPr lang="el-GR" sz="2400" dirty="0">
-                <a:latin typeface="Helvetica" pitchFamily="2" charset="0"/>
-              </a:rPr>
-              <a:t>δ0​+δ1​×</a:t>
-            </a:r>
-            <a:r>
-              <a:rPr lang="en-GB" sz="2400" dirty="0">
-                <a:latin typeface="Helvetica" pitchFamily="2" charset="0"/>
-              </a:rPr>
-              <a:t>Zit​+</a:t>
-            </a:r>
-            <a:r>
-              <a:rPr lang="el-GR" sz="2400" dirty="0">
-                <a:latin typeface="Helvetica" pitchFamily="2" charset="0"/>
-              </a:rPr>
-              <a:t>η</a:t>
-            </a:r>
-            <a:r>
-              <a:rPr lang="en-GB" sz="2400" dirty="0">
-                <a:latin typeface="Helvetica" pitchFamily="2" charset="0"/>
-              </a:rPr>
-              <a:t>it​ 𝛿0</a:t>
-            </a:r>
-            <a:r>
-              <a:rPr lang="el-GR" sz="2400" dirty="0">
-                <a:latin typeface="Helvetica" pitchFamily="2" charset="0"/>
-              </a:rPr>
-              <a:t>δ0​ </a:t>
-            </a:r>
-            <a:r>
-              <a:rPr lang="en-GB" sz="2400" dirty="0">
-                <a:latin typeface="Helvetica" pitchFamily="2" charset="0"/>
-              </a:rPr>
-              <a:t>and 𝛿1</a:t>
-            </a:r>
-            <a:r>
-              <a:rPr lang="el-GR" sz="2400" dirty="0">
-                <a:latin typeface="Helvetica" pitchFamily="2" charset="0"/>
-              </a:rPr>
-              <a:t>δ1​ </a:t>
-            </a:r>
-            <a:r>
-              <a:rPr lang="en-GB" sz="2400" dirty="0">
-                <a:latin typeface="Helvetica" pitchFamily="2" charset="0"/>
-              </a:rPr>
-              <a:t>are coefficients, 𝜂𝑖𝑡</a:t>
-            </a:r>
-            <a:r>
-              <a:rPr lang="el-GR" sz="2400" dirty="0">
-                <a:latin typeface="Helvetica" pitchFamily="2" charset="0"/>
-              </a:rPr>
-              <a:t>η</a:t>
-            </a:r>
-            <a:r>
-              <a:rPr lang="en-GB" sz="2400" dirty="0">
-                <a:latin typeface="Helvetica" pitchFamily="2" charset="0"/>
-              </a:rPr>
-              <a:t>it​ is the error term. Usage: Utilize predicted values of 𝑏𝑎𝑟𝑔𝑎𝑖𝑛𝑖𝑡</a:t>
-            </a:r>
-            <a:r>
-              <a:rPr lang="en-GB" sz="2400" dirty="0" err="1">
-                <a:latin typeface="Helvetica" pitchFamily="2" charset="0"/>
-              </a:rPr>
-              <a:t>bargainit</a:t>
-            </a:r>
-            <a:r>
-              <a:rPr lang="en-GB" sz="2400" dirty="0">
-                <a:latin typeface="Helvetica" pitchFamily="2" charset="0"/>
-              </a:rPr>
-              <a:t>​ from this equation in your main equation. Main Equation with IV: 𝐺𝑖𝑛𝑖𝐼𝑛𝑑𝑒𝑥𝑖𝑡=𝛼+𝛽1×𝑏𝑎𝑟𝑔𝑎𝑖𝑛^𝑖𝑡+𝛽2×𝑋𝑖𝑡+𝛾×𝑑𝑒𝑚𝑜𝑖𝑡+𝜇𝑖+𝜆𝑡+𝜖𝑖𝑡</a:t>
-            </a:r>
-            <a:r>
-              <a:rPr lang="en-GB" sz="2400" dirty="0" err="1">
-                <a:latin typeface="Helvetica" pitchFamily="2" charset="0"/>
-              </a:rPr>
-              <a:t>GiniIndexit</a:t>
-            </a:r>
-            <a:r>
-              <a:rPr lang="en-GB" sz="2400" dirty="0">
-                <a:latin typeface="Helvetica" pitchFamily="2" charset="0"/>
-              </a:rPr>
-              <a:t>​=</a:t>
-            </a:r>
-            <a:r>
-              <a:rPr lang="el-GR" sz="2400" dirty="0">
-                <a:latin typeface="Helvetica" pitchFamily="2" charset="0"/>
-              </a:rPr>
-              <a:t>α+β1​×</a:t>
-            </a:r>
-            <a:r>
-              <a:rPr lang="en-GB" sz="2400" dirty="0">
-                <a:latin typeface="Helvetica" pitchFamily="2" charset="0"/>
-              </a:rPr>
-              <a:t>bargain​it​+</a:t>
-            </a:r>
-            <a:r>
-              <a:rPr lang="el-GR" sz="2400" dirty="0">
-                <a:latin typeface="Helvetica" pitchFamily="2" charset="0"/>
-              </a:rPr>
-              <a:t>β2​×</a:t>
-            </a:r>
-            <a:r>
-              <a:rPr lang="en-GB" sz="2400" dirty="0" err="1">
-                <a:latin typeface="Helvetica" pitchFamily="2" charset="0"/>
-              </a:rPr>
-              <a:t>Xit</a:t>
-            </a:r>
-            <a:r>
-              <a:rPr lang="en-GB" sz="2400" dirty="0">
-                <a:latin typeface="Helvetica" pitchFamily="2" charset="0"/>
-              </a:rPr>
-              <a:t>​+</a:t>
-            </a:r>
-            <a:r>
-              <a:rPr lang="el-GR" sz="2400" dirty="0">
-                <a:latin typeface="Helvetica" pitchFamily="2" charset="0"/>
-              </a:rPr>
-              <a:t>γ×</a:t>
-            </a:r>
-            <a:r>
-              <a:rPr lang="en-GB" sz="2400" dirty="0" err="1">
-                <a:latin typeface="Helvetica" pitchFamily="2" charset="0"/>
-              </a:rPr>
-              <a:t>demoit</a:t>
-            </a:r>
-            <a:r>
-              <a:rPr lang="en-GB" sz="2400" dirty="0">
-                <a:latin typeface="Helvetica" pitchFamily="2" charset="0"/>
-              </a:rPr>
-              <a:t>​+</a:t>
-            </a:r>
-            <a:r>
-              <a:rPr lang="el-GR" sz="2400" dirty="0">
-                <a:latin typeface="Helvetica" pitchFamily="2" charset="0"/>
-              </a:rPr>
-              <a:t>μ</a:t>
-            </a:r>
-            <a:r>
-              <a:rPr lang="en-GB" sz="2400" dirty="0">
-                <a:latin typeface="Helvetica" pitchFamily="2" charset="0"/>
-              </a:rPr>
-              <a:t>i​+</a:t>
-            </a:r>
-            <a:r>
-              <a:rPr lang="el-GR" sz="2400" dirty="0">
-                <a:latin typeface="Helvetica" pitchFamily="2" charset="0"/>
-              </a:rPr>
-              <a:t>λ</a:t>
-            </a:r>
-            <a:r>
-              <a:rPr lang="en-GB" sz="2400" dirty="0">
-                <a:latin typeface="Helvetica" pitchFamily="2" charset="0"/>
-              </a:rPr>
-              <a:t>t​+</a:t>
-            </a:r>
-            <a:r>
-              <a:rPr lang="el-GR" sz="2400" dirty="0">
-                <a:latin typeface="Helvetica" pitchFamily="2" charset="0"/>
-              </a:rPr>
-              <a:t>ϵ</a:t>
-            </a:r>
-            <a:r>
-              <a:rPr lang="en-GB" sz="2400" dirty="0">
-                <a:latin typeface="Helvetica" pitchFamily="2" charset="0"/>
-              </a:rPr>
-              <a:t>it​ 𝑏𝑎𝑟𝑔𝑎𝑖𝑛^𝑖𝑡bargain​it​ represents predicted values from the instrumental variable regression.</a:t>
+            </a:pPr>
+            <a:r>
+              <a:rPr lang="en-GB" sz="2600" dirty="0">
+                <a:effectLst/>
+                <a:latin typeface="Cambria" panose="02040503050406030204" pitchFamily="18" charset="0"/>
+              </a:rPr>
+              <a:t>•Real Average annual wage growth</a:t>
+            </a:r>
+          </a:p>
+          <a:p>
+            <a:pPr>
+              <a:lnSpc>
+                <a:spcPct val="150000"/>
+              </a:lnSpc>
+            </a:pPr>
+            <a:r>
+              <a:rPr lang="en-GB" sz="2600" dirty="0">
+                <a:effectLst/>
+                <a:latin typeface="Cambria" panose="02040503050406030204" pitchFamily="18" charset="0"/>
+              </a:rPr>
+              <a:t>•Real GDP</a:t>
+            </a:r>
+          </a:p>
+          <a:p>
+            <a:pPr>
+              <a:lnSpc>
+                <a:spcPct val="150000"/>
+              </a:lnSpc>
+            </a:pPr>
+            <a:r>
+              <a:rPr lang="en-GB" sz="2600" dirty="0">
+                <a:effectLst/>
+                <a:latin typeface="Cambria" panose="02040503050406030204" pitchFamily="18" charset="0"/>
+              </a:rPr>
+              <a:t>•Annual inflation CPI</a:t>
+            </a:r>
+          </a:p>
+          <a:p>
+            <a:pPr>
+              <a:lnSpc>
+                <a:spcPct val="150000"/>
+              </a:lnSpc>
+            </a:pPr>
+            <a:r>
+              <a:rPr lang="en-GB" sz="2600" dirty="0">
+                <a:effectLst/>
+                <a:latin typeface="Cambria" panose="02040503050406030204" pitchFamily="18" charset="0"/>
+              </a:rPr>
+              <a:t>•Exports of goods and services (annual %  growth)</a:t>
+            </a:r>
+          </a:p>
+          <a:p>
+            <a:pPr>
+              <a:lnSpc>
+                <a:spcPct val="150000"/>
+              </a:lnSpc>
+            </a:pPr>
+            <a:r>
+              <a:rPr lang="en-GB" sz="2600" dirty="0">
+                <a:effectLst/>
+                <a:latin typeface="Cambria" panose="02040503050406030204" pitchFamily="18" charset="0"/>
+              </a:rPr>
+              <a:t>•Imports of goods and services (  % of GDP)</a:t>
+            </a:r>
+          </a:p>
+          <a:p>
+            <a:pPr>
+              <a:lnSpc>
+                <a:spcPct val="150000"/>
+              </a:lnSpc>
+            </a:pPr>
+            <a:r>
+              <a:rPr lang="en-GB" sz="2600" dirty="0">
+                <a:effectLst/>
+                <a:latin typeface="Cambria" panose="02040503050406030204" pitchFamily="18" charset="0"/>
+              </a:rPr>
+              <a:t>•Foreign direct investment, net inflows (% of GDP)</a:t>
+            </a:r>
+          </a:p>
+          <a:p>
+            <a:pPr>
+              <a:lnSpc>
+                <a:spcPct val="150000"/>
+              </a:lnSpc>
+            </a:pPr>
+            <a:r>
+              <a:rPr lang="en-GB" sz="2600" dirty="0">
+                <a:effectLst/>
+                <a:latin typeface="Cambria" panose="02040503050406030204" pitchFamily="18" charset="0"/>
+              </a:rPr>
+              <a:t>•Foreign direct investment, net outflows (% of GDP)</a:t>
+            </a:r>
+          </a:p>
+          <a:p>
+            <a:pPr>
+              <a:lnSpc>
+                <a:spcPct val="150000"/>
+              </a:lnSpc>
+            </a:pPr>
+            <a:r>
+              <a:rPr lang="en-GB" sz="2600" dirty="0">
+                <a:effectLst/>
+                <a:latin typeface="Cambria" panose="02040503050406030204" pitchFamily="18" charset="0"/>
+              </a:rPr>
+              <a:t>•Central government debt, total (% of GDP)</a:t>
+            </a:r>
+          </a:p>
+          <a:p>
+            <a:endParaRPr lang="en-GB" dirty="0"/>
+          </a:p>
+        </p:txBody>
+      </p:sp>
+      <p:sp>
+        <p:nvSpPr>
+          <p:cNvPr id="7" name="TextBox 6">
+            <a:extLst>
+              <a:ext uri="{FF2B5EF4-FFF2-40B4-BE49-F238E27FC236}">
+                <a16:creationId xmlns:a16="http://schemas.microsoft.com/office/drawing/2014/main" id="{6D2B8D27-760F-13BA-B201-18AD13EDD4E1}"/>
+              </a:ext>
+            </a:extLst>
+          </p:cNvPr>
+          <p:cNvSpPr txBox="1"/>
+          <p:nvPr/>
+        </p:nvSpPr>
+        <p:spPr>
+          <a:xfrm>
+            <a:off x="1212850" y="2436662"/>
+            <a:ext cx="8077200" cy="7236212"/>
+          </a:xfrm>
+          <a:prstGeom prst="rect">
+            <a:avLst/>
+          </a:prstGeom>
+          <a:noFill/>
+        </p:spPr>
+        <p:txBody>
+          <a:bodyPr wrap="square" rtlCol="0">
+            <a:spAutoFit/>
+          </a:bodyPr>
+          <a:lstStyle/>
+          <a:p>
+            <a:pPr>
+              <a:lnSpc>
+                <a:spcPct val="150000"/>
+              </a:lnSpc>
+            </a:pPr>
+            <a:r>
+              <a:rPr lang="en-GB" sz="2600" b="1" dirty="0">
+                <a:effectLst/>
+                <a:latin typeface="Cambria" panose="02040503050406030204" pitchFamily="18" charset="0"/>
+              </a:rPr>
+              <a:t>Collective bargaining</a:t>
+            </a:r>
+            <a:r>
+              <a:rPr lang="en-GB" sz="2600" b="1" dirty="0">
+                <a:latin typeface="Cambria" panose="02040503050406030204" pitchFamily="18" charset="0"/>
+              </a:rPr>
+              <a:t>:</a:t>
+            </a:r>
+            <a:endParaRPr lang="en-GB" sz="2600" dirty="0">
+              <a:effectLst/>
+              <a:latin typeface="Cambria" panose="02040503050406030204" pitchFamily="18" charset="0"/>
+            </a:endParaRPr>
+          </a:p>
+          <a:p>
+            <a:pPr>
+              <a:lnSpc>
+                <a:spcPct val="150000"/>
+              </a:lnSpc>
+            </a:pPr>
+            <a:r>
+              <a:rPr lang="en-GB" sz="2600" dirty="0">
+                <a:effectLst/>
+                <a:latin typeface="Cambria" panose="02040503050406030204" pitchFamily="18" charset="0"/>
+              </a:rPr>
+              <a:t>•Collective Bargain Coverage</a:t>
+            </a:r>
+          </a:p>
+          <a:p>
+            <a:pPr>
+              <a:lnSpc>
+                <a:spcPct val="150000"/>
+              </a:lnSpc>
+            </a:pPr>
+            <a:r>
+              <a:rPr lang="en-GB" sz="2600" dirty="0">
+                <a:effectLst/>
+                <a:latin typeface="Cambria" panose="02040503050406030204" pitchFamily="18" charset="0"/>
+              </a:rPr>
+              <a:t>•Trade unions density</a:t>
+            </a:r>
+          </a:p>
+          <a:p>
+            <a:pPr>
+              <a:lnSpc>
+                <a:spcPct val="150000"/>
+              </a:lnSpc>
+            </a:pPr>
+            <a:endParaRPr lang="en-GB" sz="2600" dirty="0">
+              <a:latin typeface="Cambria" panose="02040503050406030204" pitchFamily="18" charset="0"/>
+            </a:endParaRPr>
+          </a:p>
+          <a:p>
+            <a:pPr>
+              <a:lnSpc>
+                <a:spcPct val="150000"/>
+              </a:lnSpc>
+            </a:pPr>
+            <a:endParaRPr lang="en-GB" sz="2600" dirty="0">
+              <a:effectLst/>
+              <a:latin typeface="Cambria" panose="02040503050406030204" pitchFamily="18" charset="0"/>
+            </a:endParaRPr>
+          </a:p>
+          <a:p>
+            <a:pPr>
+              <a:lnSpc>
+                <a:spcPct val="150000"/>
+              </a:lnSpc>
+            </a:pPr>
+            <a:r>
+              <a:rPr lang="en-GB" sz="2600" b="1" dirty="0">
+                <a:effectLst/>
+                <a:latin typeface="Cambria" panose="02040503050406030204" pitchFamily="18" charset="0"/>
+              </a:rPr>
+              <a:t>Labor Market:</a:t>
+            </a:r>
+            <a:endParaRPr lang="en-GB" sz="2600" dirty="0">
+              <a:effectLst/>
+              <a:latin typeface="Cambria" panose="02040503050406030204" pitchFamily="18" charset="0"/>
+            </a:endParaRPr>
+          </a:p>
+          <a:p>
+            <a:pPr>
+              <a:lnSpc>
+                <a:spcPct val="150000"/>
+              </a:lnSpc>
+            </a:pPr>
+            <a:r>
+              <a:rPr lang="en-GB" sz="2600" dirty="0">
+                <a:effectLst/>
+                <a:latin typeface="Cambria" panose="02040503050406030204" pitchFamily="18" charset="0"/>
+              </a:rPr>
+              <a:t>•Labour force participation rate (Women age 15 to 64)</a:t>
+            </a:r>
+          </a:p>
+          <a:p>
+            <a:pPr>
+              <a:lnSpc>
+                <a:spcPct val="150000"/>
+              </a:lnSpc>
+            </a:pPr>
+            <a:r>
+              <a:rPr lang="en-GB" sz="2600" dirty="0">
+                <a:effectLst/>
+                <a:latin typeface="Cambria" panose="02040503050406030204" pitchFamily="18" charset="0"/>
+              </a:rPr>
+              <a:t>•Unemployment rate (Women age 15 to 64)</a:t>
+            </a:r>
+          </a:p>
+          <a:p>
+            <a:pPr>
+              <a:lnSpc>
+                <a:spcPct val="150000"/>
+              </a:lnSpc>
+            </a:pPr>
+            <a:r>
+              <a:rPr lang="en-GB" sz="2600" dirty="0">
+                <a:effectLst/>
+                <a:latin typeface="Cambria" panose="02040503050406030204" pitchFamily="18" charset="0"/>
+              </a:rPr>
+              <a:t>•Labor force, total</a:t>
+            </a:r>
+          </a:p>
+          <a:p>
+            <a:pPr>
+              <a:lnSpc>
+                <a:spcPct val="150000"/>
+              </a:lnSpc>
+            </a:pPr>
+            <a:r>
+              <a:rPr lang="en-GB" sz="2600" dirty="0">
+                <a:effectLst/>
+                <a:latin typeface="Cambria" panose="02040503050406030204" pitchFamily="18" charset="0"/>
+              </a:rPr>
+              <a:t>•Minimum Wage</a:t>
+            </a:r>
+          </a:p>
+          <a:p>
+            <a:pPr>
+              <a:lnSpc>
+                <a:spcPct val="150000"/>
+              </a:lnSpc>
+            </a:pPr>
+            <a:r>
+              <a:rPr lang="en-GB" sz="2600" dirty="0">
+                <a:effectLst/>
+                <a:latin typeface="Cambria" panose="02040503050406030204" pitchFamily="18" charset="0"/>
+              </a:rPr>
+              <a:t>•Labor tax and contributions (% of commercial profits)</a:t>
+            </a:r>
+          </a:p>
+          <a:p>
+            <a:pPr>
+              <a:lnSpc>
+                <a:spcPct val="150000"/>
+              </a:lnSpc>
+            </a:pPr>
+            <a:r>
+              <a:rPr lang="en-GB" sz="2600" dirty="0">
+                <a:effectLst/>
+                <a:latin typeface="Cambria" panose="02040503050406030204" pitchFamily="18" charset="0"/>
+              </a:rPr>
+              <a:t>•Part time employment, total (% of total employment)</a:t>
             </a:r>
           </a:p>
         </p:txBody>
@@ -5388,51 +5855,42 @@
       </p:grpSpPr>
       <p:sp>
         <p:nvSpPr>
-          <p:cNvPr id="2" name="object 2"/>
-          <p:cNvSpPr txBox="1">
+          <p:cNvPr id="2" name="Title 1">
+            <a:extLst>
+              <a:ext uri="{FF2B5EF4-FFF2-40B4-BE49-F238E27FC236}">
+                <a16:creationId xmlns:a16="http://schemas.microsoft.com/office/drawing/2014/main" id="{F481F651-14AC-08A3-B523-163D542BFF9A}"/>
+              </a:ext>
+            </a:extLst>
+          </p:cNvPr>
+          <p:cNvSpPr>
             <a:spLocks noGrp="1"/>
           </p:cNvSpPr>
           <p:nvPr>
             <p:ph type="title"/>
           </p:nvPr>
         </p:nvSpPr>
-        <p:spPr>
-          <a:prstGeom prst="rect">
-            <a:avLst/>
-          </a:prstGeom>
-        </p:spPr>
+        <p:spPr/>
         <p:txBody>
-          <a:bodyPr vert="horz" wrap="square" lIns="0" tIns="12065" rIns="0" bIns="0" rtlCol="0">
-            <a:spAutoFit/>
-          </a:bodyPr>
+          <a:bodyPr/>
           <a:lstStyle/>
           <a:p>
-            <a:pPr marL="12700">
-              <a:lnSpc>
-                <a:spcPct val="100000"/>
-              </a:lnSpc>
-              <a:spcBef>
-                <a:spcPts val="95"/>
-              </a:spcBef>
-            </a:pPr>
-            <a:r>
-              <a:rPr spc="110" dirty="0">
+            <a:r>
+              <a:rPr lang="en-GB" dirty="0">
                 <a:solidFill>
                   <a:schemeClr val="tx1"/>
                 </a:solidFill>
-                <a:latin typeface="Helvetica" pitchFamily="2" charset="0"/>
-              </a:rPr>
-              <a:t>Bibliography</a:t>
+              </a:rPr>
+              <a:t>Variables</a:t>
             </a:r>
           </a:p>
         </p:txBody>
       </p:sp>
       <p:sp>
         <p:nvSpPr>
-          <p:cNvPr id="19" name="TextBox 18">
+          <p:cNvPr id="6" name="TextBox 5">
             <a:extLst>
               <a:ext uri="{FF2B5EF4-FFF2-40B4-BE49-F238E27FC236}">
-                <a16:creationId xmlns:a16="http://schemas.microsoft.com/office/drawing/2014/main" id="{F3858B65-15A8-F528-5BEC-040C2DBF0F8A}"/>
+                <a16:creationId xmlns:a16="http://schemas.microsoft.com/office/drawing/2014/main" id="{B3F8E9F0-1FD2-D71E-1BE8-F830C6A0853C}"/>
               </a:ext>
             </a:extLst>
           </p:cNvPr>
@@ -5441,8 +5899,8 @@
         </p:nvSpPr>
         <p:spPr>
           <a:xfrm>
-            <a:off x="1010941" y="2073275"/>
-            <a:ext cx="17346909" cy="7017306"/>
+            <a:off x="751819" y="2073275"/>
+            <a:ext cx="7924800" cy="8154797"/>
           </a:xfrm>
           <a:prstGeom prst="rect">
             <a:avLst/>
@@ -5450,7 +5908,7 @@
           <a:noFill/>
         </p:spPr>
         <p:txBody>
-          <a:bodyPr wrap="square" rtlCol="0">
+          <a:bodyPr wrap="square">
             <a:spAutoFit/>
           </a:bodyPr>
           <a:lstStyle/>
@@ -5459,13 +5917,54 @@
               <a:lnSpc>
                 <a:spcPct val="150000"/>
               </a:lnSpc>
-            </a:pPr>
-            <a:r>
-              <a:rPr lang="en-GB" sz="2400" dirty="0">
-                <a:effectLst/>
-                <a:latin typeface="Helvetica" pitchFamily="2" charset="0"/>
-              </a:rPr>
-              <a:t>•Barth, E., Bryson, A. &amp; Dale-Olsen, H., 2020. Union Density Eﬀects on Productivity and Wages. The Economic Journal.</a:t>
+              <a:buFont typeface="Arial" panose="020B0604020202020204" pitchFamily="34" charset="0"/>
+              <a:buChar char="•"/>
+            </a:pPr>
+            <a:r>
+              <a:rPr lang="en-GB" sz="2200" b="1" dirty="0">
+                <a:effectLst/>
+                <a:latin typeface="Cambria" panose="02040503050406030204" pitchFamily="18" charset="0"/>
+              </a:rPr>
+              <a:t>Gross Domestic Product (GDP) Analysis</a:t>
+            </a:r>
+            <a:r>
+              <a:rPr lang="en-GB" sz="2200" dirty="0">
+                <a:effectLst/>
+                <a:latin typeface="Cambria" panose="02040503050406030204" pitchFamily="18" charset="0"/>
+              </a:rPr>
+              <a:t>:</a:t>
+            </a:r>
+          </a:p>
+          <a:p>
+            <a:pPr marL="742950" lvl="1" indent="-285750">
+              <a:lnSpc>
+                <a:spcPct val="150000"/>
+              </a:lnSpc>
+              <a:buFont typeface="Arial" panose="020B0604020202020204" pitchFamily="34" charset="0"/>
+              <a:buChar char="•"/>
+            </a:pPr>
+            <a:r>
+              <a:rPr lang="en-GB" sz="2200" dirty="0">
+                <a:effectLst/>
+                <a:latin typeface="Cambria" panose="02040503050406030204" pitchFamily="18" charset="0"/>
+              </a:rPr>
+              <a:t>GDP's role in analyzing country size.</a:t>
+            </a:r>
+          </a:p>
+          <a:p>
+            <a:pPr marL="742950" lvl="1" indent="-285750">
+              <a:lnSpc>
+                <a:spcPct val="150000"/>
+              </a:lnSpc>
+              <a:buFont typeface="Arial" panose="020B0604020202020204" pitchFamily="34" charset="0"/>
+              <a:buChar char="•"/>
+            </a:pPr>
+            <a:r>
+              <a:rPr lang="en-GB" sz="2200" dirty="0">
+                <a:effectLst/>
+                <a:latin typeface="Cambria" panose="02040503050406030204" pitchFamily="18" charset="0"/>
+              </a:rPr>
+              <a:t>Impact of GDP and Foreign Direct Investments (FDIs) on labour unions and income inequality.</a:t>
             </a:r>
           </a:p>
           <a:p>
@@ -5473,41 +5972,54 @@
               <a:lnSpc>
                 <a:spcPct val="150000"/>
               </a:lnSpc>
-            </a:pPr>
-            <a:r>
-              <a:rPr lang="en-GB" sz="2400" dirty="0">
-                <a:effectLst/>
-                <a:latin typeface="Helvetica" pitchFamily="2" charset="0"/>
-              </a:rPr>
-              <a:t>•</a:t>
-            </a:r>
-            <a:r>
-              <a:rPr lang="en-GB" sz="2400" dirty="0" err="1">
-                <a:effectLst/>
-                <a:latin typeface="Helvetica" pitchFamily="2" charset="0"/>
-              </a:rPr>
-              <a:t>Jaumotte</a:t>
-            </a:r>
-            <a:r>
-              <a:rPr lang="en-GB" sz="2400" dirty="0">
-                <a:effectLst/>
-                <a:latin typeface="Helvetica" pitchFamily="2" charset="0"/>
-              </a:rPr>
-              <a:t>, F. &amp; </a:t>
-            </a:r>
-            <a:r>
-              <a:rPr lang="en-GB" sz="2400" dirty="0" err="1">
-                <a:effectLst/>
-                <a:latin typeface="Helvetica" pitchFamily="2" charset="0"/>
-              </a:rPr>
-              <a:t>Buitron</a:t>
-            </a:r>
-            <a:r>
-              <a:rPr lang="en-GB" sz="2400" dirty="0">
-                <a:effectLst/>
-                <a:latin typeface="Helvetica" pitchFamily="2" charset="0"/>
-              </a:rPr>
-              <a:t>, C., 2019. Inequality: traditional drivers and the role of union power. Oxford Economic Papers.</a:t>
+              <a:buFont typeface="Arial" panose="020B0604020202020204" pitchFamily="34" charset="0"/>
+              <a:buChar char="•"/>
+            </a:pPr>
+            <a:r>
+              <a:rPr lang="en-GB" sz="2200" b="1" dirty="0">
+                <a:effectLst/>
+                <a:latin typeface="Cambria" panose="02040503050406030204" pitchFamily="18" charset="0"/>
+              </a:rPr>
+              <a:t>Effect of Economic Growth on Labour Unions</a:t>
+            </a:r>
+            <a:r>
+              <a:rPr lang="en-GB" sz="2200" dirty="0">
+                <a:effectLst/>
+                <a:latin typeface="Cambria" panose="02040503050406030204" pitchFamily="18" charset="0"/>
+              </a:rPr>
+              <a:t>:</a:t>
+            </a:r>
+          </a:p>
+          <a:p>
+            <a:pPr marL="742950" lvl="1" indent="-285750">
+              <a:lnSpc>
+                <a:spcPct val="150000"/>
+              </a:lnSpc>
+              <a:buFont typeface="Arial" panose="020B0604020202020204" pitchFamily="34" charset="0"/>
+              <a:buChar char="•"/>
+            </a:pPr>
+            <a:r>
+              <a:rPr lang="en-GB" sz="2200" dirty="0">
+                <a:effectLst/>
+                <a:latin typeface="Cambria" panose="02040503050406030204" pitchFamily="18" charset="0"/>
+              </a:rPr>
+              <a:t>Robust GDP growth strengthens labour market conditions.</a:t>
+            </a:r>
+          </a:p>
+          <a:p>
+            <a:pPr marL="742950" lvl="1" indent="-285750">
+              <a:lnSpc>
+                <a:spcPct val="150000"/>
+              </a:lnSpc>
+              <a:buFont typeface="Arial" panose="020B0604020202020204" pitchFamily="34" charset="0"/>
+              <a:buChar char="•"/>
+            </a:pPr>
+            <a:r>
+              <a:rPr lang="en-GB" sz="2200" dirty="0">
+                <a:effectLst/>
+                <a:latin typeface="Cambria" panose="02040503050406030204" pitchFamily="18" charset="0"/>
+              </a:rPr>
+              <a:t>Enhances bargaining power of unions, leading to improved wages and working conditions..</a:t>
             </a:r>
           </a:p>
           <a:p>
@@ -5515,41 +6027,54 @@
               <a:lnSpc>
                 <a:spcPct val="150000"/>
               </a:lnSpc>
-            </a:pPr>
-            <a:r>
-              <a:rPr lang="en-GB" sz="2400" dirty="0">
-                <a:effectLst/>
-                <a:latin typeface="Helvetica" pitchFamily="2" charset="0"/>
-              </a:rPr>
-              <a:t>•</a:t>
-            </a:r>
-            <a:r>
-              <a:rPr lang="en-GB" sz="2400" dirty="0" err="1">
-                <a:effectLst/>
-                <a:latin typeface="Helvetica" pitchFamily="2" charset="0"/>
-              </a:rPr>
-              <a:t>Jaumotte</a:t>
-            </a:r>
-            <a:r>
-              <a:rPr lang="en-GB" sz="2400" dirty="0">
-                <a:effectLst/>
-                <a:latin typeface="Helvetica" pitchFamily="2" charset="0"/>
-              </a:rPr>
-              <a:t>, F. &amp; Osorio-</a:t>
-            </a:r>
-            <a:r>
-              <a:rPr lang="en-GB" sz="2400" dirty="0" err="1">
-                <a:effectLst/>
-                <a:latin typeface="Helvetica" pitchFamily="2" charset="0"/>
-              </a:rPr>
-              <a:t>Buitron</a:t>
-            </a:r>
-            <a:r>
-              <a:rPr lang="en-GB" sz="2400" dirty="0">
-                <a:effectLst/>
-                <a:latin typeface="Helvetica" pitchFamily="2" charset="0"/>
-              </a:rPr>
-              <a:t>, C., 2015. Inequality and Labor Market Institutions. ERN: Poverty &amp; Inequality (Topic).</a:t>
+              <a:buFont typeface="Arial" panose="020B0604020202020204" pitchFamily="34" charset="0"/>
+              <a:buChar char="•"/>
+            </a:pPr>
+            <a:r>
+              <a:rPr lang="en-GB" sz="2200" b="1" dirty="0">
+                <a:effectLst/>
+                <a:latin typeface="Cambria" panose="02040503050406030204" pitchFamily="18" charset="0"/>
+              </a:rPr>
+              <a:t>Inflation and Wage Growth Relationship</a:t>
+            </a:r>
+            <a:r>
+              <a:rPr lang="en-GB" sz="2200" dirty="0">
+                <a:effectLst/>
+                <a:latin typeface="Cambria" panose="02040503050406030204" pitchFamily="18" charset="0"/>
+              </a:rPr>
+              <a:t>:</a:t>
+            </a:r>
+          </a:p>
+          <a:p>
+            <a:pPr marL="742950" lvl="1" indent="-285750">
+              <a:lnSpc>
+                <a:spcPct val="150000"/>
+              </a:lnSpc>
+              <a:buFont typeface="Arial" panose="020B0604020202020204" pitchFamily="34" charset="0"/>
+              <a:buChar char="•"/>
+            </a:pPr>
+            <a:r>
+              <a:rPr lang="en-GB" sz="2200" dirty="0">
+                <a:effectLst/>
+                <a:latin typeface="Cambria" panose="02040503050406030204" pitchFamily="18" charset="0"/>
+              </a:rPr>
+              <a:t>Inflation's confounding effect on wage growth analysis.</a:t>
+            </a:r>
+          </a:p>
+          <a:p>
+            <a:pPr marL="742950" lvl="1" indent="-285750">
+              <a:lnSpc>
+                <a:spcPct val="150000"/>
+              </a:lnSpc>
+              <a:buFont typeface="Arial" panose="020B0604020202020204" pitchFamily="34" charset="0"/>
+              <a:buChar char="•"/>
+            </a:pPr>
+            <a:r>
+              <a:rPr lang="en-GB" sz="2200" dirty="0">
+                <a:effectLst/>
+                <a:latin typeface="Cambria" panose="02040503050406030204" pitchFamily="18" charset="0"/>
+              </a:rPr>
+              <a:t>Underestimation of union's positive impact on wage growth if inflation is not accounted for.</a:t>
             </a:r>
           </a:p>
           <a:p>
@@ -5557,41 +6082,138 @@
               <a:lnSpc>
                 <a:spcPct val="150000"/>
               </a:lnSpc>
-            </a:pPr>
-            <a:r>
-              <a:rPr lang="en-GB" sz="2400" dirty="0">
-                <a:effectLst/>
-                <a:latin typeface="Helvetica" pitchFamily="2" charset="0"/>
-              </a:rPr>
-              <a:t>•Perron, S., 2022. State Union Density Effects on Workers’ Support for Reducing Income Inequality, 1973-2016. Social Currents.</a:t>
-            </a:r>
-          </a:p>
+              <a:buFont typeface="Arial" panose="020B0604020202020204" pitchFamily="34" charset="0"/>
+              <a:buChar char="•"/>
+            </a:pPr>
+            <a:r>
+              <a:rPr lang="en-GB" sz="2200" b="1" dirty="0">
+                <a:effectLst/>
+                <a:latin typeface="Cambria" panose="02040503050406030204" pitchFamily="18" charset="0"/>
+              </a:rPr>
+              <a:t>Wage Growth as a Confounder</a:t>
+            </a:r>
+            <a:r>
+              <a:rPr lang="en-GB" sz="2200" dirty="0">
+                <a:effectLst/>
+                <a:latin typeface="Cambria" panose="02040503050406030204" pitchFamily="18" charset="0"/>
+              </a:rPr>
+              <a:t>:</a:t>
+            </a:r>
+          </a:p>
+          <a:p>
+            <a:pPr marL="742950" lvl="1" indent="-285750">
+              <a:lnSpc>
+                <a:spcPct val="150000"/>
+              </a:lnSpc>
+              <a:buFont typeface="Arial" panose="020B0604020202020204" pitchFamily="34" charset="0"/>
+              <a:buChar char="•"/>
+            </a:pPr>
+            <a:r>
+              <a:rPr lang="en-GB" sz="2200" dirty="0">
+                <a:effectLst/>
+                <a:latin typeface="Cambria" panose="02040503050406030204" pitchFamily="18" charset="0"/>
+              </a:rPr>
+              <a:t>Potential overestimation of union's role in wage increase.</a:t>
+            </a:r>
+          </a:p>
+          <a:p>
+            <a:pPr marL="742950" lvl="1" indent="-285750">
+              <a:lnSpc>
+                <a:spcPct val="150000"/>
+              </a:lnSpc>
+              <a:buFont typeface="Arial" panose="020B0604020202020204" pitchFamily="34" charset="0"/>
+              <a:buChar char="•"/>
+            </a:pPr>
+            <a:r>
+              <a:rPr lang="en-GB" sz="2200" dirty="0">
+                <a:effectLst/>
+                <a:latin typeface="Cambria" panose="02040503050406030204" pitchFamily="18" charset="0"/>
+              </a:rPr>
+              <a:t>Need to control for wage growth to understand GDP's impact on income inequality.</a:t>
+            </a:r>
+          </a:p>
+        </p:txBody>
+      </p:sp>
+      <p:sp>
+        <p:nvSpPr>
+          <p:cNvPr id="8" name="TextBox 7">
+            <a:extLst>
+              <a:ext uri="{FF2B5EF4-FFF2-40B4-BE49-F238E27FC236}">
+                <a16:creationId xmlns:a16="http://schemas.microsoft.com/office/drawing/2014/main" id="{74291FCE-9C3A-982E-8F70-CD2A590C5503}"/>
+              </a:ext>
+            </a:extLst>
+          </p:cNvPr>
+          <p:cNvSpPr txBox="1"/>
+          <p:nvPr/>
+        </p:nvSpPr>
+        <p:spPr>
+          <a:xfrm>
+            <a:off x="10023288" y="2073275"/>
+            <a:ext cx="8791762" cy="6631303"/>
+          </a:xfrm>
+          <a:prstGeom prst="rect">
+            <a:avLst/>
+          </a:prstGeom>
+          <a:noFill/>
+        </p:spPr>
+        <p:txBody>
+          <a:bodyPr wrap="square">
+            <a:spAutoFit/>
+          </a:bodyPr>
+          <a:lstStyle/>
           <a:p>
             <a:pPr>
               <a:lnSpc>
                 <a:spcPct val="150000"/>
               </a:lnSpc>
-            </a:pPr>
-            <a:r>
-              <a:rPr lang="en-GB" sz="2400" dirty="0">
-                <a:effectLst/>
-                <a:latin typeface="Helvetica" pitchFamily="2" charset="0"/>
-              </a:rPr>
-              <a:t>•</a:t>
-            </a:r>
-            <a:r>
-              <a:rPr lang="en-GB" sz="2400" dirty="0" err="1">
-                <a:effectLst/>
-                <a:latin typeface="Helvetica" pitchFamily="2" charset="0"/>
-              </a:rPr>
-              <a:t>Meurrens</a:t>
-            </a:r>
-            <a:r>
-              <a:rPr lang="en-GB" sz="2400" dirty="0">
-                <a:effectLst/>
-                <a:latin typeface="Helvetica" pitchFamily="2" charset="0"/>
-              </a:rPr>
-              <a:t>, E.A., 2021. Relating Union Density to Wealth Inequality and Subjective Well-Being Across 13 OECD Countries. UF Journal of Undergraduate Research.</a:t>
+              <a:buFont typeface="Arial" panose="020B0604020202020204" pitchFamily="34" charset="0"/>
+              <a:buChar char="•"/>
+            </a:pPr>
+            <a:r>
+              <a:rPr lang="en-GB" sz="2200" b="1" dirty="0">
+                <a:effectLst/>
+                <a:latin typeface="Cambria" panose="02040503050406030204" pitchFamily="18" charset="0"/>
+              </a:rPr>
+              <a:t>Role of Tax Contribution</a:t>
+            </a:r>
+            <a:r>
+              <a:rPr lang="en-GB" sz="2200" dirty="0">
+                <a:effectLst/>
+                <a:latin typeface="Cambria" panose="02040503050406030204" pitchFamily="18" charset="0"/>
+              </a:rPr>
+              <a:t>:</a:t>
+            </a:r>
+          </a:p>
+          <a:p>
+            <a:pPr marL="742950" lvl="1" indent="-285750">
+              <a:lnSpc>
+                <a:spcPct val="150000"/>
+              </a:lnSpc>
+              <a:buFont typeface="Arial" panose="020B0604020202020204" pitchFamily="34" charset="0"/>
+              <a:buChar char="•"/>
+            </a:pPr>
+            <a:r>
+              <a:rPr lang="en-GB" sz="2200" dirty="0">
+                <a:effectLst/>
+                <a:latin typeface="Cambria" panose="02040503050406030204" pitchFamily="18" charset="0"/>
+              </a:rPr>
+              <a:t>Positive correlation with GDP.</a:t>
+            </a:r>
+          </a:p>
+          <a:p>
+            <a:pPr marL="742950" lvl="1" indent="-285750">
+              <a:lnSpc>
+                <a:spcPct val="150000"/>
+              </a:lnSpc>
+              <a:buFont typeface="Arial" panose="020B0604020202020204" pitchFamily="34" charset="0"/>
+              <a:buChar char="•"/>
+            </a:pPr>
+            <a:r>
+              <a:rPr lang="en-GB" sz="2200" dirty="0">
+                <a:effectLst/>
+                <a:latin typeface="Cambria" panose="02040503050406030204" pitchFamily="18" charset="0"/>
+              </a:rPr>
+              <a:t>Potential confounder affecting income distribution.</a:t>
             </a:r>
           </a:p>
           <a:p>
@@ -5599,27 +6221,54 @@
               <a:lnSpc>
                 <a:spcPct val="150000"/>
               </a:lnSpc>
-            </a:pPr>
-            <a:r>
-              <a:rPr lang="en-GB" sz="2400" dirty="0">
-                <a:effectLst/>
-                <a:latin typeface="Helvetica" pitchFamily="2" charset="0"/>
-              </a:rPr>
-              <a:t>•Alexiou, C. &amp; </a:t>
-            </a:r>
-            <a:r>
-              <a:rPr lang="en-GB" sz="2400" dirty="0" err="1">
-                <a:effectLst/>
-                <a:latin typeface="Helvetica" pitchFamily="2" charset="0"/>
-              </a:rPr>
-              <a:t>Trachanas</a:t>
-            </a:r>
-            <a:r>
-              <a:rPr lang="en-GB" sz="2400" dirty="0">
-                <a:effectLst/>
-                <a:latin typeface="Helvetica" pitchFamily="2" charset="0"/>
-              </a:rPr>
-              <a:t>, E., 2022. The impact of trade unions and government party orientation on income inequality: evidence from 17 OECD economies. Journal of Economic Studies.</a:t>
+              <a:buFont typeface="Arial" panose="020B0604020202020204" pitchFamily="34" charset="0"/>
+              <a:buChar char="•"/>
+            </a:pPr>
+            <a:r>
+              <a:rPr lang="en-GB" sz="2200" b="1" dirty="0">
+                <a:effectLst/>
+                <a:latin typeface="Cambria" panose="02040503050406030204" pitchFamily="18" charset="0"/>
+              </a:rPr>
+              <a:t>Impact of Women Workers' Dynamics</a:t>
+            </a:r>
+            <a:r>
+              <a:rPr lang="en-GB" sz="2200" dirty="0">
+                <a:effectLst/>
+                <a:latin typeface="Cambria" panose="02040503050406030204" pitchFamily="18" charset="0"/>
+              </a:rPr>
+              <a:t>:</a:t>
+            </a:r>
+          </a:p>
+          <a:p>
+            <a:pPr marL="742950" lvl="1" indent="-285750">
+              <a:lnSpc>
+                <a:spcPct val="150000"/>
+              </a:lnSpc>
+              <a:buFont typeface="Arial" panose="020B0604020202020204" pitchFamily="34" charset="0"/>
+              <a:buChar char="•"/>
+            </a:pPr>
+            <a:r>
+              <a:rPr lang="en-GB" sz="2200" dirty="0">
+                <a:effectLst/>
+                <a:latin typeface="Cambria" panose="02040503050406030204" pitchFamily="18" charset="0"/>
+              </a:rPr>
+              <a:t>Employment and unemployment rates as confounders.</a:t>
+            </a:r>
+          </a:p>
+          <a:p>
+            <a:pPr marL="742950" lvl="1" indent="-285750">
+              <a:lnSpc>
+                <a:spcPct val="150000"/>
+              </a:lnSpc>
+              <a:buFont typeface="Arial" panose="020B0604020202020204" pitchFamily="34" charset="0"/>
+              <a:buChar char="•"/>
+            </a:pPr>
+            <a:r>
+              <a:rPr lang="en-GB" sz="2200" dirty="0">
+                <a:effectLst/>
+                <a:latin typeface="Cambria" panose="02040503050406030204" pitchFamily="18" charset="0"/>
+              </a:rPr>
+              <a:t>Influence of gender-specific labour dynamics on union membership and income inequality.</a:t>
             </a:r>
           </a:p>
           <a:p>
@@ -5627,13 +6276,54 @@
               <a:lnSpc>
                 <a:spcPct val="150000"/>
               </a:lnSpc>
-            </a:pPr>
-            <a:r>
-              <a:rPr lang="en-GB" sz="2400" dirty="0">
-                <a:effectLst/>
-                <a:latin typeface="Helvetica" pitchFamily="2" charset="0"/>
-              </a:rPr>
-              <a:t>•Kerr, A. &amp; Wittenberg, M., 2021. Union wage premia and wage inequality in South Africa. Economic Modelling.</a:t>
+              <a:buFont typeface="Arial" panose="020B0604020202020204" pitchFamily="34" charset="0"/>
+              <a:buChar char="•"/>
+            </a:pPr>
+            <a:r>
+              <a:rPr lang="en-GB" sz="2200" b="1" dirty="0">
+                <a:effectLst/>
+                <a:latin typeface="Cambria" panose="02040503050406030204" pitchFamily="18" charset="0"/>
+              </a:rPr>
+              <a:t>Significance of Democratic Governance</a:t>
+            </a:r>
+            <a:r>
+              <a:rPr lang="en-GB" sz="2200" dirty="0">
+                <a:effectLst/>
+                <a:latin typeface="Cambria" panose="02040503050406030204" pitchFamily="18" charset="0"/>
+              </a:rPr>
+              <a:t>:</a:t>
+            </a:r>
+          </a:p>
+          <a:p>
+            <a:pPr marL="742950" lvl="1" indent="-285750">
+              <a:lnSpc>
+                <a:spcPct val="150000"/>
+              </a:lnSpc>
+              <a:buFont typeface="Arial" panose="020B0604020202020204" pitchFamily="34" charset="0"/>
+              <a:buChar char="•"/>
+            </a:pPr>
+            <a:r>
+              <a:rPr lang="en-GB" sz="2200" dirty="0">
+                <a:effectLst/>
+                <a:latin typeface="Cambria" panose="02040503050406030204" pitchFamily="18" charset="0"/>
+              </a:rPr>
+              <a:t>Interaction between Civic Participation and Rule of Law Index.</a:t>
+            </a:r>
+          </a:p>
+          <a:p>
+            <a:pPr marL="742950" lvl="1" indent="-285750">
+              <a:lnSpc>
+                <a:spcPct val="150000"/>
+              </a:lnSpc>
+              <a:buFont typeface="Arial" panose="020B0604020202020204" pitchFamily="34" charset="0"/>
+              <a:buChar char="•"/>
+            </a:pPr>
+            <a:r>
+              <a:rPr lang="en-GB" sz="2200" dirty="0">
+                <a:effectLst/>
+                <a:latin typeface="Cambria" panose="02040503050406030204" pitchFamily="18" charset="0"/>
+              </a:rPr>
+              <a:t>Influence on labour union activities and efficacy.</a:t>
             </a:r>
           </a:p>
           <a:p>
@@ -5641,35 +6331,506 @@
               <a:lnSpc>
                 <a:spcPct val="150000"/>
               </a:lnSpc>
-            </a:pPr>
-            <a:r>
-              <a:rPr lang="en-GB" sz="2400" dirty="0">
-                <a:effectLst/>
-                <a:latin typeface="Helvetica" pitchFamily="2" charset="0"/>
-              </a:rPr>
-              <a:t>•Harris, R.D.F. &amp; </a:t>
-            </a:r>
-            <a:r>
-              <a:rPr lang="en-GB" sz="2400" dirty="0" err="1">
-                <a:effectLst/>
-                <a:latin typeface="Helvetica" pitchFamily="2" charset="0"/>
-              </a:rPr>
-              <a:t>Moﬀat</a:t>
-            </a:r>
-            <a:r>
-              <a:rPr lang="en-GB" sz="2400" dirty="0">
-                <a:effectLst/>
-                <a:latin typeface="Helvetica" pitchFamily="2" charset="0"/>
-              </a:rPr>
-              <a:t>, J., 2023. What explains the increase in trade union density and female share of union members in the United Kingdom in 2017–2020? Journal of Industrial Relations.</a:t>
-            </a:r>
-          </a:p>
-          <a:p>
-            <a:endParaRPr lang="en-GB" dirty="0"/>
+              <a:buFont typeface="Arial" panose="020B0604020202020204" pitchFamily="34" charset="0"/>
+              <a:buChar char="•"/>
+            </a:pPr>
+            <a:r>
+              <a:rPr lang="en-GB" sz="2200" b="1" dirty="0">
+                <a:effectLst/>
+                <a:latin typeface="Cambria" panose="02040503050406030204" pitchFamily="18" charset="0"/>
+              </a:rPr>
+              <a:t>Labour Unions and Democratic Reforms</a:t>
+            </a:r>
+            <a:r>
+              <a:rPr lang="en-GB" sz="2200" dirty="0">
+                <a:effectLst/>
+                <a:latin typeface="Cambria" panose="02040503050406030204" pitchFamily="18" charset="0"/>
+              </a:rPr>
+              <a:t>:</a:t>
+            </a:r>
+          </a:p>
+          <a:p>
+            <a:pPr marL="742950" lvl="1" indent="-285750">
+              <a:lnSpc>
+                <a:spcPct val="150000"/>
+              </a:lnSpc>
+              <a:buFont typeface="Arial" panose="020B0604020202020204" pitchFamily="34" charset="0"/>
+              <a:buChar char="•"/>
+            </a:pPr>
+            <a:r>
+              <a:rPr lang="en-GB" sz="2200" dirty="0">
+                <a:effectLst/>
+                <a:latin typeface="Cambria" panose="02040503050406030204" pitchFamily="18" charset="0"/>
+              </a:rPr>
+              <a:t>Engagement beyond workplace.</a:t>
+            </a:r>
+          </a:p>
+          <a:p>
+            <a:pPr marL="742950" lvl="1" indent="-285750">
+              <a:lnSpc>
+                <a:spcPct val="150000"/>
+              </a:lnSpc>
+              <a:buFont typeface="Arial" panose="020B0604020202020204" pitchFamily="34" charset="0"/>
+              <a:buChar char="•"/>
+            </a:pPr>
+            <a:r>
+              <a:rPr lang="en-GB" sz="2200" dirty="0">
+                <a:effectLst/>
+                <a:latin typeface="Cambria" panose="02040503050406030204" pitchFamily="18" charset="0"/>
+              </a:rPr>
+              <a:t>Responsive to quality of Democratic Governance.</a:t>
+            </a:r>
           </a:p>
         </p:txBody>
       </p:sp>
     </p:spTree>
+    <p:extLst>
+      <p:ext uri="{BB962C8B-B14F-4D97-AF65-F5344CB8AC3E}">
+        <p14:creationId xmlns:p14="http://schemas.microsoft.com/office/powerpoint/2010/main" val="3118389882"/>
+      </p:ext>
+    </p:extLst>
+  </p:cSld>
+  <p:clrMapOvr>
+    <a:masterClrMapping/>
+  </p:clrMapOvr>
+</p:sld>
+</file>
+
+<file path=ppt/slides/slide8.xml><?xml version="1.0" encoding="utf-8"?>
+<p:sld xmlns:a="http://schemas.openxmlformats.org/drawingml/2006/main" xmlns:r="http://schemas.openxmlformats.org/officeDocument/2006/relationships" xmlns:p="http://schemas.openxmlformats.org/presentationml/2006/main">
+  <p:cSld>
+    <p:spTree>
+      <p:nvGrpSpPr>
+        <p:cNvPr id="1" name=""/>
+        <p:cNvGrpSpPr/>
+        <p:nvPr/>
+      </p:nvGrpSpPr>
+      <p:grpSpPr>
+        <a:xfrm>
+          <a:off x="0" y="0"/>
+          <a:ext cx="0" cy="0"/>
+          <a:chOff x="0" y="0"/>
+          <a:chExt cx="0" cy="0"/>
+        </a:xfrm>
+      </p:grpSpPr>
+      <p:sp>
+        <p:nvSpPr>
+          <p:cNvPr id="2" name="Title 1">
+            <a:extLst>
+              <a:ext uri="{FF2B5EF4-FFF2-40B4-BE49-F238E27FC236}">
+                <a16:creationId xmlns:a16="http://schemas.microsoft.com/office/drawing/2014/main" id="{A1D70E9F-A5C0-EC7E-8FBB-9E874383E154}"/>
+              </a:ext>
+            </a:extLst>
+          </p:cNvPr>
+          <p:cNvSpPr>
+            <a:spLocks noGrp="1"/>
+          </p:cNvSpPr>
+          <p:nvPr>
+            <p:ph type="title"/>
+          </p:nvPr>
+        </p:nvSpPr>
+        <p:spPr/>
+        <p:txBody>
+          <a:bodyPr/>
+          <a:lstStyle/>
+          <a:p>
+            <a:r>
+              <a:rPr lang="en-GB" dirty="0">
+                <a:solidFill>
+                  <a:schemeClr val="tx1"/>
+                </a:solidFill>
+              </a:rPr>
+              <a:t>Causal Map</a:t>
+            </a:r>
+          </a:p>
+        </p:txBody>
+      </p:sp>
+      <p:pic>
+        <p:nvPicPr>
+          <p:cNvPr id="12" name="Picture 11" descr="A diagram of a diagram&#10;&#10;Description automatically generated">
+            <a:extLst>
+              <a:ext uri="{FF2B5EF4-FFF2-40B4-BE49-F238E27FC236}">
+                <a16:creationId xmlns:a16="http://schemas.microsoft.com/office/drawing/2014/main" id="{3992CA31-6CD8-7AEA-CA35-2EADF0EA3392}"/>
+              </a:ext>
+            </a:extLst>
+          </p:cNvPr>
+          <p:cNvPicPr>
+            <a:picLocks noChangeAspect="1"/>
+          </p:cNvPicPr>
+          <p:nvPr/>
+        </p:nvPicPr>
+        <p:blipFill>
+          <a:blip r:embed="rId2">
+            <a:extLst>
+              <a:ext uri="{28A0092B-C50C-407E-A947-70E740481C1C}">
+                <a14:useLocalDpi xmlns:a14="http://schemas.microsoft.com/office/drawing/2010/main" val="0"/>
+              </a:ext>
+            </a:extLst>
+          </a:blip>
+          <a:stretch>
+            <a:fillRect/>
+          </a:stretch>
+        </p:blipFill>
+        <p:spPr>
+          <a:xfrm>
+            <a:off x="4492625" y="2454275"/>
+            <a:ext cx="11118850" cy="8449754"/>
+          </a:xfrm>
+          <a:prstGeom prst="rect">
+            <a:avLst/>
+          </a:prstGeom>
+        </p:spPr>
+      </p:pic>
+    </p:spTree>
+    <p:extLst>
+      <p:ext uri="{BB962C8B-B14F-4D97-AF65-F5344CB8AC3E}">
+        <p14:creationId xmlns:p14="http://schemas.microsoft.com/office/powerpoint/2010/main" val="160539115"/>
+      </p:ext>
+    </p:extLst>
+  </p:cSld>
+  <p:clrMapOvr>
+    <a:masterClrMapping/>
+  </p:clrMapOvr>
+</p:sld>
+</file>
+
+<file path=ppt/slides/slide9.xml><?xml version="1.0" encoding="utf-8"?>
+<p:sld xmlns:a="http://schemas.openxmlformats.org/drawingml/2006/main" xmlns:r="http://schemas.openxmlformats.org/officeDocument/2006/relationships" xmlns:p="http://schemas.openxmlformats.org/presentationml/2006/main">
+  <p:cSld>
+    <p:spTree>
+      <p:nvGrpSpPr>
+        <p:cNvPr id="1" name=""/>
+        <p:cNvGrpSpPr/>
+        <p:nvPr/>
+      </p:nvGrpSpPr>
+      <p:grpSpPr>
+        <a:xfrm>
+          <a:off x="0" y="0"/>
+          <a:ext cx="0" cy="0"/>
+          <a:chOff x="0" y="0"/>
+          <a:chExt cx="0" cy="0"/>
+        </a:xfrm>
+      </p:grpSpPr>
+      <p:sp>
+        <p:nvSpPr>
+          <p:cNvPr id="2" name="Title 1">
+            <a:extLst>
+              <a:ext uri="{FF2B5EF4-FFF2-40B4-BE49-F238E27FC236}">
+                <a16:creationId xmlns:a16="http://schemas.microsoft.com/office/drawing/2014/main" id="{2533645F-8499-CB65-1586-318B02FF6862}"/>
+              </a:ext>
+            </a:extLst>
+          </p:cNvPr>
+          <p:cNvSpPr>
+            <a:spLocks noGrp="1"/>
+          </p:cNvSpPr>
+          <p:nvPr>
+            <p:ph type="title"/>
+          </p:nvPr>
+        </p:nvSpPr>
+        <p:spPr>
+          <a:xfrm>
+            <a:off x="374650" y="581333"/>
+            <a:ext cx="14514533" cy="1015663"/>
+          </a:xfrm>
+        </p:spPr>
+        <p:txBody>
+          <a:bodyPr/>
+          <a:lstStyle/>
+          <a:p>
+            <a:r>
+              <a:rPr lang="en-GB" dirty="0">
+                <a:solidFill>
+                  <a:schemeClr val="tx1"/>
+                </a:solidFill>
+              </a:rPr>
+              <a:t>Correlation Matrix with Gini Coefficient</a:t>
+            </a:r>
+          </a:p>
+        </p:txBody>
+      </p:sp>
+      <p:pic>
+        <p:nvPicPr>
+          <p:cNvPr id="8" name="Picture 7" descr="A diagram of a graph&#10;&#10;Description automatically generated with medium confidence">
+            <a:extLst>
+              <a:ext uri="{FF2B5EF4-FFF2-40B4-BE49-F238E27FC236}">
+                <a16:creationId xmlns:a16="http://schemas.microsoft.com/office/drawing/2014/main" id="{5DF5C568-95AF-01A8-5AD2-56A8BC342F2B}"/>
+              </a:ext>
+            </a:extLst>
+          </p:cNvPr>
+          <p:cNvPicPr>
+            <a:picLocks noChangeAspect="1"/>
+          </p:cNvPicPr>
+          <p:nvPr/>
+        </p:nvPicPr>
+        <p:blipFill>
+          <a:blip r:embed="rId2">
+            <a:extLst>
+              <a:ext uri="{28A0092B-C50C-407E-A947-70E740481C1C}">
+                <a14:useLocalDpi xmlns:a14="http://schemas.microsoft.com/office/drawing/2010/main" val="0"/>
+              </a:ext>
+            </a:extLst>
+          </a:blip>
+          <a:stretch>
+            <a:fillRect/>
+          </a:stretch>
+        </p:blipFill>
+        <p:spPr>
+          <a:xfrm>
+            <a:off x="374650" y="2911475"/>
+            <a:ext cx="9180404" cy="5785217"/>
+          </a:xfrm>
+          <a:prstGeom prst="rect">
+            <a:avLst/>
+          </a:prstGeom>
+        </p:spPr>
+      </p:pic>
+      <p:sp>
+        <p:nvSpPr>
+          <p:cNvPr id="12" name="TextBox 11">
+            <a:extLst>
+              <a:ext uri="{FF2B5EF4-FFF2-40B4-BE49-F238E27FC236}">
+                <a16:creationId xmlns:a16="http://schemas.microsoft.com/office/drawing/2014/main" id="{BA72EA4A-8062-0CA9-518D-9DF561C126EC}"/>
+              </a:ext>
+            </a:extLst>
+          </p:cNvPr>
+          <p:cNvSpPr txBox="1"/>
+          <p:nvPr/>
+        </p:nvSpPr>
+        <p:spPr>
+          <a:xfrm>
+            <a:off x="9671050" y="1920875"/>
+            <a:ext cx="10058400" cy="8217634"/>
+          </a:xfrm>
+          <a:prstGeom prst="rect">
+            <a:avLst/>
+          </a:prstGeom>
+          <a:noFill/>
+        </p:spPr>
+        <p:txBody>
+          <a:bodyPr wrap="square">
+            <a:spAutoFit/>
+          </a:bodyPr>
+          <a:lstStyle/>
+          <a:p>
+            <a:pPr marL="285750" indent="-285750">
+              <a:buFont typeface="Arial" panose="020B0604020202020204" pitchFamily="34" charset="0"/>
+              <a:buChar char="•"/>
+            </a:pPr>
+            <a:r>
+              <a:rPr lang="en-GB" sz="2200" b="1" dirty="0">
+                <a:latin typeface="Cambria" panose="02040503050406030204" pitchFamily="18" charset="0"/>
+              </a:rPr>
+              <a:t>Identification of Endogeneity Issue: </a:t>
+            </a:r>
+          </a:p>
+          <a:p>
+            <a:pPr marL="285750" lvl="3" indent="-285750">
+              <a:buFont typeface="Arial" panose="020B0604020202020204" pitchFamily="34" charset="0"/>
+              <a:buChar char="•"/>
+            </a:pPr>
+            <a:r>
+              <a:rPr lang="en-GB" sz="2200" dirty="0">
+                <a:latin typeface="Cambria" panose="02040503050406030204" pitchFamily="18" charset="0"/>
+              </a:rPr>
+              <a:t>Bargain identified as potentially endogenous concerning the Gini Index. </a:t>
+            </a:r>
+          </a:p>
+          <a:p>
+            <a:pPr marL="285750" lvl="6" indent="-285750">
+              <a:buFont typeface="Arial" panose="020B0604020202020204" pitchFamily="34" charset="0"/>
+              <a:buChar char="•"/>
+            </a:pPr>
+            <a:r>
+              <a:rPr lang="en-GB" sz="2200" dirty="0">
+                <a:latin typeface="Cambria" panose="02040503050406030204" pitchFamily="18" charset="0"/>
+              </a:rPr>
+              <a:t>Need for instrumental variable (IV) analysis for unbiased and consistent estimates. 	</a:t>
+            </a:r>
+          </a:p>
+          <a:p>
+            <a:pPr marL="285750" indent="-285750">
+              <a:buFont typeface="Arial" panose="020B0604020202020204" pitchFamily="34" charset="0"/>
+              <a:buChar char="•"/>
+            </a:pPr>
+            <a:endParaRPr lang="en-GB" sz="2200" dirty="0">
+              <a:latin typeface="Cambria" panose="02040503050406030204" pitchFamily="18" charset="0"/>
+            </a:endParaRPr>
+          </a:p>
+          <a:p>
+            <a:pPr marL="285750" indent="-285750">
+              <a:buFont typeface="Arial" panose="020B0604020202020204" pitchFamily="34" charset="0"/>
+              <a:buChar char="•"/>
+            </a:pPr>
+            <a:r>
+              <a:rPr lang="en-GB" sz="2200" b="1" dirty="0">
+                <a:latin typeface="Cambria" panose="02040503050406030204" pitchFamily="18" charset="0"/>
+              </a:rPr>
+              <a:t>Selection of Instrument: </a:t>
+            </a:r>
+          </a:p>
+          <a:p>
+            <a:pPr marL="285750" indent="-285750">
+              <a:buFont typeface="Arial" panose="020B0604020202020204" pitchFamily="34" charset="0"/>
+              <a:buChar char="•"/>
+            </a:pPr>
+            <a:r>
+              <a:rPr lang="en-GB" sz="2200" dirty="0">
+                <a:latin typeface="Cambria" panose="02040503050406030204" pitchFamily="18" charset="0"/>
+              </a:rPr>
+              <a:t>Demo chosen as instrument, hypothesized to impact Gini Index only through its effect on bargain. </a:t>
+            </a:r>
+          </a:p>
+          <a:p>
+            <a:pPr marL="285750" indent="-285750">
+              <a:buFont typeface="Arial" panose="020B0604020202020204" pitchFamily="34" charset="0"/>
+              <a:buChar char="•"/>
+            </a:pPr>
+            <a:endParaRPr lang="en-GB" sz="2200" dirty="0">
+              <a:latin typeface="Cambria" panose="02040503050406030204" pitchFamily="18" charset="0"/>
+            </a:endParaRPr>
+          </a:p>
+          <a:p>
+            <a:pPr marL="285750" indent="-285750">
+              <a:buFont typeface="Arial" panose="020B0604020202020204" pitchFamily="34" charset="0"/>
+              <a:buChar char="•"/>
+            </a:pPr>
+            <a:r>
+              <a:rPr lang="en-GB" sz="2200" b="1" dirty="0">
+                <a:latin typeface="Cambria" panose="02040503050406030204" pitchFamily="18" charset="0"/>
+              </a:rPr>
+              <a:t>First Stage Regression: </a:t>
+            </a:r>
+          </a:p>
+          <a:p>
+            <a:pPr marL="285750" indent="-285750">
+              <a:buFont typeface="Arial" panose="020B0604020202020204" pitchFamily="34" charset="0"/>
+              <a:buChar char="•"/>
+            </a:pPr>
+            <a:r>
+              <a:rPr lang="en-GB" sz="2200" dirty="0">
+                <a:latin typeface="Cambria" panose="02040503050406030204" pitchFamily="18" charset="0"/>
+              </a:rPr>
+              <a:t>Regress Bargaining Power on Democratic Governance and control variables. </a:t>
+            </a:r>
+          </a:p>
+          <a:p>
+            <a:pPr marL="285750" indent="-285750">
+              <a:buFont typeface="Arial" panose="020B0604020202020204" pitchFamily="34" charset="0"/>
+              <a:buChar char="•"/>
+            </a:pPr>
+            <a:r>
+              <a:rPr lang="en-GB" sz="2200" dirty="0">
+                <a:latin typeface="Cambria" panose="02040503050406030204" pitchFamily="18" charset="0"/>
+              </a:rPr>
+              <a:t>Validate instrument's relevance. </a:t>
+            </a:r>
+          </a:p>
+          <a:p>
+            <a:endParaRPr lang="en-GB" sz="2200" dirty="0">
+              <a:latin typeface="Cambria" panose="02040503050406030204" pitchFamily="18" charset="0"/>
+            </a:endParaRPr>
+          </a:p>
+          <a:p>
+            <a:pPr marL="285750" indent="-285750">
+              <a:buFont typeface="Arial" panose="020B0604020202020204" pitchFamily="34" charset="0"/>
+              <a:buChar char="•"/>
+            </a:pPr>
+            <a:r>
+              <a:rPr lang="en-GB" sz="2200" b="1" dirty="0">
+                <a:latin typeface="Cambria" panose="02040503050406030204" pitchFamily="18" charset="0"/>
+              </a:rPr>
+              <a:t>Validation of Instrument: </a:t>
+            </a:r>
+          </a:p>
+          <a:p>
+            <a:pPr marL="285750" lvl="6" indent="-285750">
+              <a:buFont typeface="Arial" panose="020B0604020202020204" pitchFamily="34" charset="0"/>
+              <a:buChar char="•"/>
+            </a:pPr>
+            <a:r>
+              <a:rPr lang="en-GB" sz="2200" dirty="0">
+                <a:latin typeface="Cambria" panose="02040503050406030204" pitchFamily="18" charset="0"/>
+              </a:rPr>
+              <a:t>Significant coefficients observed, particularly for Democratic Governance. </a:t>
+            </a:r>
+          </a:p>
+          <a:p>
+            <a:pPr marL="285750" lvl="6" indent="-285750">
+              <a:buFont typeface="Arial" panose="020B0604020202020204" pitchFamily="34" charset="0"/>
+              <a:buChar char="•"/>
+            </a:pPr>
+            <a:r>
+              <a:rPr lang="en-GB" sz="2200" dirty="0">
+                <a:latin typeface="Cambria" panose="02040503050406030204" pitchFamily="18" charset="0"/>
+              </a:rPr>
+              <a:t>Estimated coefficient: 23.023832. </a:t>
+            </a:r>
+          </a:p>
+          <a:p>
+            <a:pPr marL="285750" lvl="6" indent="-285750">
+              <a:buFont typeface="Arial" panose="020B0604020202020204" pitchFamily="34" charset="0"/>
+              <a:buChar char="•"/>
+            </a:pPr>
+            <a:r>
+              <a:rPr lang="en-GB" sz="2200" dirty="0">
+                <a:latin typeface="Cambria" panose="02040503050406030204" pitchFamily="18" charset="0"/>
+              </a:rPr>
+              <a:t>High F-statistic (198.8) and low p-value (&lt; 2.2e-16) confirm instrument's strength. </a:t>
+            </a:r>
+          </a:p>
+          <a:p>
+            <a:pPr marL="285750" indent="-285750">
+              <a:buFont typeface="Arial" panose="020B0604020202020204" pitchFamily="34" charset="0"/>
+              <a:buChar char="•"/>
+            </a:pPr>
+            <a:endParaRPr lang="en-GB" sz="2200" dirty="0">
+              <a:latin typeface="Cambria" panose="02040503050406030204" pitchFamily="18" charset="0"/>
+            </a:endParaRPr>
+          </a:p>
+          <a:p>
+            <a:pPr marL="285750" indent="-285750">
+              <a:buFont typeface="Arial" panose="020B0604020202020204" pitchFamily="34" charset="0"/>
+              <a:buChar char="•"/>
+            </a:pPr>
+            <a:r>
+              <a:rPr lang="en-GB" sz="2200" b="1" dirty="0">
+                <a:latin typeface="Cambria" panose="02040503050406030204" pitchFamily="18" charset="0"/>
+              </a:rPr>
+              <a:t>Second Stage Regression: </a:t>
+            </a:r>
+          </a:p>
+          <a:p>
+            <a:pPr marL="285750" indent="-285750">
+              <a:buFont typeface="Arial" panose="020B0604020202020204" pitchFamily="34" charset="0"/>
+              <a:buChar char="•"/>
+            </a:pPr>
+            <a:r>
+              <a:rPr lang="en-GB" sz="2200" dirty="0">
+                <a:latin typeface="Cambria" panose="02040503050406030204" pitchFamily="18" charset="0"/>
+              </a:rPr>
+              <a:t>Regress Gini Index on fitted values of Bargaining Power from first stage and control variables. </a:t>
+            </a:r>
+          </a:p>
+          <a:p>
+            <a:pPr marL="285750" indent="-285750">
+              <a:buFont typeface="Arial" panose="020B0604020202020204" pitchFamily="34" charset="0"/>
+              <a:buChar char="•"/>
+            </a:pPr>
+            <a:r>
+              <a:rPr lang="en-GB" sz="2200" dirty="0">
+                <a:latin typeface="Cambria" panose="02040503050406030204" pitchFamily="18" charset="0"/>
+              </a:rPr>
+              <a:t>Obtain unbiased estimate of Bargaining Power's impact on Gini Index, mitigating endogeneity concerns.</a:t>
+            </a:r>
+          </a:p>
+        </p:txBody>
+      </p:sp>
+    </p:spTree>
+    <p:extLst>
+      <p:ext uri="{BB962C8B-B14F-4D97-AF65-F5344CB8AC3E}">
+        <p14:creationId xmlns:p14="http://schemas.microsoft.com/office/powerpoint/2010/main" val="2807043148"/>
+      </p:ext>
+    </p:extLst>
   </p:cSld>
   <p:clrMapOvr>
     <a:masterClrMapping/>

--- a/presentations/presentation_JacopoBinati.pptx
+++ b/presentations/presentation_JacopoBinati.pptx
@@ -2566,8 +2566,8 @@
           </a:p>
         </p:txBody>
       </p:sp>
-      <mc:AlternateContent xmlns:mc="http://schemas.openxmlformats.org/markup-compatibility/2006">
-        <mc:Choice xmlns:a14="http://schemas.microsoft.com/office/drawing/2010/main" Requires="a14">
+      <mc:AlternateContent xmlns:mc="http://schemas.openxmlformats.org/markup-compatibility/2006" xmlns:a14="http://schemas.microsoft.com/office/drawing/2010/main">
+        <mc:Choice Requires="a14">
           <p:sp>
             <p:nvSpPr>
               <p:cNvPr id="7" name="TextBox 6">
@@ -3336,7 +3336,7 @@
             </p:txBody>
           </p:sp>
         </mc:Choice>
-        <mc:Fallback>
+        <mc:Fallback xmlns="">
           <p:sp>
             <p:nvSpPr>
               <p:cNvPr id="7" name="TextBox 6">
